--- a/Projects/Projects#1_EngineFaultDiagnosis/Project#1_Proposal/IAIA_Proposal_21900727_21900416_GaramJin_GyeonhealAn_Fixed.pptx
+++ b/Projects/Projects#1_EngineFaultDiagnosis/Project#1_Proposal/IAIA_Proposal_21900727_21900416_GaramJin_GyeonhealAn_Fixed.pptx
@@ -5,7 +5,7 @@
     <p:sldMasterId id="2147483970" r:id="rId1"/>
   </p:sldMasterIdLst>
   <p:notesMasterIdLst>
-    <p:notesMasterId r:id="rId11"/>
+    <p:notesMasterId r:id="rId12"/>
   </p:notesMasterIdLst>
   <p:sldIdLst>
     <p:sldId id="4149" r:id="rId2"/>
@@ -14,9 +14,10 @@
     <p:sldId id="4171" r:id="rId5"/>
     <p:sldId id="4173" r:id="rId6"/>
     <p:sldId id="4172" r:id="rId7"/>
-    <p:sldId id="4174" r:id="rId8"/>
-    <p:sldId id="4178" r:id="rId9"/>
-    <p:sldId id="4175" r:id="rId10"/>
+    <p:sldId id="4179" r:id="rId8"/>
+    <p:sldId id="4174" r:id="rId9"/>
+    <p:sldId id="4178" r:id="rId10"/>
+    <p:sldId id="4175" r:id="rId11"/>
   </p:sldIdLst>
   <p:sldSz cx="24377650" cy="13716000"/>
   <p:notesSz cx="6858000" cy="9144000"/>
@@ -252,7 +253,7 @@
             <a:fld id="{EFC10EE1-B198-C942-8235-326C972CBB30}" type="datetimeFigureOut">
               <a:rPr lang="en-US" smtClean="0"/>
               <a:pPr/>
-              <a:t>10/2/2024</a:t>
+              <a:t>10/7/2024</a:t>
             </a:fld>
             <a:endParaRPr lang="en-US"/>
           </a:p>
@@ -823,7 +824,11 @@
           <a:bodyPr/>
           <a:lstStyle/>
           <a:p>
-            <a:endParaRPr lang="ko-KR" altLang="en-US" dirty="0"/>
+            <a:r>
+              <a:rPr lang="en-US" altLang="ko-KR"/>
+              <a:t>https://www.howacarworks.com/basics/how-a-fuel-injection-system-works</a:t>
+            </a:r>
+            <a:endParaRPr lang="ko-KR" altLang="en-US"/>
           </a:p>
         </p:txBody>
       </p:sp>
@@ -854,7 +859,7 @@
     </p:spTree>
     <p:extLst>
       <p:ext uri="{BB962C8B-B14F-4D97-AF65-F5344CB8AC3E}">
-        <p14:creationId xmlns:p14="http://schemas.microsoft.com/office/powerpoint/2010/main" val="16195614"/>
+        <p14:creationId xmlns:p14="http://schemas.microsoft.com/office/powerpoint/2010/main" val="459032640"/>
       </p:ext>
     </p:extLst>
   </p:cSld>
@@ -939,6 +944,91 @@
     </p:spTree>
     <p:extLst>
       <p:ext uri="{BB962C8B-B14F-4D97-AF65-F5344CB8AC3E}">
+        <p14:creationId xmlns:p14="http://schemas.microsoft.com/office/powerpoint/2010/main" val="16195614"/>
+      </p:ext>
+    </p:extLst>
+  </p:cSld>
+  <p:clrMapOvr>
+    <a:masterClrMapping/>
+  </p:clrMapOvr>
+</p:notes>
+</file>
+
+<file path=ppt/notesSlides/notesSlide6.xml><?xml version="1.0" encoding="utf-8"?>
+<p:notes xmlns:a="http://schemas.openxmlformats.org/drawingml/2006/main" xmlns:r="http://schemas.openxmlformats.org/officeDocument/2006/relationships" xmlns:p="http://schemas.openxmlformats.org/presentationml/2006/main">
+  <p:cSld>
+    <p:spTree>
+      <p:nvGrpSpPr>
+        <p:cNvPr id="1" name=""/>
+        <p:cNvGrpSpPr/>
+        <p:nvPr/>
+      </p:nvGrpSpPr>
+      <p:grpSpPr>
+        <a:xfrm>
+          <a:off x="0" y="0"/>
+          <a:ext cx="0" cy="0"/>
+          <a:chOff x="0" y="0"/>
+          <a:chExt cx="0" cy="0"/>
+        </a:xfrm>
+      </p:grpSpPr>
+      <p:sp>
+        <p:nvSpPr>
+          <p:cNvPr id="2" name="슬라이드 이미지 개체 틀 1"/>
+          <p:cNvSpPr>
+            <a:spLocks noGrp="1" noRot="1" noChangeAspect="1"/>
+          </p:cNvSpPr>
+          <p:nvPr>
+            <p:ph type="sldImg"/>
+          </p:nvPr>
+        </p:nvSpPr>
+        <p:spPr/>
+      </p:sp>
+      <p:sp>
+        <p:nvSpPr>
+          <p:cNvPr id="3" name="슬라이드 노트 개체 틀 2"/>
+          <p:cNvSpPr>
+            <a:spLocks noGrp="1"/>
+          </p:cNvSpPr>
+          <p:nvPr>
+            <p:ph type="body" idx="1"/>
+          </p:nvPr>
+        </p:nvSpPr>
+        <p:spPr/>
+        <p:txBody>
+          <a:bodyPr/>
+          <a:lstStyle/>
+          <a:p>
+            <a:endParaRPr lang="ko-KR" altLang="en-US" dirty="0"/>
+          </a:p>
+        </p:txBody>
+      </p:sp>
+      <p:sp>
+        <p:nvSpPr>
+          <p:cNvPr id="4" name="슬라이드 번호 개체 틀 3"/>
+          <p:cNvSpPr>
+            <a:spLocks noGrp="1"/>
+          </p:cNvSpPr>
+          <p:nvPr>
+            <p:ph type="sldNum" sz="quarter" idx="5"/>
+          </p:nvPr>
+        </p:nvSpPr>
+        <p:spPr/>
+        <p:txBody>
+          <a:bodyPr/>
+          <a:lstStyle/>
+          <a:p>
+            <a:fld id="{006BE02D-20C0-F840-AFAC-BEA99C74FDC2}" type="slidenum">
+              <a:rPr lang="en-US" smtClean="0"/>
+              <a:pPr/>
+              <a:t>9</a:t>
+            </a:fld>
+            <a:endParaRPr lang="en-US"/>
+          </a:p>
+        </p:txBody>
+      </p:sp>
+    </p:spTree>
+    <p:extLst>
+      <p:ext uri="{BB962C8B-B14F-4D97-AF65-F5344CB8AC3E}">
         <p14:creationId xmlns:p14="http://schemas.microsoft.com/office/powerpoint/2010/main" val="2572656763"/>
       </p:ext>
     </p:extLst>
@@ -949,7 +1039,7 @@
 </p:notes>
 </file>
 
-<file path=ppt/notesSlides/notesSlide6.xml><?xml version="1.0" encoding="utf-8"?>
+<file path=ppt/notesSlides/notesSlide7.xml><?xml version="1.0" encoding="utf-8"?>
 <p:notes xmlns:a="http://schemas.openxmlformats.org/drawingml/2006/main" xmlns:r="http://schemas.openxmlformats.org/officeDocument/2006/relationships" xmlns:p="http://schemas.openxmlformats.org/presentationml/2006/main">
   <p:cSld>
     <p:spTree>
@@ -1015,7 +1105,7 @@
             <a:fld id="{006BE02D-20C0-F840-AFAC-BEA99C74FDC2}" type="slidenum">
               <a:rPr lang="en-US" smtClean="0"/>
               <a:pPr/>
-              <a:t>9</a:t>
+              <a:t>10</a:t>
             </a:fld>
             <a:endParaRPr lang="en-US"/>
           </a:p>
@@ -1745,7 +1835,7 @@
           <a:p>
             <a:fld id="{C764DE79-268F-4C1A-8933-263129D2AF90}" type="datetimeFigureOut">
               <a:rPr lang="en-US" dirty="0"/>
-              <a:t>10/2/2024</a:t>
+              <a:t>10/7/2024</a:t>
             </a:fld>
             <a:endParaRPr lang="en-US"/>
           </a:p>
@@ -3357,6 +3447,774 @@
 </p:sld>
 </file>
 
+<file path=ppt/slides/slide10.xml><?xml version="1.0" encoding="utf-8"?>
+<p:sld xmlns:a="http://schemas.openxmlformats.org/drawingml/2006/main" xmlns:r="http://schemas.openxmlformats.org/officeDocument/2006/relationships" xmlns:p="http://schemas.openxmlformats.org/presentationml/2006/main">
+  <p:cSld>
+    <p:spTree>
+      <p:nvGrpSpPr>
+        <p:cNvPr id="1" name=""/>
+        <p:cNvGrpSpPr/>
+        <p:nvPr/>
+      </p:nvGrpSpPr>
+      <p:grpSpPr>
+        <a:xfrm>
+          <a:off x="0" y="0"/>
+          <a:ext cx="0" cy="0"/>
+          <a:chOff x="0" y="0"/>
+          <a:chExt cx="0" cy="0"/>
+        </a:xfrm>
+      </p:grpSpPr>
+      <p:sp>
+        <p:nvSpPr>
+          <p:cNvPr id="15" name="직사각형 14">
+            <a:extLst>
+              <a:ext uri="{FF2B5EF4-FFF2-40B4-BE49-F238E27FC236}">
+                <a16:creationId xmlns:a16="http://schemas.microsoft.com/office/drawing/2014/main" id="{D39555BB-212F-9BC1-A677-1F9ADA26D514}"/>
+              </a:ext>
+            </a:extLst>
+          </p:cNvPr>
+          <p:cNvSpPr/>
+          <p:nvPr/>
+        </p:nvSpPr>
+        <p:spPr>
+          <a:xfrm>
+            <a:off x="14763826" y="3378174"/>
+            <a:ext cx="6779623" cy="7738317"/>
+          </a:xfrm>
+          <a:prstGeom prst="rect">
+            <a:avLst/>
+          </a:prstGeom>
+          <a:solidFill>
+            <a:schemeClr val="bg1">
+              <a:lumMod val="85000"/>
+            </a:schemeClr>
+          </a:solidFill>
+          <a:ln>
+            <a:noFill/>
+          </a:ln>
+        </p:spPr>
+        <p:style>
+          <a:lnRef idx="2">
+            <a:schemeClr val="accent1">
+              <a:shade val="15000"/>
+            </a:schemeClr>
+          </a:lnRef>
+          <a:fillRef idx="1">
+            <a:schemeClr val="accent1"/>
+          </a:fillRef>
+          <a:effectRef idx="0">
+            <a:schemeClr val="accent1"/>
+          </a:effectRef>
+          <a:fontRef idx="minor">
+            <a:schemeClr val="lt1"/>
+          </a:fontRef>
+        </p:style>
+        <p:txBody>
+          <a:bodyPr rtlCol="0" anchor="ctr"/>
+          <a:lstStyle/>
+          <a:p>
+            <a:pPr algn="ctr"/>
+            <a:endParaRPr lang="ko-KR" altLang="en-US" dirty="0"/>
+          </a:p>
+        </p:txBody>
+      </p:sp>
+      <p:sp>
+        <p:nvSpPr>
+          <p:cNvPr id="16" name="직사각형 15">
+            <a:extLst>
+              <a:ext uri="{FF2B5EF4-FFF2-40B4-BE49-F238E27FC236}">
+                <a16:creationId xmlns:a16="http://schemas.microsoft.com/office/drawing/2014/main" id="{E1296F0F-E2E1-AE6E-F537-1A9ABA29ECFF}"/>
+              </a:ext>
+            </a:extLst>
+          </p:cNvPr>
+          <p:cNvSpPr/>
+          <p:nvPr/>
+        </p:nvSpPr>
+        <p:spPr>
+          <a:xfrm>
+            <a:off x="14763827" y="2939176"/>
+            <a:ext cx="3056110" cy="567933"/>
+          </a:xfrm>
+          <a:prstGeom prst="rect">
+            <a:avLst/>
+          </a:prstGeom>
+          <a:solidFill>
+            <a:schemeClr val="tx2">
+              <a:lumMod val="75000"/>
+            </a:schemeClr>
+          </a:solidFill>
+          <a:ln>
+            <a:noFill/>
+          </a:ln>
+        </p:spPr>
+        <p:style>
+          <a:lnRef idx="2">
+            <a:schemeClr val="accent1">
+              <a:shade val="15000"/>
+            </a:schemeClr>
+          </a:lnRef>
+          <a:fillRef idx="1">
+            <a:schemeClr val="accent1"/>
+          </a:fillRef>
+          <a:effectRef idx="0">
+            <a:schemeClr val="accent1"/>
+          </a:effectRef>
+          <a:fontRef idx="minor">
+            <a:schemeClr val="lt1"/>
+          </a:fontRef>
+        </p:style>
+        <p:txBody>
+          <a:bodyPr rtlCol="0" anchor="ctr"/>
+          <a:lstStyle/>
+          <a:p>
+            <a:pPr algn="ctr"/>
+            <a:r>
+              <a:rPr lang="en-US" altLang="ko-KR" sz="2400" b="1" dirty="0">
+                <a:solidFill>
+                  <a:schemeClr val="bg2"/>
+                </a:solidFill>
+              </a:rPr>
+              <a:t>Additional Research</a:t>
+            </a:r>
+          </a:p>
+        </p:txBody>
+      </p:sp>
+      <p:sp>
+        <p:nvSpPr>
+          <p:cNvPr id="12" name="직사각형 11">
+            <a:extLst>
+              <a:ext uri="{FF2B5EF4-FFF2-40B4-BE49-F238E27FC236}">
+                <a16:creationId xmlns:a16="http://schemas.microsoft.com/office/drawing/2014/main" id="{88F0E760-71D4-04CB-E133-C497F758416F}"/>
+              </a:ext>
+            </a:extLst>
+          </p:cNvPr>
+          <p:cNvSpPr/>
+          <p:nvPr/>
+        </p:nvSpPr>
+        <p:spPr>
+          <a:xfrm>
+            <a:off x="1081873" y="3466520"/>
+            <a:ext cx="9864802" cy="6382874"/>
+          </a:xfrm>
+          <a:prstGeom prst="rect">
+            <a:avLst/>
+          </a:prstGeom>
+          <a:solidFill>
+            <a:schemeClr val="bg1">
+              <a:lumMod val="85000"/>
+            </a:schemeClr>
+          </a:solidFill>
+          <a:ln>
+            <a:noFill/>
+          </a:ln>
+        </p:spPr>
+        <p:style>
+          <a:lnRef idx="2">
+            <a:schemeClr val="accent1">
+              <a:shade val="15000"/>
+            </a:schemeClr>
+          </a:lnRef>
+          <a:fillRef idx="1">
+            <a:schemeClr val="accent1"/>
+          </a:fillRef>
+          <a:effectRef idx="0">
+            <a:schemeClr val="accent1"/>
+          </a:effectRef>
+          <a:fontRef idx="minor">
+            <a:schemeClr val="lt1"/>
+          </a:fontRef>
+        </p:style>
+        <p:txBody>
+          <a:bodyPr rtlCol="0" anchor="ctr"/>
+          <a:lstStyle/>
+          <a:p>
+            <a:pPr algn="ctr"/>
+            <a:endParaRPr lang="ko-KR" altLang="en-US" dirty="0"/>
+          </a:p>
+        </p:txBody>
+      </p:sp>
+      <p:grpSp>
+        <p:nvGrpSpPr>
+          <p:cNvPr id="38" name="Group 37">
+            <a:extLst>
+              <a:ext uri="{FF2B5EF4-FFF2-40B4-BE49-F238E27FC236}">
+                <a16:creationId xmlns:a16="http://schemas.microsoft.com/office/drawing/2014/main" id="{52166C3A-42D0-3F49-9E00-B0D3146BE411}"/>
+              </a:ext>
+            </a:extLst>
+          </p:cNvPr>
+          <p:cNvGrpSpPr/>
+          <p:nvPr/>
+        </p:nvGrpSpPr>
+        <p:grpSpPr>
+          <a:xfrm>
+            <a:off x="7477014" y="1173093"/>
+            <a:ext cx="9423620" cy="1297786"/>
+            <a:chOff x="8157324" y="1464039"/>
+            <a:chExt cx="9423620" cy="1297786"/>
+          </a:xfrm>
+        </p:grpSpPr>
+        <p:sp>
+          <p:nvSpPr>
+            <p:cNvPr id="41" name="TextBox 40">
+              <a:extLst>
+                <a:ext uri="{FF2B5EF4-FFF2-40B4-BE49-F238E27FC236}">
+                  <a16:creationId xmlns:a16="http://schemas.microsoft.com/office/drawing/2014/main" id="{3ECC3133-C266-2F4B-8018-72647E86218A}"/>
+                </a:ext>
+              </a:extLst>
+            </p:cNvPr>
+            <p:cNvSpPr txBox="1"/>
+            <p:nvPr/>
+          </p:nvSpPr>
+          <p:spPr>
+            <a:xfrm>
+              <a:off x="8157324" y="1746162"/>
+              <a:ext cx="9423620" cy="1015663"/>
+            </a:xfrm>
+            <a:prstGeom prst="rect">
+              <a:avLst/>
+            </a:prstGeom>
+            <a:noFill/>
+            <a:ln>
+              <a:noFill/>
+            </a:ln>
+          </p:spPr>
+          <p:txBody>
+            <a:bodyPr wrap="square" rtlCol="0">
+              <a:spAutoFit/>
+            </a:bodyPr>
+            <a:lstStyle/>
+            <a:p>
+              <a:pPr algn="ctr"/>
+              <a:r>
+                <a:rPr lang="en-US" sz="6000" b="1" dirty="0">
+                  <a:solidFill>
+                    <a:schemeClr val="tx2"/>
+                  </a:solidFill>
+                  <a:latin typeface="Roboto" panose="02000000000000000000" pitchFamily="2" charset="0"/>
+                  <a:ea typeface="Roboto" panose="02000000000000000000" pitchFamily="2" charset="0"/>
+                  <a:cs typeface="Lato Light" panose="020F0502020204030203" pitchFamily="34" charset="0"/>
+                </a:rPr>
+                <a:t>REFERNCES</a:t>
+              </a:r>
+            </a:p>
+          </p:txBody>
+        </p:sp>
+        <p:sp>
+          <p:nvSpPr>
+            <p:cNvPr id="40" name="Rectangle 39">
+              <a:extLst>
+                <a:ext uri="{FF2B5EF4-FFF2-40B4-BE49-F238E27FC236}">
+                  <a16:creationId xmlns:a16="http://schemas.microsoft.com/office/drawing/2014/main" id="{CA81A95F-AFB3-034E-B8D1-D00754A103C1}"/>
+                </a:ext>
+              </a:extLst>
+            </p:cNvPr>
+            <p:cNvSpPr/>
+            <p:nvPr/>
+          </p:nvSpPr>
+          <p:spPr>
+            <a:xfrm>
+              <a:off x="12536825" y="1464039"/>
+              <a:ext cx="664618" cy="76974"/>
+            </a:xfrm>
+            <a:prstGeom prst="rect">
+              <a:avLst/>
+            </a:prstGeom>
+            <a:solidFill>
+              <a:schemeClr val="accent5"/>
+            </a:solidFill>
+            <a:ln>
+              <a:noFill/>
+            </a:ln>
+          </p:spPr>
+          <p:style>
+            <a:lnRef idx="2">
+              <a:schemeClr val="accent1">
+                <a:shade val="50000"/>
+              </a:schemeClr>
+            </a:lnRef>
+            <a:fillRef idx="1">
+              <a:schemeClr val="accent1"/>
+            </a:fillRef>
+            <a:effectRef idx="0">
+              <a:schemeClr val="accent1"/>
+            </a:effectRef>
+            <a:fontRef idx="minor">
+              <a:schemeClr val="lt1"/>
+            </a:fontRef>
+          </p:style>
+          <p:txBody>
+            <a:bodyPr rtlCol="0" anchor="ctr"/>
+            <a:lstStyle/>
+            <a:p>
+              <a:pPr algn="ctr"/>
+              <a:endParaRPr lang="en-US"/>
+            </a:p>
+          </p:txBody>
+        </p:sp>
+      </p:grpSp>
+      <p:pic>
+        <p:nvPicPr>
+          <p:cNvPr id="7" name="그림 6">
+            <a:extLst>
+              <a:ext uri="{FF2B5EF4-FFF2-40B4-BE49-F238E27FC236}">
+                <a16:creationId xmlns:a16="http://schemas.microsoft.com/office/drawing/2014/main" id="{D497C9FB-D0D2-E965-A0BE-D4280B25FD6E}"/>
+              </a:ext>
+            </a:extLst>
+          </p:cNvPr>
+          <p:cNvPicPr>
+            <a:picLocks noChangeAspect="1"/>
+          </p:cNvPicPr>
+          <p:nvPr/>
+        </p:nvPicPr>
+        <p:blipFill>
+          <a:blip r:embed="rId3"/>
+          <a:stretch>
+            <a:fillRect/>
+          </a:stretch>
+        </p:blipFill>
+        <p:spPr>
+          <a:xfrm>
+            <a:off x="1316076" y="3658343"/>
+            <a:ext cx="9395421" cy="6004973"/>
+          </a:xfrm>
+          <a:prstGeom prst="rect">
+            <a:avLst/>
+          </a:prstGeom>
+        </p:spPr>
+      </p:pic>
+      <p:sp>
+        <p:nvSpPr>
+          <p:cNvPr id="14" name="TextBox 13">
+            <a:extLst>
+              <a:ext uri="{FF2B5EF4-FFF2-40B4-BE49-F238E27FC236}">
+                <a16:creationId xmlns:a16="http://schemas.microsoft.com/office/drawing/2014/main" id="{6714018D-3E94-18CC-8778-0C6D19B2C044}"/>
+              </a:ext>
+            </a:extLst>
+          </p:cNvPr>
+          <p:cNvSpPr txBox="1"/>
+          <p:nvPr/>
+        </p:nvSpPr>
+        <p:spPr>
+          <a:xfrm>
+            <a:off x="10374868" y="2510207"/>
+            <a:ext cx="3627917" cy="400110"/>
+          </a:xfrm>
+          <a:prstGeom prst="rect">
+            <a:avLst/>
+          </a:prstGeom>
+          <a:noFill/>
+        </p:spPr>
+        <p:txBody>
+          <a:bodyPr wrap="none" lIns="91440" tIns="45720" rIns="91440" bIns="45720" rtlCol="0" anchor="t">
+            <a:spAutoFit/>
+          </a:bodyPr>
+          <a:lstStyle/>
+          <a:p>
+            <a:pPr algn="ctr"/>
+            <a:r>
+              <a:rPr lang="en-US" sz="2000" spc="300">
+                <a:latin typeface="Roboto"/>
+                <a:ea typeface="Roboto"/>
+                <a:cs typeface="Lato"/>
+              </a:rPr>
+              <a:t>Engine Fault Diagnosis</a:t>
+            </a:r>
+          </a:p>
+        </p:txBody>
+      </p:sp>
+      <p:sp>
+        <p:nvSpPr>
+          <p:cNvPr id="4" name="TextBox 3">
+            <a:extLst>
+              <a:ext uri="{FF2B5EF4-FFF2-40B4-BE49-F238E27FC236}">
+                <a16:creationId xmlns:a16="http://schemas.microsoft.com/office/drawing/2014/main" id="{8E3F1F74-D0B1-383D-6627-7002D78E4336}"/>
+              </a:ext>
+            </a:extLst>
+          </p:cNvPr>
+          <p:cNvSpPr txBox="1"/>
+          <p:nvPr/>
+        </p:nvSpPr>
+        <p:spPr>
+          <a:xfrm>
+            <a:off x="1316076" y="10238215"/>
+            <a:ext cx="10089120" cy="1077218"/>
+          </a:xfrm>
+          <a:prstGeom prst="rect">
+            <a:avLst/>
+          </a:prstGeom>
+          <a:noFill/>
+        </p:spPr>
+        <p:txBody>
+          <a:bodyPr wrap="square">
+            <a:spAutoFit/>
+          </a:bodyPr>
+          <a:lstStyle/>
+          <a:p>
+            <a:r>
+              <a:rPr lang="en-US" altLang="ko-KR" sz="1600" dirty="0">
+                <a:solidFill>
+                  <a:srgbClr val="C00000"/>
+                </a:solidFill>
+                <a:latin typeface="Roboto Light" panose="02000000000000000000" pitchFamily="2" charset="0"/>
+                <a:ea typeface="Roboto Light" panose="02000000000000000000" pitchFamily="2" charset="0"/>
+                <a:cs typeface="Roboto Light" panose="02000000000000000000" pitchFamily="2" charset="0"/>
+              </a:rPr>
+              <a:t>[1] </a:t>
+            </a:r>
+            <a:r>
+              <a:rPr lang="tr-TR" altLang="ko-KR" sz="1600" b="0" i="0" dirty="0">
+                <a:solidFill>
+                  <a:srgbClr val="222222"/>
+                </a:solidFill>
+                <a:effectLst/>
+                <a:latin typeface="Roboto Light" panose="02000000000000000000" pitchFamily="2" charset="0"/>
+                <a:ea typeface="Roboto Light" panose="02000000000000000000" pitchFamily="2" charset="0"/>
+                <a:cs typeface="Roboto Light" panose="02000000000000000000" pitchFamily="2" charset="0"/>
+              </a:rPr>
+              <a:t>Vergara, M., Ramos, L., Rivera-Campoverde, N. D., &amp; Rivas-Echeverría, F. (2023). Enginefaultdb: a novel dataset for automotive engine fault classification and baseline results. </a:t>
+            </a:r>
+            <a:r>
+              <a:rPr lang="tr-TR" altLang="ko-KR" sz="1600" b="0" i="1" dirty="0">
+                <a:solidFill>
+                  <a:srgbClr val="222222"/>
+                </a:solidFill>
+                <a:effectLst/>
+                <a:latin typeface="Roboto Light" panose="02000000000000000000" pitchFamily="2" charset="0"/>
+                <a:ea typeface="Roboto Light" panose="02000000000000000000" pitchFamily="2" charset="0"/>
+                <a:cs typeface="Roboto Light" panose="02000000000000000000" pitchFamily="2" charset="0"/>
+              </a:rPr>
+              <a:t>IEEE Access</a:t>
+            </a:r>
+            <a:r>
+              <a:rPr lang="tr-TR" altLang="ko-KR" sz="1600" b="0" i="0" dirty="0">
+                <a:solidFill>
+                  <a:srgbClr val="222222"/>
+                </a:solidFill>
+                <a:effectLst/>
+                <a:latin typeface="Roboto Light" panose="02000000000000000000" pitchFamily="2" charset="0"/>
+                <a:ea typeface="Roboto Light" panose="02000000000000000000" pitchFamily="2" charset="0"/>
+                <a:cs typeface="Roboto Light" panose="02000000000000000000" pitchFamily="2" charset="0"/>
+              </a:rPr>
+              <a:t>, </a:t>
+            </a:r>
+            <a:r>
+              <a:rPr lang="tr-TR" altLang="ko-KR" sz="1600" b="0" i="1" dirty="0">
+                <a:solidFill>
+                  <a:srgbClr val="222222"/>
+                </a:solidFill>
+                <a:effectLst/>
+                <a:latin typeface="Roboto Light" panose="02000000000000000000" pitchFamily="2" charset="0"/>
+                <a:ea typeface="Roboto Light" panose="02000000000000000000" pitchFamily="2" charset="0"/>
+                <a:cs typeface="Roboto Light" panose="02000000000000000000" pitchFamily="2" charset="0"/>
+              </a:rPr>
+              <a:t>11</a:t>
+            </a:r>
+            <a:r>
+              <a:rPr lang="tr-TR" altLang="ko-KR" sz="1600" b="0" i="0" dirty="0">
+                <a:solidFill>
+                  <a:srgbClr val="222222"/>
+                </a:solidFill>
+                <a:effectLst/>
+                <a:latin typeface="Roboto Light" panose="02000000000000000000" pitchFamily="2" charset="0"/>
+                <a:ea typeface="Roboto Light" panose="02000000000000000000" pitchFamily="2" charset="0"/>
+                <a:cs typeface="Roboto Light" panose="02000000000000000000" pitchFamily="2" charset="0"/>
+              </a:rPr>
+              <a:t>, 126155-126171.</a:t>
+            </a:r>
+            <a:endParaRPr lang="en-US" altLang="ko-KR" sz="1600" b="0" i="0" dirty="0">
+              <a:solidFill>
+                <a:srgbClr val="222222"/>
+              </a:solidFill>
+              <a:effectLst/>
+              <a:latin typeface="Roboto Light" panose="02000000000000000000" pitchFamily="2" charset="0"/>
+              <a:ea typeface="Roboto Light" panose="02000000000000000000" pitchFamily="2" charset="0"/>
+              <a:cs typeface="Roboto Light" panose="02000000000000000000" pitchFamily="2" charset="0"/>
+            </a:endParaRPr>
+          </a:p>
+          <a:p>
+            <a:endParaRPr lang="en-US" altLang="ko-KR" sz="1600" dirty="0">
+              <a:solidFill>
+                <a:srgbClr val="222222"/>
+              </a:solidFill>
+              <a:latin typeface="Roboto Light" panose="02000000000000000000" pitchFamily="2" charset="0"/>
+              <a:ea typeface="Roboto Light" panose="02000000000000000000" pitchFamily="2" charset="0"/>
+              <a:cs typeface="Roboto Light" panose="02000000000000000000" pitchFamily="2" charset="0"/>
+            </a:endParaRPr>
+          </a:p>
+          <a:p>
+            <a:r>
+              <a:rPr lang="en-US" altLang="ko-KR" sz="1600" dirty="0">
+                <a:solidFill>
+                  <a:srgbClr val="C00000"/>
+                </a:solidFill>
+                <a:latin typeface="Roboto Light" panose="02000000000000000000" pitchFamily="2" charset="0"/>
+                <a:ea typeface="Roboto Light" panose="02000000000000000000" pitchFamily="2" charset="0"/>
+                <a:cs typeface="Roboto Light" panose="02000000000000000000" pitchFamily="2" charset="0"/>
+              </a:rPr>
+              <a:t>[2] </a:t>
+            </a:r>
+            <a:r>
+              <a:rPr lang="en-US" altLang="ko-KR" sz="1600" dirty="0">
+                <a:solidFill>
+                  <a:schemeClr val="tx2">
+                    <a:lumMod val="75000"/>
+                  </a:schemeClr>
+                </a:solidFill>
+                <a:latin typeface="Roboto Light" panose="02000000000000000000" pitchFamily="2" charset="0"/>
+                <a:ea typeface="Roboto Light" panose="02000000000000000000" pitchFamily="2" charset="0"/>
+                <a:cs typeface="Roboto Light" panose="02000000000000000000" pitchFamily="2" charset="0"/>
+              </a:rPr>
+              <a:t>Thomas, L. (2024). </a:t>
+            </a:r>
+            <a:r>
+              <a:rPr lang="en-US" altLang="ko-KR" sz="1600" dirty="0" err="1">
+                <a:solidFill>
+                  <a:schemeClr val="tx2">
+                    <a:lumMod val="75000"/>
+                  </a:schemeClr>
+                </a:solidFill>
+                <a:latin typeface="Roboto Light" panose="02000000000000000000" pitchFamily="2" charset="0"/>
+                <a:ea typeface="Roboto Light" panose="02000000000000000000" pitchFamily="2" charset="0"/>
+                <a:cs typeface="Roboto Light" panose="02000000000000000000" pitchFamily="2" charset="0"/>
+              </a:rPr>
+              <a:t>EngineFaultDB</a:t>
+            </a:r>
+            <a:r>
+              <a:rPr lang="en-US" altLang="ko-KR" sz="1600" dirty="0">
+                <a:solidFill>
+                  <a:schemeClr val="tx2">
+                    <a:lumMod val="75000"/>
+                  </a:schemeClr>
+                </a:solidFill>
+                <a:latin typeface="Roboto Light" panose="02000000000000000000" pitchFamily="2" charset="0"/>
+                <a:ea typeface="Roboto Light" panose="02000000000000000000" pitchFamily="2" charset="0"/>
+                <a:cs typeface="Roboto Light" panose="02000000000000000000" pitchFamily="2" charset="0"/>
+              </a:rPr>
+              <a:t> Dataset. GitHub. https://github.com/Leo-Thomas/EngineFaultDB</a:t>
+            </a:r>
+            <a:endParaRPr lang="en-US" altLang="ko-KR" sz="1600" b="0" i="1" dirty="0">
+              <a:solidFill>
+                <a:srgbClr val="333333"/>
+              </a:solidFill>
+              <a:effectLst/>
+              <a:latin typeface="Roboto Light" panose="02000000000000000000" pitchFamily="2" charset="0"/>
+              <a:ea typeface="Roboto Light" panose="02000000000000000000" pitchFamily="2" charset="0"/>
+              <a:cs typeface="Roboto Light" panose="02000000000000000000" pitchFamily="2" charset="0"/>
+            </a:endParaRPr>
+          </a:p>
+        </p:txBody>
+      </p:sp>
+      <p:pic>
+        <p:nvPicPr>
+          <p:cNvPr id="8" name="그림 7">
+            <a:extLst>
+              <a:ext uri="{FF2B5EF4-FFF2-40B4-BE49-F238E27FC236}">
+                <a16:creationId xmlns:a16="http://schemas.microsoft.com/office/drawing/2014/main" id="{37048FEB-C6F4-DDE0-243B-9B1B75170AC5}"/>
+              </a:ext>
+            </a:extLst>
+          </p:cNvPr>
+          <p:cNvPicPr>
+            <a:picLocks noChangeAspect="1"/>
+          </p:cNvPicPr>
+          <p:nvPr/>
+        </p:nvPicPr>
+        <p:blipFill>
+          <a:blip r:embed="rId4"/>
+          <a:srcRect l="-1727" b="16096"/>
+          <a:stretch/>
+        </p:blipFill>
+        <p:spPr>
+          <a:xfrm>
+            <a:off x="14868330" y="3609007"/>
+            <a:ext cx="6492238" cy="7281160"/>
+          </a:xfrm>
+          <a:prstGeom prst="rect">
+            <a:avLst/>
+          </a:prstGeom>
+        </p:spPr>
+      </p:pic>
+      <p:sp>
+        <p:nvSpPr>
+          <p:cNvPr id="11" name="TextBox 10">
+            <a:extLst>
+              <a:ext uri="{FF2B5EF4-FFF2-40B4-BE49-F238E27FC236}">
+                <a16:creationId xmlns:a16="http://schemas.microsoft.com/office/drawing/2014/main" id="{30F9D83F-5A96-7202-49F2-0756A62B2AF4}"/>
+              </a:ext>
+            </a:extLst>
+          </p:cNvPr>
+          <p:cNvSpPr txBox="1"/>
+          <p:nvPr/>
+        </p:nvSpPr>
+        <p:spPr>
+          <a:xfrm>
+            <a:off x="12690388" y="11408327"/>
+            <a:ext cx="10926498" cy="1077218"/>
+          </a:xfrm>
+          <a:prstGeom prst="rect">
+            <a:avLst/>
+          </a:prstGeom>
+          <a:noFill/>
+        </p:spPr>
+        <p:txBody>
+          <a:bodyPr wrap="square">
+            <a:spAutoFit/>
+          </a:bodyPr>
+          <a:lstStyle/>
+          <a:p>
+            <a:r>
+              <a:rPr lang="en-US" altLang="ko-KR" sz="1600" dirty="0">
+                <a:solidFill>
+                  <a:srgbClr val="C00000"/>
+                </a:solidFill>
+                <a:latin typeface="Roboto Light" panose="02000000000000000000" pitchFamily="2" charset="0"/>
+                <a:ea typeface="Roboto Light" panose="02000000000000000000" pitchFamily="2" charset="0"/>
+                <a:cs typeface="Roboto Light" panose="02000000000000000000" pitchFamily="2" charset="0"/>
+              </a:rPr>
+              <a:t>[3] </a:t>
+            </a:r>
+            <a:r>
+              <a:rPr lang="tr-TR" altLang="ko-KR" sz="1600" b="0" i="0" dirty="0">
+                <a:solidFill>
+                  <a:srgbClr val="222222"/>
+                </a:solidFill>
+                <a:effectLst/>
+                <a:latin typeface="Roboto Light" panose="02000000000000000000" pitchFamily="2" charset="0"/>
+                <a:ea typeface="Roboto Light" panose="02000000000000000000" pitchFamily="2" charset="0"/>
+                <a:cs typeface="Roboto Light" panose="02000000000000000000" pitchFamily="2" charset="0"/>
+              </a:rPr>
+              <a:t>Li, C. Y., Rakitsch, B., &amp; Zimmer, C. (2022, May). Safe active learning for multi-output gaussian processes. In International Conference on Artificial Intelligence and Statistics (pp. 4512-4551). PMLR.</a:t>
+            </a:r>
+            <a:endParaRPr lang="en-US" altLang="ko-KR" sz="1600" b="0" i="0" dirty="0">
+              <a:solidFill>
+                <a:srgbClr val="222222"/>
+              </a:solidFill>
+              <a:effectLst/>
+              <a:latin typeface="Roboto Light" panose="02000000000000000000" pitchFamily="2" charset="0"/>
+              <a:ea typeface="Roboto Light" panose="02000000000000000000" pitchFamily="2" charset="0"/>
+              <a:cs typeface="Roboto Light" panose="02000000000000000000" pitchFamily="2" charset="0"/>
+            </a:endParaRPr>
+          </a:p>
+          <a:p>
+            <a:endParaRPr lang="en-US" altLang="ko-KR" sz="1600" dirty="0">
+              <a:solidFill>
+                <a:srgbClr val="222222"/>
+              </a:solidFill>
+              <a:latin typeface="Roboto Light" panose="02000000000000000000" pitchFamily="2" charset="0"/>
+              <a:ea typeface="Roboto Light" panose="02000000000000000000" pitchFamily="2" charset="0"/>
+              <a:cs typeface="Roboto Light" panose="02000000000000000000" pitchFamily="2" charset="0"/>
+            </a:endParaRPr>
+          </a:p>
+          <a:p>
+            <a:r>
+              <a:rPr lang="en-US" altLang="ko-KR" sz="1600" dirty="0">
+                <a:solidFill>
+                  <a:srgbClr val="C00000"/>
+                </a:solidFill>
+                <a:latin typeface="Roboto Light" panose="02000000000000000000" pitchFamily="2" charset="0"/>
+                <a:ea typeface="Roboto Light" panose="02000000000000000000" pitchFamily="2" charset="0"/>
+                <a:cs typeface="Roboto Light" panose="02000000000000000000" pitchFamily="2" charset="0"/>
+              </a:rPr>
+              <a:t>[4] </a:t>
+            </a:r>
+            <a:r>
+              <a:rPr lang="en-US" altLang="ko-KR" sz="1600" dirty="0">
+                <a:solidFill>
+                  <a:schemeClr val="tx2">
+                    <a:lumMod val="75000"/>
+                  </a:schemeClr>
+                </a:solidFill>
+                <a:latin typeface="Roboto Light" panose="02000000000000000000" pitchFamily="2" charset="0"/>
+                <a:ea typeface="Roboto Light" panose="02000000000000000000" pitchFamily="2" charset="0"/>
+                <a:cs typeface="Roboto Light" panose="02000000000000000000" pitchFamily="2" charset="0"/>
+              </a:rPr>
+              <a:t>Bosch Research. (n.d.). Bosch Engine Datasets. GitHub. https://github.com/boschresearch/Bosch-Engine-Datasets</a:t>
+            </a:r>
+            <a:endParaRPr lang="en-US" altLang="ko-KR" sz="1600" b="0" i="1" dirty="0">
+              <a:solidFill>
+                <a:srgbClr val="333333"/>
+              </a:solidFill>
+              <a:effectLst/>
+              <a:latin typeface="Roboto Light" panose="02000000000000000000" pitchFamily="2" charset="0"/>
+              <a:ea typeface="Roboto Light" panose="02000000000000000000" pitchFamily="2" charset="0"/>
+              <a:cs typeface="Roboto Light" panose="02000000000000000000" pitchFamily="2" charset="0"/>
+            </a:endParaRPr>
+          </a:p>
+        </p:txBody>
+      </p:sp>
+      <p:sp>
+        <p:nvSpPr>
+          <p:cNvPr id="13" name="직사각형 12">
+            <a:extLst>
+              <a:ext uri="{FF2B5EF4-FFF2-40B4-BE49-F238E27FC236}">
+                <a16:creationId xmlns:a16="http://schemas.microsoft.com/office/drawing/2014/main" id="{DDCFD160-188D-A365-EA71-EBDB04D1B336}"/>
+              </a:ext>
+            </a:extLst>
+          </p:cNvPr>
+          <p:cNvSpPr/>
+          <p:nvPr/>
+        </p:nvSpPr>
+        <p:spPr>
+          <a:xfrm>
+            <a:off x="1081873" y="2939176"/>
+            <a:ext cx="5285833" cy="567933"/>
+          </a:xfrm>
+          <a:prstGeom prst="rect">
+            <a:avLst/>
+          </a:prstGeom>
+          <a:solidFill>
+            <a:schemeClr val="tx2">
+              <a:lumMod val="75000"/>
+            </a:schemeClr>
+          </a:solidFill>
+          <a:ln>
+            <a:noFill/>
+          </a:ln>
+        </p:spPr>
+        <p:style>
+          <a:lnRef idx="2">
+            <a:schemeClr val="accent1">
+              <a:shade val="15000"/>
+            </a:schemeClr>
+          </a:lnRef>
+          <a:fillRef idx="1">
+            <a:schemeClr val="accent1"/>
+          </a:fillRef>
+          <a:effectRef idx="0">
+            <a:schemeClr val="accent1"/>
+          </a:effectRef>
+          <a:fontRef idx="minor">
+            <a:schemeClr val="lt1"/>
+          </a:fontRef>
+        </p:style>
+        <p:txBody>
+          <a:bodyPr rtlCol="0" anchor="ctr"/>
+          <a:lstStyle/>
+          <a:p>
+            <a:pPr algn="ctr"/>
+            <a:r>
+              <a:rPr lang="en-US" altLang="ko-KR" sz="2400" b="1" dirty="0">
+                <a:solidFill>
+                  <a:schemeClr val="bg2"/>
+                </a:solidFill>
+              </a:rPr>
+              <a:t>Baseline Survey – Journal &amp; Datasets</a:t>
+            </a:r>
+          </a:p>
+        </p:txBody>
+      </p:sp>
+    </p:spTree>
+    <p:extLst>
+      <p:ext uri="{BB962C8B-B14F-4D97-AF65-F5344CB8AC3E}">
+        <p14:creationId xmlns:p14="http://schemas.microsoft.com/office/powerpoint/2010/main" val="491967787"/>
+      </p:ext>
+    </p:extLst>
+  </p:cSld>
+  <p:clrMapOvr>
+    <a:masterClrMapping/>
+  </p:clrMapOvr>
+</p:sld>
+</file>
+
 <file path=ppt/slides/slide2.xml><?xml version="1.0" encoding="utf-8"?>
 <p:sld xmlns:a="http://schemas.openxmlformats.org/drawingml/2006/main" xmlns:r="http://schemas.openxmlformats.org/officeDocument/2006/relationships" xmlns:p="http://schemas.openxmlformats.org/presentationml/2006/main">
   <p:cSld>
@@ -7805,8 +8663,8 @@
           </a:p>
         </p:txBody>
       </p:sp>
-      <mc:AlternateContent xmlns:mc="http://schemas.openxmlformats.org/markup-compatibility/2006">
-        <mc:Choice xmlns:a14="http://schemas.microsoft.com/office/drawing/2010/main" Requires="a14">
+      <mc:AlternateContent xmlns:mc="http://schemas.openxmlformats.org/markup-compatibility/2006" xmlns:a14="http://schemas.microsoft.com/office/drawing/2010/main">
+        <mc:Choice Requires="a14">
           <p:sp>
             <p:nvSpPr>
               <p:cNvPr id="65" name="TextBox 64">
@@ -7883,7 +8741,7 @@
                       <m:f>
                         <m:fPr>
                           <m:ctrlPr>
-                            <a:rPr lang="en-US" altLang="ko-KR" sz="2400" b="0" smtClean="0">
+                            <a:rPr lang="en-US" altLang="ko-KR" sz="2400" b="0" i="1" smtClean="0">
                               <a:solidFill>
                                 <a:schemeClr val="tx2"/>
                               </a:solidFill>
@@ -8075,7 +8933,7 @@
                       <m:f>
                         <m:fPr>
                           <m:ctrlPr>
-                            <a:rPr lang="en-US" altLang="ko-KR" sz="2400" b="0" smtClean="0">
+                            <a:rPr lang="en-US" altLang="ko-KR" sz="2400" b="0" i="1" smtClean="0">
                               <a:solidFill>
                                 <a:schemeClr val="tx2"/>
                               </a:solidFill>
@@ -8208,7 +9066,7 @@
                       <m:f>
                         <m:fPr>
                           <m:ctrlPr>
-                            <a:rPr lang="en-US" altLang="ko-KR" sz="2400" b="0" smtClean="0">
+                            <a:rPr lang="en-US" altLang="ko-KR" sz="2400" b="0" i="1" smtClean="0">
                               <a:solidFill>
                                 <a:schemeClr val="tx2"/>
                               </a:solidFill>
@@ -8358,7 +9216,7 @@
                       <m:f>
                         <m:fPr>
                           <m:ctrlPr>
-                            <a:rPr lang="en-US" altLang="ko-KR" sz="2400" b="0" smtClean="0">
+                            <a:rPr lang="en-US" altLang="ko-KR" sz="2400" b="0" i="1" smtClean="0">
                               <a:solidFill>
                                 <a:schemeClr val="tx2"/>
                               </a:solidFill>
@@ -8465,7 +9323,7 @@
             </p:txBody>
           </p:sp>
         </mc:Choice>
-        <mc:Fallback>
+        <mc:Fallback xmlns="">
           <p:sp>
             <p:nvSpPr>
               <p:cNvPr id="65" name="TextBox 64">
@@ -10020,7 +10878,7 @@
                 <a:ea typeface="Roboto Medium" panose="02000000000000000000" pitchFamily="2" charset="0"/>
                 <a:cs typeface="Roboto Medium" panose="02000000000000000000" pitchFamily="2" charset="0"/>
               </a:rPr>
-              <a:t>Engine</a:t>
+              <a:t>Engine: Petrol Engine (Gasoline)</a:t>
             </a:r>
             <a:endParaRPr lang="ko-KR" altLang="ko-KR" sz="2800" dirty="0" err="1">
               <a:solidFill>
@@ -11512,8 +12370,470 @@
           <a:chExt cx="0" cy="0"/>
         </a:xfrm>
       </p:grpSpPr>
-      <mc:AlternateContent xmlns:mc="http://schemas.openxmlformats.org/markup-compatibility/2006">
-        <mc:Choice xmlns:a14="http://schemas.microsoft.com/office/drawing/2010/main" Requires="a14">
+      <p:grpSp>
+        <p:nvGrpSpPr>
+          <p:cNvPr id="3" name="Group 38">
+            <a:extLst>
+              <a:ext uri="{FF2B5EF4-FFF2-40B4-BE49-F238E27FC236}">
+                <a16:creationId xmlns:a16="http://schemas.microsoft.com/office/drawing/2014/main" id="{1D2AD382-784E-E7DA-BCDD-C41135138BA6}"/>
+              </a:ext>
+            </a:extLst>
+          </p:cNvPr>
+          <p:cNvGrpSpPr/>
+          <p:nvPr/>
+        </p:nvGrpSpPr>
+        <p:grpSpPr>
+          <a:xfrm>
+            <a:off x="6711487" y="278223"/>
+            <a:ext cx="10954676" cy="2045000"/>
+            <a:chOff x="7391796" y="1464039"/>
+            <a:chExt cx="10954676" cy="2045000"/>
+          </a:xfrm>
+        </p:grpSpPr>
+        <p:grpSp>
+          <p:nvGrpSpPr>
+            <p:cNvPr id="4" name="Group 39">
+              <a:extLst>
+                <a:ext uri="{FF2B5EF4-FFF2-40B4-BE49-F238E27FC236}">
+                  <a16:creationId xmlns:a16="http://schemas.microsoft.com/office/drawing/2014/main" id="{E8F8166D-18AD-D632-7F2C-94A7A4B001DF}"/>
+                </a:ext>
+              </a:extLst>
+            </p:cNvPr>
+            <p:cNvGrpSpPr/>
+            <p:nvPr/>
+          </p:nvGrpSpPr>
+          <p:grpSpPr>
+            <a:xfrm>
+              <a:off x="7391796" y="1785490"/>
+              <a:ext cx="10954676" cy="1723549"/>
+              <a:chOff x="13237424" y="1383098"/>
+              <a:chExt cx="10954676" cy="1723549"/>
+            </a:xfrm>
+          </p:grpSpPr>
+          <p:sp>
+            <p:nvSpPr>
+              <p:cNvPr id="6" name="TextBox 5">
+                <a:extLst>
+                  <a:ext uri="{FF2B5EF4-FFF2-40B4-BE49-F238E27FC236}">
+                    <a16:creationId xmlns:a16="http://schemas.microsoft.com/office/drawing/2014/main" id="{F6E0BD9D-ACC5-9815-0BDB-D841B26D2EC0}"/>
+                  </a:ext>
+                </a:extLst>
+              </p:cNvPr>
+              <p:cNvSpPr txBox="1"/>
+              <p:nvPr/>
+            </p:nvSpPr>
+            <p:spPr>
+              <a:xfrm>
+                <a:off x="13237424" y="1383098"/>
+                <a:ext cx="10954676" cy="1015663"/>
+              </a:xfrm>
+              <a:prstGeom prst="rect">
+                <a:avLst/>
+              </a:prstGeom>
+              <a:noFill/>
+              <a:ln>
+                <a:noFill/>
+              </a:ln>
+            </p:spPr>
+            <p:txBody>
+              <a:bodyPr wrap="square" lIns="91440" tIns="45720" rIns="91440" bIns="45720" rtlCol="0" anchor="t">
+                <a:spAutoFit/>
+              </a:bodyPr>
+              <a:lstStyle/>
+              <a:p>
+                <a:pPr algn="ctr"/>
+                <a:r>
+                  <a:rPr lang="en-US" altLang="ko-KR" sz="6000" b="1" dirty="0">
+                    <a:solidFill>
+                      <a:schemeClr val="tx2"/>
+                    </a:solidFill>
+                    <a:latin typeface="Roboto"/>
+                    <a:ea typeface="Roboto"/>
+                    <a:cs typeface="Lato Light"/>
+                  </a:rPr>
+                  <a:t>BASELINE SURVEY</a:t>
+                </a:r>
+                <a:endParaRPr lang="ko-KR" altLang="en-US" sz="6000" b="1" dirty="0" err="1">
+                  <a:solidFill>
+                    <a:schemeClr val="tx2"/>
+                  </a:solidFill>
+                  <a:latin typeface="Roboto"/>
+                  <a:ea typeface="Roboto"/>
+                  <a:cs typeface="Lato Light"/>
+                </a:endParaRPr>
+              </a:p>
+            </p:txBody>
+          </p:sp>
+          <p:sp>
+            <p:nvSpPr>
+              <p:cNvPr id="7" name="TextBox 6">
+                <a:extLst>
+                  <a:ext uri="{FF2B5EF4-FFF2-40B4-BE49-F238E27FC236}">
+                    <a16:creationId xmlns:a16="http://schemas.microsoft.com/office/drawing/2014/main" id="{7A0AB608-5653-B588-A7D1-A256448FB2DD}"/>
+                  </a:ext>
+                </a:extLst>
+              </p:cNvPr>
+              <p:cNvSpPr txBox="1"/>
+              <p:nvPr/>
+            </p:nvSpPr>
+            <p:spPr>
+              <a:xfrm>
+                <a:off x="16900804" y="2398761"/>
+                <a:ext cx="3627916" cy="707886"/>
+              </a:xfrm>
+              <a:prstGeom prst="rect">
+                <a:avLst/>
+              </a:prstGeom>
+              <a:noFill/>
+            </p:spPr>
+            <p:txBody>
+              <a:bodyPr wrap="none" lIns="91440" tIns="45720" rIns="91440" bIns="45720" rtlCol="0" anchor="t">
+                <a:spAutoFit/>
+              </a:bodyPr>
+              <a:lstStyle/>
+              <a:p>
+                <a:pPr algn="ctr"/>
+                <a:r>
+                  <a:rPr lang="en-US" sz="2000" spc="300" dirty="0">
+                    <a:latin typeface="Roboto"/>
+                    <a:ea typeface="Roboto"/>
+                    <a:cs typeface="Roboto"/>
+                  </a:rPr>
+                  <a:t>Engine Fault Diagnosis</a:t>
+                </a:r>
+                <a:endParaRPr lang="en-US" sz="2000" spc="300" dirty="0">
+                  <a:solidFill>
+                    <a:srgbClr val="000000"/>
+                  </a:solidFill>
+                  <a:latin typeface="Roboto"/>
+                  <a:ea typeface="Roboto"/>
+                  <a:cs typeface="Roboto"/>
+                </a:endParaRPr>
+              </a:p>
+              <a:p>
+                <a:pPr algn="ctr"/>
+                <a:endParaRPr lang="en-US" sz="2000" spc="300" dirty="0">
+                  <a:latin typeface="Roboto" panose="02000000000000000000" pitchFamily="2" charset="0"/>
+                  <a:ea typeface="Roboto" panose="02000000000000000000" pitchFamily="2" charset="0"/>
+                  <a:cs typeface="Lato" panose="020F0502020204030203" pitchFamily="34" charset="0"/>
+                </a:endParaRPr>
+              </a:p>
+            </p:txBody>
+          </p:sp>
+        </p:grpSp>
+        <p:sp>
+          <p:nvSpPr>
+            <p:cNvPr id="5" name="Rectangle 40">
+              <a:extLst>
+                <a:ext uri="{FF2B5EF4-FFF2-40B4-BE49-F238E27FC236}">
+                  <a16:creationId xmlns:a16="http://schemas.microsoft.com/office/drawing/2014/main" id="{FFF0DBAC-3209-649D-6A01-EAAFA4F23FC2}"/>
+                </a:ext>
+              </a:extLst>
+            </p:cNvPr>
+            <p:cNvSpPr/>
+            <p:nvPr/>
+          </p:nvSpPr>
+          <p:spPr>
+            <a:xfrm>
+              <a:off x="12536825" y="1464039"/>
+              <a:ext cx="664618" cy="76974"/>
+            </a:xfrm>
+            <a:prstGeom prst="rect">
+              <a:avLst/>
+            </a:prstGeom>
+            <a:solidFill>
+              <a:schemeClr val="accent5"/>
+            </a:solidFill>
+            <a:ln>
+              <a:noFill/>
+            </a:ln>
+          </p:spPr>
+          <p:style>
+            <a:lnRef idx="2">
+              <a:schemeClr val="accent1">
+                <a:shade val="50000"/>
+              </a:schemeClr>
+            </a:lnRef>
+            <a:fillRef idx="1">
+              <a:schemeClr val="accent1"/>
+            </a:fillRef>
+            <a:effectRef idx="0">
+              <a:schemeClr val="accent1"/>
+            </a:effectRef>
+            <a:fontRef idx="minor">
+              <a:schemeClr val="lt1"/>
+            </a:fontRef>
+          </p:style>
+          <p:txBody>
+            <a:bodyPr rtlCol="0" anchor="ctr"/>
+            <a:lstStyle/>
+            <a:p>
+              <a:pPr algn="ctr"/>
+              <a:endParaRPr lang="en-US"/>
+            </a:p>
+          </p:txBody>
+        </p:sp>
+      </p:grpSp>
+      <p:pic>
+        <p:nvPicPr>
+          <p:cNvPr id="9" name="그림 8">
+            <a:extLst>
+              <a:ext uri="{FF2B5EF4-FFF2-40B4-BE49-F238E27FC236}">
+                <a16:creationId xmlns:a16="http://schemas.microsoft.com/office/drawing/2014/main" id="{6B97660E-E5DE-AB41-1B6F-A729F63F3B7C}"/>
+              </a:ext>
+            </a:extLst>
+          </p:cNvPr>
+          <p:cNvPicPr>
+            <a:picLocks noChangeAspect="1"/>
+          </p:cNvPicPr>
+          <p:nvPr/>
+        </p:nvPicPr>
+        <p:blipFill>
+          <a:blip r:embed="rId3"/>
+          <a:stretch>
+            <a:fillRect/>
+          </a:stretch>
+        </p:blipFill>
+        <p:spPr>
+          <a:xfrm>
+            <a:off x="395402" y="2323223"/>
+            <a:ext cx="11781939" cy="6973177"/>
+          </a:xfrm>
+          <a:prstGeom prst="rect">
+            <a:avLst/>
+          </a:prstGeom>
+        </p:spPr>
+      </p:pic>
+      <p:pic>
+        <p:nvPicPr>
+          <p:cNvPr id="1026" name="Picture 2">
+            <a:extLst>
+              <a:ext uri="{FF2B5EF4-FFF2-40B4-BE49-F238E27FC236}">
+                <a16:creationId xmlns:a16="http://schemas.microsoft.com/office/drawing/2014/main" id="{B6CF956F-527F-BF15-512D-D31F2314AC54}"/>
+              </a:ext>
+            </a:extLst>
+          </p:cNvPr>
+          <p:cNvPicPr>
+            <a:picLocks noChangeAspect="1" noChangeArrowheads="1"/>
+          </p:cNvPicPr>
+          <p:nvPr/>
+        </p:nvPicPr>
+        <p:blipFill>
+          <a:blip r:embed="rId4">
+            <a:extLst>
+              <a:ext uri="{28A0092B-C50C-407E-A947-70E740481C1C}">
+                <a14:useLocalDpi xmlns:a14="http://schemas.microsoft.com/office/drawing/2010/main" val="0"/>
+              </a:ext>
+            </a:extLst>
+          </a:blip>
+          <a:srcRect/>
+          <a:stretch>
+            <a:fillRect/>
+          </a:stretch>
+        </p:blipFill>
+        <p:spPr bwMode="auto">
+          <a:xfrm>
+            <a:off x="11936875" y="2506103"/>
+            <a:ext cx="3476625" cy="4943475"/>
+          </a:xfrm>
+          <a:prstGeom prst="rect">
+            <a:avLst/>
+          </a:prstGeom>
+          <a:noFill/>
+          <a:extLst>
+            <a:ext uri="{909E8E84-426E-40DD-AFC4-6F175D3DCCD1}">
+              <a14:hiddenFill xmlns:a14="http://schemas.microsoft.com/office/drawing/2010/main">
+                <a:solidFill>
+                  <a:srgbClr val="FFFFFF"/>
+                </a:solidFill>
+              </a14:hiddenFill>
+            </a:ext>
+          </a:extLst>
+        </p:spPr>
+      </p:pic>
+      <p:pic>
+        <p:nvPicPr>
+          <p:cNvPr id="1028" name="Picture 4">
+            <a:extLst>
+              <a:ext uri="{FF2B5EF4-FFF2-40B4-BE49-F238E27FC236}">
+                <a16:creationId xmlns:a16="http://schemas.microsoft.com/office/drawing/2014/main" id="{523BFF0E-BD22-DCBD-AC0C-FBCA75349511}"/>
+              </a:ext>
+            </a:extLst>
+          </p:cNvPr>
+          <p:cNvPicPr>
+            <a:picLocks noChangeAspect="1" noChangeArrowheads="1"/>
+          </p:cNvPicPr>
+          <p:nvPr/>
+        </p:nvPicPr>
+        <p:blipFill>
+          <a:blip r:embed="rId5">
+            <a:extLst>
+              <a:ext uri="{28A0092B-C50C-407E-A947-70E740481C1C}">
+                <a14:useLocalDpi xmlns:a14="http://schemas.microsoft.com/office/drawing/2010/main" val="0"/>
+              </a:ext>
+            </a:extLst>
+          </a:blip>
+          <a:srcRect/>
+          <a:stretch>
+            <a:fillRect/>
+          </a:stretch>
+        </p:blipFill>
+        <p:spPr bwMode="auto">
+          <a:xfrm>
+            <a:off x="15413500" y="2323223"/>
+            <a:ext cx="4505325" cy="4714875"/>
+          </a:xfrm>
+          <a:prstGeom prst="rect">
+            <a:avLst/>
+          </a:prstGeom>
+          <a:noFill/>
+          <a:extLst>
+            <a:ext uri="{909E8E84-426E-40DD-AFC4-6F175D3DCCD1}">
+              <a14:hiddenFill xmlns:a14="http://schemas.microsoft.com/office/drawing/2010/main">
+                <a:solidFill>
+                  <a:srgbClr val="FFFFFF"/>
+                </a:solidFill>
+              </a14:hiddenFill>
+            </a:ext>
+          </a:extLst>
+        </p:spPr>
+      </p:pic>
+      <p:sp>
+        <p:nvSpPr>
+          <p:cNvPr id="10" name="직사각형 9">
+            <a:extLst>
+              <a:ext uri="{FF2B5EF4-FFF2-40B4-BE49-F238E27FC236}">
+                <a16:creationId xmlns:a16="http://schemas.microsoft.com/office/drawing/2014/main" id="{8F2CF009-902B-22DB-732D-56C775AB72EE}"/>
+              </a:ext>
+            </a:extLst>
+          </p:cNvPr>
+          <p:cNvSpPr/>
+          <p:nvPr/>
+        </p:nvSpPr>
+        <p:spPr>
+          <a:xfrm>
+            <a:off x="10241280" y="3444240"/>
+            <a:ext cx="960120" cy="457200"/>
+          </a:xfrm>
+          <a:prstGeom prst="rect">
+            <a:avLst/>
+          </a:prstGeom>
+          <a:noFill/>
+          <a:ln w="76200">
+            <a:solidFill>
+              <a:srgbClr val="0070C0"/>
+            </a:solidFill>
+          </a:ln>
+        </p:spPr>
+        <p:style>
+          <a:lnRef idx="2">
+            <a:schemeClr val="accent1">
+              <a:shade val="15000"/>
+            </a:schemeClr>
+          </a:lnRef>
+          <a:fillRef idx="1">
+            <a:schemeClr val="accent1"/>
+          </a:fillRef>
+          <a:effectRef idx="0">
+            <a:schemeClr val="accent1"/>
+          </a:effectRef>
+          <a:fontRef idx="minor">
+            <a:schemeClr val="lt1"/>
+          </a:fontRef>
+        </p:style>
+        <p:txBody>
+          <a:bodyPr rtlCol="0" anchor="ctr"/>
+          <a:lstStyle/>
+          <a:p>
+            <a:pPr algn="ctr"/>
+            <a:endParaRPr lang="ko-KR" altLang="en-US"/>
+          </a:p>
+        </p:txBody>
+      </p:sp>
+      <p:sp>
+        <p:nvSpPr>
+          <p:cNvPr id="11" name="직사각형 10">
+            <a:extLst>
+              <a:ext uri="{FF2B5EF4-FFF2-40B4-BE49-F238E27FC236}">
+                <a16:creationId xmlns:a16="http://schemas.microsoft.com/office/drawing/2014/main" id="{AC1D78AB-9407-5E77-4C73-CCF08ADE3066}"/>
+              </a:ext>
+            </a:extLst>
+          </p:cNvPr>
+          <p:cNvSpPr/>
+          <p:nvPr/>
+        </p:nvSpPr>
+        <p:spPr>
+          <a:xfrm>
+            <a:off x="2575560" y="2628022"/>
+            <a:ext cx="929640" cy="511417"/>
+          </a:xfrm>
+          <a:prstGeom prst="rect">
+            <a:avLst/>
+          </a:prstGeom>
+          <a:noFill/>
+          <a:ln w="76200">
+            <a:solidFill>
+              <a:srgbClr val="0070C0"/>
+            </a:solidFill>
+          </a:ln>
+        </p:spPr>
+        <p:style>
+          <a:lnRef idx="2">
+            <a:schemeClr val="accent1">
+              <a:shade val="15000"/>
+            </a:schemeClr>
+          </a:lnRef>
+          <a:fillRef idx="1">
+            <a:schemeClr val="accent1"/>
+          </a:fillRef>
+          <a:effectRef idx="0">
+            <a:schemeClr val="accent1"/>
+          </a:effectRef>
+          <a:fontRef idx="minor">
+            <a:schemeClr val="lt1"/>
+          </a:fontRef>
+        </p:style>
+        <p:txBody>
+          <a:bodyPr rtlCol="0" anchor="ctr"/>
+          <a:lstStyle/>
+          <a:p>
+            <a:pPr algn="ctr"/>
+            <a:endParaRPr lang="ko-KR" altLang="en-US"/>
+          </a:p>
+        </p:txBody>
+      </p:sp>
+    </p:spTree>
+    <p:extLst>
+      <p:ext uri="{BB962C8B-B14F-4D97-AF65-F5344CB8AC3E}">
+        <p14:creationId xmlns:p14="http://schemas.microsoft.com/office/powerpoint/2010/main" val="2982359203"/>
+      </p:ext>
+    </p:extLst>
+  </p:cSld>
+  <p:clrMapOvr>
+    <a:masterClrMapping/>
+  </p:clrMapOvr>
+</p:sld>
+</file>
+
+<file path=ppt/slides/slide8.xml><?xml version="1.0" encoding="utf-8"?>
+<p:sld xmlns:a="http://schemas.openxmlformats.org/drawingml/2006/main" xmlns:r="http://schemas.openxmlformats.org/officeDocument/2006/relationships" xmlns:p="http://schemas.openxmlformats.org/presentationml/2006/main">
+  <p:cSld>
+    <p:spTree>
+      <p:nvGrpSpPr>
+        <p:cNvPr id="1" name=""/>
+        <p:cNvGrpSpPr/>
+        <p:nvPr/>
+      </p:nvGrpSpPr>
+      <p:grpSpPr>
+        <a:xfrm>
+          <a:off x="0" y="0"/>
+          <a:ext cx="0" cy="0"/>
+          <a:chOff x="0" y="0"/>
+          <a:chExt cx="0" cy="0"/>
+        </a:xfrm>
+      </p:grpSpPr>
+      <mc:AlternateContent xmlns:mc="http://schemas.openxmlformats.org/markup-compatibility/2006" xmlns:a14="http://schemas.microsoft.com/office/drawing/2010/main">
+        <mc:Choice Requires="a14">
           <p:sp>
             <p:nvSpPr>
               <p:cNvPr id="68" name="직사각형 67">
@@ -11609,7 +12929,7 @@
             </p:txBody>
           </p:sp>
         </mc:Choice>
-        <mc:Fallback>
+        <mc:Fallback xmlns="">
           <p:sp>
             <p:nvSpPr>
               <p:cNvPr id="68" name="직사각형 67">
@@ -16858,7 +18178,7 @@
 </p:sld>
 </file>
 
-<file path=ppt/slides/slide8.xml><?xml version="1.0" encoding="utf-8"?>
+<file path=ppt/slides/slide9.xml><?xml version="1.0" encoding="utf-8"?>
 <p:sld xmlns:a="http://schemas.openxmlformats.org/drawingml/2006/main" xmlns:r="http://schemas.openxmlformats.org/officeDocument/2006/relationships" xmlns:p="http://schemas.openxmlformats.org/presentationml/2006/main">
   <p:cSld>
     <p:spTree>
@@ -17794,8 +19114,8 @@
           </a:p>
         </p:txBody>
       </p:sp>
-      <mc:AlternateContent xmlns:mc="http://schemas.openxmlformats.org/markup-compatibility/2006">
-        <mc:Choice xmlns:a14="http://schemas.microsoft.com/office/drawing/2010/main" Requires="a14">
+      <mc:AlternateContent xmlns:mc="http://schemas.openxmlformats.org/markup-compatibility/2006" xmlns:a14="http://schemas.microsoft.com/office/drawing/2010/main">
+        <mc:Choice Requires="a14">
           <p:sp>
             <p:nvSpPr>
               <p:cNvPr id="28" name="TextBox 27">
@@ -17948,7 +19268,7 @@
             </p:txBody>
           </p:sp>
         </mc:Choice>
-        <mc:Fallback>
+        <mc:Fallback xmlns="">
           <p:sp>
             <p:nvSpPr>
               <p:cNvPr id="28" name="TextBox 27">
@@ -18399,774 +19719,6 @@
     <p:extLst>
       <p:ext uri="{BB962C8B-B14F-4D97-AF65-F5344CB8AC3E}">
         <p14:creationId xmlns:p14="http://schemas.microsoft.com/office/powerpoint/2010/main" val="205718144"/>
-      </p:ext>
-    </p:extLst>
-  </p:cSld>
-  <p:clrMapOvr>
-    <a:masterClrMapping/>
-  </p:clrMapOvr>
-</p:sld>
-</file>
-
-<file path=ppt/slides/slide9.xml><?xml version="1.0" encoding="utf-8"?>
-<p:sld xmlns:a="http://schemas.openxmlformats.org/drawingml/2006/main" xmlns:r="http://schemas.openxmlformats.org/officeDocument/2006/relationships" xmlns:p="http://schemas.openxmlformats.org/presentationml/2006/main">
-  <p:cSld>
-    <p:spTree>
-      <p:nvGrpSpPr>
-        <p:cNvPr id="1" name=""/>
-        <p:cNvGrpSpPr/>
-        <p:nvPr/>
-      </p:nvGrpSpPr>
-      <p:grpSpPr>
-        <a:xfrm>
-          <a:off x="0" y="0"/>
-          <a:ext cx="0" cy="0"/>
-          <a:chOff x="0" y="0"/>
-          <a:chExt cx="0" cy="0"/>
-        </a:xfrm>
-      </p:grpSpPr>
-      <p:sp>
-        <p:nvSpPr>
-          <p:cNvPr id="15" name="직사각형 14">
-            <a:extLst>
-              <a:ext uri="{FF2B5EF4-FFF2-40B4-BE49-F238E27FC236}">
-                <a16:creationId xmlns:a16="http://schemas.microsoft.com/office/drawing/2014/main" id="{D39555BB-212F-9BC1-A677-1F9ADA26D514}"/>
-              </a:ext>
-            </a:extLst>
-          </p:cNvPr>
-          <p:cNvSpPr/>
-          <p:nvPr/>
-        </p:nvSpPr>
-        <p:spPr>
-          <a:xfrm>
-            <a:off x="14763826" y="3378174"/>
-            <a:ext cx="6779623" cy="7738317"/>
-          </a:xfrm>
-          <a:prstGeom prst="rect">
-            <a:avLst/>
-          </a:prstGeom>
-          <a:solidFill>
-            <a:schemeClr val="bg1">
-              <a:lumMod val="85000"/>
-            </a:schemeClr>
-          </a:solidFill>
-          <a:ln>
-            <a:noFill/>
-          </a:ln>
-        </p:spPr>
-        <p:style>
-          <a:lnRef idx="2">
-            <a:schemeClr val="accent1">
-              <a:shade val="15000"/>
-            </a:schemeClr>
-          </a:lnRef>
-          <a:fillRef idx="1">
-            <a:schemeClr val="accent1"/>
-          </a:fillRef>
-          <a:effectRef idx="0">
-            <a:schemeClr val="accent1"/>
-          </a:effectRef>
-          <a:fontRef idx="minor">
-            <a:schemeClr val="lt1"/>
-          </a:fontRef>
-        </p:style>
-        <p:txBody>
-          <a:bodyPr rtlCol="0" anchor="ctr"/>
-          <a:lstStyle/>
-          <a:p>
-            <a:pPr algn="ctr"/>
-            <a:endParaRPr lang="ko-KR" altLang="en-US" dirty="0"/>
-          </a:p>
-        </p:txBody>
-      </p:sp>
-      <p:sp>
-        <p:nvSpPr>
-          <p:cNvPr id="16" name="직사각형 15">
-            <a:extLst>
-              <a:ext uri="{FF2B5EF4-FFF2-40B4-BE49-F238E27FC236}">
-                <a16:creationId xmlns:a16="http://schemas.microsoft.com/office/drawing/2014/main" id="{E1296F0F-E2E1-AE6E-F537-1A9ABA29ECFF}"/>
-              </a:ext>
-            </a:extLst>
-          </p:cNvPr>
-          <p:cNvSpPr/>
-          <p:nvPr/>
-        </p:nvSpPr>
-        <p:spPr>
-          <a:xfrm>
-            <a:off x="14763827" y="2939176"/>
-            <a:ext cx="3056110" cy="567933"/>
-          </a:xfrm>
-          <a:prstGeom prst="rect">
-            <a:avLst/>
-          </a:prstGeom>
-          <a:solidFill>
-            <a:schemeClr val="tx2">
-              <a:lumMod val="75000"/>
-            </a:schemeClr>
-          </a:solidFill>
-          <a:ln>
-            <a:noFill/>
-          </a:ln>
-        </p:spPr>
-        <p:style>
-          <a:lnRef idx="2">
-            <a:schemeClr val="accent1">
-              <a:shade val="15000"/>
-            </a:schemeClr>
-          </a:lnRef>
-          <a:fillRef idx="1">
-            <a:schemeClr val="accent1"/>
-          </a:fillRef>
-          <a:effectRef idx="0">
-            <a:schemeClr val="accent1"/>
-          </a:effectRef>
-          <a:fontRef idx="minor">
-            <a:schemeClr val="lt1"/>
-          </a:fontRef>
-        </p:style>
-        <p:txBody>
-          <a:bodyPr rtlCol="0" anchor="ctr"/>
-          <a:lstStyle/>
-          <a:p>
-            <a:pPr algn="ctr"/>
-            <a:r>
-              <a:rPr lang="en-US" altLang="ko-KR" sz="2400" b="1" dirty="0">
-                <a:solidFill>
-                  <a:schemeClr val="bg2"/>
-                </a:solidFill>
-              </a:rPr>
-              <a:t>Additional Research</a:t>
-            </a:r>
-          </a:p>
-        </p:txBody>
-      </p:sp>
-      <p:sp>
-        <p:nvSpPr>
-          <p:cNvPr id="12" name="직사각형 11">
-            <a:extLst>
-              <a:ext uri="{FF2B5EF4-FFF2-40B4-BE49-F238E27FC236}">
-                <a16:creationId xmlns:a16="http://schemas.microsoft.com/office/drawing/2014/main" id="{88F0E760-71D4-04CB-E133-C497F758416F}"/>
-              </a:ext>
-            </a:extLst>
-          </p:cNvPr>
-          <p:cNvSpPr/>
-          <p:nvPr/>
-        </p:nvSpPr>
-        <p:spPr>
-          <a:xfrm>
-            <a:off x="1081873" y="3466520"/>
-            <a:ext cx="9864802" cy="6382874"/>
-          </a:xfrm>
-          <a:prstGeom prst="rect">
-            <a:avLst/>
-          </a:prstGeom>
-          <a:solidFill>
-            <a:schemeClr val="bg1">
-              <a:lumMod val="85000"/>
-            </a:schemeClr>
-          </a:solidFill>
-          <a:ln>
-            <a:noFill/>
-          </a:ln>
-        </p:spPr>
-        <p:style>
-          <a:lnRef idx="2">
-            <a:schemeClr val="accent1">
-              <a:shade val="15000"/>
-            </a:schemeClr>
-          </a:lnRef>
-          <a:fillRef idx="1">
-            <a:schemeClr val="accent1"/>
-          </a:fillRef>
-          <a:effectRef idx="0">
-            <a:schemeClr val="accent1"/>
-          </a:effectRef>
-          <a:fontRef idx="minor">
-            <a:schemeClr val="lt1"/>
-          </a:fontRef>
-        </p:style>
-        <p:txBody>
-          <a:bodyPr rtlCol="0" anchor="ctr"/>
-          <a:lstStyle/>
-          <a:p>
-            <a:pPr algn="ctr"/>
-            <a:endParaRPr lang="ko-KR" altLang="en-US" dirty="0"/>
-          </a:p>
-        </p:txBody>
-      </p:sp>
-      <p:grpSp>
-        <p:nvGrpSpPr>
-          <p:cNvPr id="38" name="Group 37">
-            <a:extLst>
-              <a:ext uri="{FF2B5EF4-FFF2-40B4-BE49-F238E27FC236}">
-                <a16:creationId xmlns:a16="http://schemas.microsoft.com/office/drawing/2014/main" id="{52166C3A-42D0-3F49-9E00-B0D3146BE411}"/>
-              </a:ext>
-            </a:extLst>
-          </p:cNvPr>
-          <p:cNvGrpSpPr/>
-          <p:nvPr/>
-        </p:nvGrpSpPr>
-        <p:grpSpPr>
-          <a:xfrm>
-            <a:off x="7477014" y="1173093"/>
-            <a:ext cx="9423620" cy="1297786"/>
-            <a:chOff x="8157324" y="1464039"/>
-            <a:chExt cx="9423620" cy="1297786"/>
-          </a:xfrm>
-        </p:grpSpPr>
-        <p:sp>
-          <p:nvSpPr>
-            <p:cNvPr id="41" name="TextBox 40">
-              <a:extLst>
-                <a:ext uri="{FF2B5EF4-FFF2-40B4-BE49-F238E27FC236}">
-                  <a16:creationId xmlns:a16="http://schemas.microsoft.com/office/drawing/2014/main" id="{3ECC3133-C266-2F4B-8018-72647E86218A}"/>
-                </a:ext>
-              </a:extLst>
-            </p:cNvPr>
-            <p:cNvSpPr txBox="1"/>
-            <p:nvPr/>
-          </p:nvSpPr>
-          <p:spPr>
-            <a:xfrm>
-              <a:off x="8157324" y="1746162"/>
-              <a:ext cx="9423620" cy="1015663"/>
-            </a:xfrm>
-            <a:prstGeom prst="rect">
-              <a:avLst/>
-            </a:prstGeom>
-            <a:noFill/>
-            <a:ln>
-              <a:noFill/>
-            </a:ln>
-          </p:spPr>
-          <p:txBody>
-            <a:bodyPr wrap="square" rtlCol="0">
-              <a:spAutoFit/>
-            </a:bodyPr>
-            <a:lstStyle/>
-            <a:p>
-              <a:pPr algn="ctr"/>
-              <a:r>
-                <a:rPr lang="en-US" sz="6000" b="1" dirty="0">
-                  <a:solidFill>
-                    <a:schemeClr val="tx2"/>
-                  </a:solidFill>
-                  <a:latin typeface="Roboto" panose="02000000000000000000" pitchFamily="2" charset="0"/>
-                  <a:ea typeface="Roboto" panose="02000000000000000000" pitchFamily="2" charset="0"/>
-                  <a:cs typeface="Lato Light" panose="020F0502020204030203" pitchFamily="34" charset="0"/>
-                </a:rPr>
-                <a:t>REFERNCES</a:t>
-              </a:r>
-            </a:p>
-          </p:txBody>
-        </p:sp>
-        <p:sp>
-          <p:nvSpPr>
-            <p:cNvPr id="40" name="Rectangle 39">
-              <a:extLst>
-                <a:ext uri="{FF2B5EF4-FFF2-40B4-BE49-F238E27FC236}">
-                  <a16:creationId xmlns:a16="http://schemas.microsoft.com/office/drawing/2014/main" id="{CA81A95F-AFB3-034E-B8D1-D00754A103C1}"/>
-                </a:ext>
-              </a:extLst>
-            </p:cNvPr>
-            <p:cNvSpPr/>
-            <p:nvPr/>
-          </p:nvSpPr>
-          <p:spPr>
-            <a:xfrm>
-              <a:off x="12536825" y="1464039"/>
-              <a:ext cx="664618" cy="76974"/>
-            </a:xfrm>
-            <a:prstGeom prst="rect">
-              <a:avLst/>
-            </a:prstGeom>
-            <a:solidFill>
-              <a:schemeClr val="accent5"/>
-            </a:solidFill>
-            <a:ln>
-              <a:noFill/>
-            </a:ln>
-          </p:spPr>
-          <p:style>
-            <a:lnRef idx="2">
-              <a:schemeClr val="accent1">
-                <a:shade val="50000"/>
-              </a:schemeClr>
-            </a:lnRef>
-            <a:fillRef idx="1">
-              <a:schemeClr val="accent1"/>
-            </a:fillRef>
-            <a:effectRef idx="0">
-              <a:schemeClr val="accent1"/>
-            </a:effectRef>
-            <a:fontRef idx="minor">
-              <a:schemeClr val="lt1"/>
-            </a:fontRef>
-          </p:style>
-          <p:txBody>
-            <a:bodyPr rtlCol="0" anchor="ctr"/>
-            <a:lstStyle/>
-            <a:p>
-              <a:pPr algn="ctr"/>
-              <a:endParaRPr lang="en-US"/>
-            </a:p>
-          </p:txBody>
-        </p:sp>
-      </p:grpSp>
-      <p:pic>
-        <p:nvPicPr>
-          <p:cNvPr id="7" name="그림 6">
-            <a:extLst>
-              <a:ext uri="{FF2B5EF4-FFF2-40B4-BE49-F238E27FC236}">
-                <a16:creationId xmlns:a16="http://schemas.microsoft.com/office/drawing/2014/main" id="{D497C9FB-D0D2-E965-A0BE-D4280B25FD6E}"/>
-              </a:ext>
-            </a:extLst>
-          </p:cNvPr>
-          <p:cNvPicPr>
-            <a:picLocks noChangeAspect="1"/>
-          </p:cNvPicPr>
-          <p:nvPr/>
-        </p:nvPicPr>
-        <p:blipFill>
-          <a:blip r:embed="rId3"/>
-          <a:stretch>
-            <a:fillRect/>
-          </a:stretch>
-        </p:blipFill>
-        <p:spPr>
-          <a:xfrm>
-            <a:off x="1316076" y="3658343"/>
-            <a:ext cx="9395421" cy="6004973"/>
-          </a:xfrm>
-          <a:prstGeom prst="rect">
-            <a:avLst/>
-          </a:prstGeom>
-        </p:spPr>
-      </p:pic>
-      <p:sp>
-        <p:nvSpPr>
-          <p:cNvPr id="14" name="TextBox 13">
-            <a:extLst>
-              <a:ext uri="{FF2B5EF4-FFF2-40B4-BE49-F238E27FC236}">
-                <a16:creationId xmlns:a16="http://schemas.microsoft.com/office/drawing/2014/main" id="{6714018D-3E94-18CC-8778-0C6D19B2C044}"/>
-              </a:ext>
-            </a:extLst>
-          </p:cNvPr>
-          <p:cNvSpPr txBox="1"/>
-          <p:nvPr/>
-        </p:nvSpPr>
-        <p:spPr>
-          <a:xfrm>
-            <a:off x="10374868" y="2510207"/>
-            <a:ext cx="3627917" cy="400110"/>
-          </a:xfrm>
-          <a:prstGeom prst="rect">
-            <a:avLst/>
-          </a:prstGeom>
-          <a:noFill/>
-        </p:spPr>
-        <p:txBody>
-          <a:bodyPr wrap="none" lIns="91440" tIns="45720" rIns="91440" bIns="45720" rtlCol="0" anchor="t">
-            <a:spAutoFit/>
-          </a:bodyPr>
-          <a:lstStyle/>
-          <a:p>
-            <a:pPr algn="ctr"/>
-            <a:r>
-              <a:rPr lang="en-US" sz="2000" spc="300">
-                <a:latin typeface="Roboto"/>
-                <a:ea typeface="Roboto"/>
-                <a:cs typeface="Lato"/>
-              </a:rPr>
-              <a:t>Engine Fault Diagnosis</a:t>
-            </a:r>
-          </a:p>
-        </p:txBody>
-      </p:sp>
-      <p:sp>
-        <p:nvSpPr>
-          <p:cNvPr id="4" name="TextBox 3">
-            <a:extLst>
-              <a:ext uri="{FF2B5EF4-FFF2-40B4-BE49-F238E27FC236}">
-                <a16:creationId xmlns:a16="http://schemas.microsoft.com/office/drawing/2014/main" id="{8E3F1F74-D0B1-383D-6627-7002D78E4336}"/>
-              </a:ext>
-            </a:extLst>
-          </p:cNvPr>
-          <p:cNvSpPr txBox="1"/>
-          <p:nvPr/>
-        </p:nvSpPr>
-        <p:spPr>
-          <a:xfrm>
-            <a:off x="1316076" y="10238215"/>
-            <a:ext cx="10089120" cy="1077218"/>
-          </a:xfrm>
-          <a:prstGeom prst="rect">
-            <a:avLst/>
-          </a:prstGeom>
-          <a:noFill/>
-        </p:spPr>
-        <p:txBody>
-          <a:bodyPr wrap="square">
-            <a:spAutoFit/>
-          </a:bodyPr>
-          <a:lstStyle/>
-          <a:p>
-            <a:r>
-              <a:rPr lang="en-US" altLang="ko-KR" sz="1600" dirty="0">
-                <a:solidFill>
-                  <a:srgbClr val="C00000"/>
-                </a:solidFill>
-                <a:latin typeface="Roboto Light" panose="02000000000000000000" pitchFamily="2" charset="0"/>
-                <a:ea typeface="Roboto Light" panose="02000000000000000000" pitchFamily="2" charset="0"/>
-                <a:cs typeface="Roboto Light" panose="02000000000000000000" pitchFamily="2" charset="0"/>
-              </a:rPr>
-              <a:t>[1] </a:t>
-            </a:r>
-            <a:r>
-              <a:rPr lang="tr-TR" altLang="ko-KR" sz="1600" b="0" i="0" dirty="0">
-                <a:solidFill>
-                  <a:srgbClr val="222222"/>
-                </a:solidFill>
-                <a:effectLst/>
-                <a:latin typeface="Roboto Light" panose="02000000000000000000" pitchFamily="2" charset="0"/>
-                <a:ea typeface="Roboto Light" panose="02000000000000000000" pitchFamily="2" charset="0"/>
-                <a:cs typeface="Roboto Light" panose="02000000000000000000" pitchFamily="2" charset="0"/>
-              </a:rPr>
-              <a:t>Vergara, M., Ramos, L., Rivera-Campoverde, N. D., &amp; Rivas-Echeverría, F. (2023). Enginefaultdb: a novel dataset for automotive engine fault classification and baseline results. </a:t>
-            </a:r>
-            <a:r>
-              <a:rPr lang="tr-TR" altLang="ko-KR" sz="1600" b="0" i="1" dirty="0">
-                <a:solidFill>
-                  <a:srgbClr val="222222"/>
-                </a:solidFill>
-                <a:effectLst/>
-                <a:latin typeface="Roboto Light" panose="02000000000000000000" pitchFamily="2" charset="0"/>
-                <a:ea typeface="Roboto Light" panose="02000000000000000000" pitchFamily="2" charset="0"/>
-                <a:cs typeface="Roboto Light" panose="02000000000000000000" pitchFamily="2" charset="0"/>
-              </a:rPr>
-              <a:t>IEEE Access</a:t>
-            </a:r>
-            <a:r>
-              <a:rPr lang="tr-TR" altLang="ko-KR" sz="1600" b="0" i="0" dirty="0">
-                <a:solidFill>
-                  <a:srgbClr val="222222"/>
-                </a:solidFill>
-                <a:effectLst/>
-                <a:latin typeface="Roboto Light" panose="02000000000000000000" pitchFamily="2" charset="0"/>
-                <a:ea typeface="Roboto Light" panose="02000000000000000000" pitchFamily="2" charset="0"/>
-                <a:cs typeface="Roboto Light" panose="02000000000000000000" pitchFamily="2" charset="0"/>
-              </a:rPr>
-              <a:t>, </a:t>
-            </a:r>
-            <a:r>
-              <a:rPr lang="tr-TR" altLang="ko-KR" sz="1600" b="0" i="1" dirty="0">
-                <a:solidFill>
-                  <a:srgbClr val="222222"/>
-                </a:solidFill>
-                <a:effectLst/>
-                <a:latin typeface="Roboto Light" panose="02000000000000000000" pitchFamily="2" charset="0"/>
-                <a:ea typeface="Roboto Light" panose="02000000000000000000" pitchFamily="2" charset="0"/>
-                <a:cs typeface="Roboto Light" panose="02000000000000000000" pitchFamily="2" charset="0"/>
-              </a:rPr>
-              <a:t>11</a:t>
-            </a:r>
-            <a:r>
-              <a:rPr lang="tr-TR" altLang="ko-KR" sz="1600" b="0" i="0" dirty="0">
-                <a:solidFill>
-                  <a:srgbClr val="222222"/>
-                </a:solidFill>
-                <a:effectLst/>
-                <a:latin typeface="Roboto Light" panose="02000000000000000000" pitchFamily="2" charset="0"/>
-                <a:ea typeface="Roboto Light" panose="02000000000000000000" pitchFamily="2" charset="0"/>
-                <a:cs typeface="Roboto Light" panose="02000000000000000000" pitchFamily="2" charset="0"/>
-              </a:rPr>
-              <a:t>, 126155-126171.</a:t>
-            </a:r>
-            <a:endParaRPr lang="en-US" altLang="ko-KR" sz="1600" b="0" i="0" dirty="0">
-              <a:solidFill>
-                <a:srgbClr val="222222"/>
-              </a:solidFill>
-              <a:effectLst/>
-              <a:latin typeface="Roboto Light" panose="02000000000000000000" pitchFamily="2" charset="0"/>
-              <a:ea typeface="Roboto Light" panose="02000000000000000000" pitchFamily="2" charset="0"/>
-              <a:cs typeface="Roboto Light" panose="02000000000000000000" pitchFamily="2" charset="0"/>
-            </a:endParaRPr>
-          </a:p>
-          <a:p>
-            <a:endParaRPr lang="en-US" altLang="ko-KR" sz="1600" dirty="0">
-              <a:solidFill>
-                <a:srgbClr val="222222"/>
-              </a:solidFill>
-              <a:latin typeface="Roboto Light" panose="02000000000000000000" pitchFamily="2" charset="0"/>
-              <a:ea typeface="Roboto Light" panose="02000000000000000000" pitchFamily="2" charset="0"/>
-              <a:cs typeface="Roboto Light" panose="02000000000000000000" pitchFamily="2" charset="0"/>
-            </a:endParaRPr>
-          </a:p>
-          <a:p>
-            <a:r>
-              <a:rPr lang="en-US" altLang="ko-KR" sz="1600" dirty="0">
-                <a:solidFill>
-                  <a:srgbClr val="C00000"/>
-                </a:solidFill>
-                <a:latin typeface="Roboto Light" panose="02000000000000000000" pitchFamily="2" charset="0"/>
-                <a:ea typeface="Roboto Light" panose="02000000000000000000" pitchFamily="2" charset="0"/>
-                <a:cs typeface="Roboto Light" panose="02000000000000000000" pitchFamily="2" charset="0"/>
-              </a:rPr>
-              <a:t>[2] </a:t>
-            </a:r>
-            <a:r>
-              <a:rPr lang="en-US" altLang="ko-KR" sz="1600" dirty="0">
-                <a:solidFill>
-                  <a:schemeClr val="tx2">
-                    <a:lumMod val="75000"/>
-                  </a:schemeClr>
-                </a:solidFill>
-                <a:latin typeface="Roboto Light" panose="02000000000000000000" pitchFamily="2" charset="0"/>
-                <a:ea typeface="Roboto Light" panose="02000000000000000000" pitchFamily="2" charset="0"/>
-                <a:cs typeface="Roboto Light" panose="02000000000000000000" pitchFamily="2" charset="0"/>
-              </a:rPr>
-              <a:t>Thomas, L. (2024). </a:t>
-            </a:r>
-            <a:r>
-              <a:rPr lang="en-US" altLang="ko-KR" sz="1600" dirty="0" err="1">
-                <a:solidFill>
-                  <a:schemeClr val="tx2">
-                    <a:lumMod val="75000"/>
-                  </a:schemeClr>
-                </a:solidFill>
-                <a:latin typeface="Roboto Light" panose="02000000000000000000" pitchFamily="2" charset="0"/>
-                <a:ea typeface="Roboto Light" panose="02000000000000000000" pitchFamily="2" charset="0"/>
-                <a:cs typeface="Roboto Light" panose="02000000000000000000" pitchFamily="2" charset="0"/>
-              </a:rPr>
-              <a:t>EngineFaultDB</a:t>
-            </a:r>
-            <a:r>
-              <a:rPr lang="en-US" altLang="ko-KR" sz="1600" dirty="0">
-                <a:solidFill>
-                  <a:schemeClr val="tx2">
-                    <a:lumMod val="75000"/>
-                  </a:schemeClr>
-                </a:solidFill>
-                <a:latin typeface="Roboto Light" panose="02000000000000000000" pitchFamily="2" charset="0"/>
-                <a:ea typeface="Roboto Light" panose="02000000000000000000" pitchFamily="2" charset="0"/>
-                <a:cs typeface="Roboto Light" panose="02000000000000000000" pitchFamily="2" charset="0"/>
-              </a:rPr>
-              <a:t> Dataset. GitHub. https://github.com/Leo-Thomas/EngineFaultDB</a:t>
-            </a:r>
-            <a:endParaRPr lang="en-US" altLang="ko-KR" sz="1600" b="0" i="1" dirty="0">
-              <a:solidFill>
-                <a:srgbClr val="333333"/>
-              </a:solidFill>
-              <a:effectLst/>
-              <a:latin typeface="Roboto Light" panose="02000000000000000000" pitchFamily="2" charset="0"/>
-              <a:ea typeface="Roboto Light" panose="02000000000000000000" pitchFamily="2" charset="0"/>
-              <a:cs typeface="Roboto Light" panose="02000000000000000000" pitchFamily="2" charset="0"/>
-            </a:endParaRPr>
-          </a:p>
-        </p:txBody>
-      </p:sp>
-      <p:pic>
-        <p:nvPicPr>
-          <p:cNvPr id="8" name="그림 7">
-            <a:extLst>
-              <a:ext uri="{FF2B5EF4-FFF2-40B4-BE49-F238E27FC236}">
-                <a16:creationId xmlns:a16="http://schemas.microsoft.com/office/drawing/2014/main" id="{37048FEB-C6F4-DDE0-243B-9B1B75170AC5}"/>
-              </a:ext>
-            </a:extLst>
-          </p:cNvPr>
-          <p:cNvPicPr>
-            <a:picLocks noChangeAspect="1"/>
-          </p:cNvPicPr>
-          <p:nvPr/>
-        </p:nvPicPr>
-        <p:blipFill>
-          <a:blip r:embed="rId4"/>
-          <a:srcRect l="-1727" b="16096"/>
-          <a:stretch/>
-        </p:blipFill>
-        <p:spPr>
-          <a:xfrm>
-            <a:off x="14868330" y="3609007"/>
-            <a:ext cx="6492238" cy="7281160"/>
-          </a:xfrm>
-          <a:prstGeom prst="rect">
-            <a:avLst/>
-          </a:prstGeom>
-        </p:spPr>
-      </p:pic>
-      <p:sp>
-        <p:nvSpPr>
-          <p:cNvPr id="11" name="TextBox 10">
-            <a:extLst>
-              <a:ext uri="{FF2B5EF4-FFF2-40B4-BE49-F238E27FC236}">
-                <a16:creationId xmlns:a16="http://schemas.microsoft.com/office/drawing/2014/main" id="{30F9D83F-5A96-7202-49F2-0756A62B2AF4}"/>
-              </a:ext>
-            </a:extLst>
-          </p:cNvPr>
-          <p:cNvSpPr txBox="1"/>
-          <p:nvPr/>
-        </p:nvSpPr>
-        <p:spPr>
-          <a:xfrm>
-            <a:off x="12690388" y="11408327"/>
-            <a:ext cx="10926498" cy="1077218"/>
-          </a:xfrm>
-          <a:prstGeom prst="rect">
-            <a:avLst/>
-          </a:prstGeom>
-          <a:noFill/>
-        </p:spPr>
-        <p:txBody>
-          <a:bodyPr wrap="square">
-            <a:spAutoFit/>
-          </a:bodyPr>
-          <a:lstStyle/>
-          <a:p>
-            <a:r>
-              <a:rPr lang="en-US" altLang="ko-KR" sz="1600" dirty="0">
-                <a:solidFill>
-                  <a:srgbClr val="C00000"/>
-                </a:solidFill>
-                <a:latin typeface="Roboto Light" panose="02000000000000000000" pitchFamily="2" charset="0"/>
-                <a:ea typeface="Roboto Light" panose="02000000000000000000" pitchFamily="2" charset="0"/>
-                <a:cs typeface="Roboto Light" panose="02000000000000000000" pitchFamily="2" charset="0"/>
-              </a:rPr>
-              <a:t>[3] </a:t>
-            </a:r>
-            <a:r>
-              <a:rPr lang="tr-TR" altLang="ko-KR" sz="1600" b="0" i="0" dirty="0">
-                <a:solidFill>
-                  <a:srgbClr val="222222"/>
-                </a:solidFill>
-                <a:effectLst/>
-                <a:latin typeface="Roboto Light" panose="02000000000000000000" pitchFamily="2" charset="0"/>
-                <a:ea typeface="Roboto Light" panose="02000000000000000000" pitchFamily="2" charset="0"/>
-                <a:cs typeface="Roboto Light" panose="02000000000000000000" pitchFamily="2" charset="0"/>
-              </a:rPr>
-              <a:t>Li, C. Y., Rakitsch, B., &amp; Zimmer, C. (2022, May). Safe active learning for multi-output gaussian processes. In International Conference on Artificial Intelligence and Statistics (pp. 4512-4551). PMLR.</a:t>
-            </a:r>
-            <a:endParaRPr lang="en-US" altLang="ko-KR" sz="1600" b="0" i="0" dirty="0">
-              <a:solidFill>
-                <a:srgbClr val="222222"/>
-              </a:solidFill>
-              <a:effectLst/>
-              <a:latin typeface="Roboto Light" panose="02000000000000000000" pitchFamily="2" charset="0"/>
-              <a:ea typeface="Roboto Light" panose="02000000000000000000" pitchFamily="2" charset="0"/>
-              <a:cs typeface="Roboto Light" panose="02000000000000000000" pitchFamily="2" charset="0"/>
-            </a:endParaRPr>
-          </a:p>
-          <a:p>
-            <a:endParaRPr lang="en-US" altLang="ko-KR" sz="1600" dirty="0">
-              <a:solidFill>
-                <a:srgbClr val="222222"/>
-              </a:solidFill>
-              <a:latin typeface="Roboto Light" panose="02000000000000000000" pitchFamily="2" charset="0"/>
-              <a:ea typeface="Roboto Light" panose="02000000000000000000" pitchFamily="2" charset="0"/>
-              <a:cs typeface="Roboto Light" panose="02000000000000000000" pitchFamily="2" charset="0"/>
-            </a:endParaRPr>
-          </a:p>
-          <a:p>
-            <a:r>
-              <a:rPr lang="en-US" altLang="ko-KR" sz="1600" dirty="0">
-                <a:solidFill>
-                  <a:srgbClr val="C00000"/>
-                </a:solidFill>
-                <a:latin typeface="Roboto Light" panose="02000000000000000000" pitchFamily="2" charset="0"/>
-                <a:ea typeface="Roboto Light" panose="02000000000000000000" pitchFamily="2" charset="0"/>
-                <a:cs typeface="Roboto Light" panose="02000000000000000000" pitchFamily="2" charset="0"/>
-              </a:rPr>
-              <a:t>[4] </a:t>
-            </a:r>
-            <a:r>
-              <a:rPr lang="en-US" altLang="ko-KR" sz="1600" dirty="0">
-                <a:solidFill>
-                  <a:schemeClr val="tx2">
-                    <a:lumMod val="75000"/>
-                  </a:schemeClr>
-                </a:solidFill>
-                <a:latin typeface="Roboto Light" panose="02000000000000000000" pitchFamily="2" charset="0"/>
-                <a:ea typeface="Roboto Light" panose="02000000000000000000" pitchFamily="2" charset="0"/>
-                <a:cs typeface="Roboto Light" panose="02000000000000000000" pitchFamily="2" charset="0"/>
-              </a:rPr>
-              <a:t>Bosch Research. (n.d.). Bosch Engine Datasets. GitHub. https://github.com/boschresearch/Bosch-Engine-Datasets</a:t>
-            </a:r>
-            <a:endParaRPr lang="en-US" altLang="ko-KR" sz="1600" b="0" i="1" dirty="0">
-              <a:solidFill>
-                <a:srgbClr val="333333"/>
-              </a:solidFill>
-              <a:effectLst/>
-              <a:latin typeface="Roboto Light" panose="02000000000000000000" pitchFamily="2" charset="0"/>
-              <a:ea typeface="Roboto Light" panose="02000000000000000000" pitchFamily="2" charset="0"/>
-              <a:cs typeface="Roboto Light" panose="02000000000000000000" pitchFamily="2" charset="0"/>
-            </a:endParaRPr>
-          </a:p>
-        </p:txBody>
-      </p:sp>
-      <p:sp>
-        <p:nvSpPr>
-          <p:cNvPr id="13" name="직사각형 12">
-            <a:extLst>
-              <a:ext uri="{FF2B5EF4-FFF2-40B4-BE49-F238E27FC236}">
-                <a16:creationId xmlns:a16="http://schemas.microsoft.com/office/drawing/2014/main" id="{DDCFD160-188D-A365-EA71-EBDB04D1B336}"/>
-              </a:ext>
-            </a:extLst>
-          </p:cNvPr>
-          <p:cNvSpPr/>
-          <p:nvPr/>
-        </p:nvSpPr>
-        <p:spPr>
-          <a:xfrm>
-            <a:off x="1081873" y="2939176"/>
-            <a:ext cx="5285833" cy="567933"/>
-          </a:xfrm>
-          <a:prstGeom prst="rect">
-            <a:avLst/>
-          </a:prstGeom>
-          <a:solidFill>
-            <a:schemeClr val="tx2">
-              <a:lumMod val="75000"/>
-            </a:schemeClr>
-          </a:solidFill>
-          <a:ln>
-            <a:noFill/>
-          </a:ln>
-        </p:spPr>
-        <p:style>
-          <a:lnRef idx="2">
-            <a:schemeClr val="accent1">
-              <a:shade val="15000"/>
-            </a:schemeClr>
-          </a:lnRef>
-          <a:fillRef idx="1">
-            <a:schemeClr val="accent1"/>
-          </a:fillRef>
-          <a:effectRef idx="0">
-            <a:schemeClr val="accent1"/>
-          </a:effectRef>
-          <a:fontRef idx="minor">
-            <a:schemeClr val="lt1"/>
-          </a:fontRef>
-        </p:style>
-        <p:txBody>
-          <a:bodyPr rtlCol="0" anchor="ctr"/>
-          <a:lstStyle/>
-          <a:p>
-            <a:pPr algn="ctr"/>
-            <a:r>
-              <a:rPr lang="en-US" altLang="ko-KR" sz="2400" b="1" dirty="0">
-                <a:solidFill>
-                  <a:schemeClr val="bg2"/>
-                </a:solidFill>
-              </a:rPr>
-              <a:t>Baseline Survey – Journal &amp; Datasets</a:t>
-            </a:r>
-          </a:p>
-        </p:txBody>
-      </p:sp>
-    </p:spTree>
-    <p:extLst>
-      <p:ext uri="{BB962C8B-B14F-4D97-AF65-F5344CB8AC3E}">
-        <p14:creationId xmlns:p14="http://schemas.microsoft.com/office/powerpoint/2010/main" val="491967787"/>
       </p:ext>
     </p:extLst>
   </p:cSld>

--- a/Projects/Projects#1_EngineFaultDiagnosis/Project#1_Proposal/IAIA_Proposal_21900727_21900416_GaramJin_GyeonhealAn_Fixed.pptx
+++ b/Projects/Projects#1_EngineFaultDiagnosis/Project#1_Proposal/IAIA_Proposal_21900727_21900416_GaramJin_GyeonhealAn_Fixed.pptx
@@ -5,7 +5,7 @@
     <p:sldMasterId id="2147483970" r:id="rId1"/>
   </p:sldMasterIdLst>
   <p:notesMasterIdLst>
-    <p:notesMasterId r:id="rId12"/>
+    <p:notesMasterId r:id="rId13"/>
   </p:notesMasterIdLst>
   <p:sldIdLst>
     <p:sldId id="4149" r:id="rId2"/>
@@ -14,10 +14,11 @@
     <p:sldId id="4171" r:id="rId5"/>
     <p:sldId id="4173" r:id="rId6"/>
     <p:sldId id="4172" r:id="rId7"/>
-    <p:sldId id="4179" r:id="rId8"/>
-    <p:sldId id="4174" r:id="rId9"/>
-    <p:sldId id="4178" r:id="rId10"/>
-    <p:sldId id="4175" r:id="rId11"/>
+    <p:sldId id="4180" r:id="rId8"/>
+    <p:sldId id="4179" r:id="rId9"/>
+    <p:sldId id="4174" r:id="rId10"/>
+    <p:sldId id="4178" r:id="rId11"/>
+    <p:sldId id="4175" r:id="rId12"/>
   </p:sldIdLst>
   <p:sldSz cx="24377650" cy="13716000"/>
   <p:notesSz cx="6858000" cy="9144000"/>
@@ -825,10 +826,10 @@
           <a:lstStyle/>
           <a:p>
             <a:r>
-              <a:rPr lang="en-US" altLang="ko-KR"/>
+              <a:rPr lang="en-US" altLang="ko-KR" dirty="0"/>
               <a:t>https://www.howacarworks.com/basics/how-a-fuel-injection-system-works</a:t>
             </a:r>
-            <a:endParaRPr lang="ko-KR" altLang="en-US"/>
+            <a:endParaRPr lang="ko-KR" altLang="en-US" dirty="0"/>
           </a:p>
         </p:txBody>
       </p:sp>
@@ -850,7 +851,7 @@
             <a:fld id="{006BE02D-20C0-F840-AFAC-BEA99C74FDC2}" type="slidenum">
               <a:rPr lang="en-US" smtClean="0"/>
               <a:pPr/>
-              <a:t>7</a:t>
+              <a:t>8</a:t>
             </a:fld>
             <a:endParaRPr lang="en-US"/>
           </a:p>
@@ -935,7 +936,7 @@
             <a:fld id="{006BE02D-20C0-F840-AFAC-BEA99C74FDC2}" type="slidenum">
               <a:rPr lang="en-US" smtClean="0"/>
               <a:pPr/>
-              <a:t>8</a:t>
+              <a:t>9</a:t>
             </a:fld>
             <a:endParaRPr lang="en-US"/>
           </a:p>
@@ -1020,7 +1021,7 @@
             <a:fld id="{006BE02D-20C0-F840-AFAC-BEA99C74FDC2}" type="slidenum">
               <a:rPr lang="en-US" smtClean="0"/>
               <a:pPr/>
-              <a:t>9</a:t>
+              <a:t>10</a:t>
             </a:fld>
             <a:endParaRPr lang="en-US"/>
           </a:p>
@@ -1105,7 +1106,7 @@
             <a:fld id="{006BE02D-20C0-F840-AFAC-BEA99C74FDC2}" type="slidenum">
               <a:rPr lang="en-US" smtClean="0"/>
               <a:pPr/>
-              <a:t>10</a:t>
+              <a:t>11</a:t>
             </a:fld>
             <a:endParaRPr lang="en-US"/>
           </a:p>
@@ -3466,6 +3467,1556 @@
       </p:grpSpPr>
       <p:sp>
         <p:nvSpPr>
+          <p:cNvPr id="26" name="직사각형 25">
+            <a:extLst>
+              <a:ext uri="{FF2B5EF4-FFF2-40B4-BE49-F238E27FC236}">
+                <a16:creationId xmlns:a16="http://schemas.microsoft.com/office/drawing/2014/main" id="{E3760E7B-BDE8-2298-DBFE-BFD7282CED30}"/>
+              </a:ext>
+            </a:extLst>
+          </p:cNvPr>
+          <p:cNvSpPr/>
+          <p:nvPr/>
+        </p:nvSpPr>
+        <p:spPr>
+          <a:xfrm>
+            <a:off x="514075" y="10464855"/>
+            <a:ext cx="16807273" cy="3029076"/>
+          </a:xfrm>
+          <a:prstGeom prst="rect">
+            <a:avLst/>
+          </a:prstGeom>
+          <a:solidFill>
+            <a:schemeClr val="bg1">
+              <a:lumMod val="85000"/>
+            </a:schemeClr>
+          </a:solidFill>
+          <a:ln>
+            <a:noFill/>
+          </a:ln>
+        </p:spPr>
+        <p:style>
+          <a:lnRef idx="2">
+            <a:schemeClr val="accent1">
+              <a:shade val="15000"/>
+            </a:schemeClr>
+          </a:lnRef>
+          <a:fillRef idx="1">
+            <a:schemeClr val="accent1"/>
+          </a:fillRef>
+          <a:effectRef idx="0">
+            <a:schemeClr val="accent1"/>
+          </a:effectRef>
+          <a:fontRef idx="minor">
+            <a:schemeClr val="lt1"/>
+          </a:fontRef>
+        </p:style>
+        <p:txBody>
+          <a:bodyPr rtlCol="0" anchor="ctr"/>
+          <a:lstStyle/>
+          <a:p>
+            <a:pPr algn="ctr"/>
+            <a:endParaRPr lang="ko-KR" altLang="en-US" sz="3200" dirty="0">
+              <a:solidFill>
+                <a:schemeClr val="tx1">
+                  <a:lumMod val="49000"/>
+                </a:schemeClr>
+              </a:solidFill>
+              <a:latin typeface="Roboto Medium"/>
+              <a:ea typeface="맑은 고딕"/>
+              <a:cs typeface="Calibri"/>
+            </a:endParaRPr>
+          </a:p>
+        </p:txBody>
+      </p:sp>
+      <p:sp>
+        <p:nvSpPr>
+          <p:cNvPr id="54" name="직사각형 53">
+            <a:extLst>
+              <a:ext uri="{FF2B5EF4-FFF2-40B4-BE49-F238E27FC236}">
+                <a16:creationId xmlns:a16="http://schemas.microsoft.com/office/drawing/2014/main" id="{3D623B74-174F-3BBA-67E5-69C269B6C758}"/>
+              </a:ext>
+            </a:extLst>
+          </p:cNvPr>
+          <p:cNvSpPr/>
+          <p:nvPr/>
+        </p:nvSpPr>
+        <p:spPr>
+          <a:xfrm>
+            <a:off x="514075" y="3544137"/>
+            <a:ext cx="23547707" cy="879397"/>
+          </a:xfrm>
+          <a:prstGeom prst="rect">
+            <a:avLst/>
+          </a:prstGeom>
+          <a:solidFill>
+            <a:schemeClr val="bg1">
+              <a:lumMod val="85000"/>
+            </a:schemeClr>
+          </a:solidFill>
+          <a:ln>
+            <a:noFill/>
+          </a:ln>
+        </p:spPr>
+        <p:style>
+          <a:lnRef idx="2">
+            <a:schemeClr val="accent1">
+              <a:shade val="15000"/>
+            </a:schemeClr>
+          </a:lnRef>
+          <a:fillRef idx="1">
+            <a:schemeClr val="accent1"/>
+          </a:fillRef>
+          <a:effectRef idx="0">
+            <a:schemeClr val="accent1"/>
+          </a:effectRef>
+          <a:fontRef idx="minor">
+            <a:schemeClr val="lt1"/>
+          </a:fontRef>
+        </p:style>
+        <p:txBody>
+          <a:bodyPr rtlCol="0" anchor="ctr"/>
+          <a:lstStyle/>
+          <a:p>
+            <a:pPr algn="ctr"/>
+            <a:r>
+              <a:rPr lang="en" altLang="ko-KR" sz="3200" dirty="0">
+                <a:solidFill>
+                  <a:schemeClr val="tx1">
+                    <a:lumMod val="49000"/>
+                  </a:schemeClr>
+                </a:solidFill>
+                <a:latin typeface="Roboto Medium"/>
+                <a:ea typeface="+mn-lt"/>
+                <a:cs typeface="+mn-lt"/>
+              </a:rPr>
+              <a:t>Apply the Model to the Open BOSCH Engine Dataset Available on BOSCH’s Official GitHub.</a:t>
+            </a:r>
+            <a:endParaRPr lang="ko-KR" altLang="en-US" sz="3200" dirty="0">
+              <a:solidFill>
+                <a:schemeClr val="tx1">
+                  <a:lumMod val="49000"/>
+                </a:schemeClr>
+              </a:solidFill>
+              <a:latin typeface="Roboto Medium"/>
+              <a:ea typeface="맑은 고딕"/>
+              <a:cs typeface="Calibri"/>
+            </a:endParaRPr>
+          </a:p>
+        </p:txBody>
+      </p:sp>
+      <p:sp>
+        <p:nvSpPr>
+          <p:cNvPr id="55" name="직사각형 54">
+            <a:extLst>
+              <a:ext uri="{FF2B5EF4-FFF2-40B4-BE49-F238E27FC236}">
+                <a16:creationId xmlns:a16="http://schemas.microsoft.com/office/drawing/2014/main" id="{C4BBA3A8-F50A-3388-8B72-D4521CB4FD2A}"/>
+              </a:ext>
+            </a:extLst>
+          </p:cNvPr>
+          <p:cNvSpPr/>
+          <p:nvPr/>
+        </p:nvSpPr>
+        <p:spPr>
+          <a:xfrm>
+            <a:off x="514075" y="3080992"/>
+            <a:ext cx="5285833" cy="567933"/>
+          </a:xfrm>
+          <a:prstGeom prst="rect">
+            <a:avLst/>
+          </a:prstGeom>
+          <a:solidFill>
+            <a:schemeClr val="tx2">
+              <a:lumMod val="75000"/>
+            </a:schemeClr>
+          </a:solidFill>
+          <a:ln>
+            <a:noFill/>
+          </a:ln>
+        </p:spPr>
+        <p:style>
+          <a:lnRef idx="2">
+            <a:schemeClr val="accent1">
+              <a:shade val="15000"/>
+            </a:schemeClr>
+          </a:lnRef>
+          <a:fillRef idx="1">
+            <a:schemeClr val="accent1"/>
+          </a:fillRef>
+          <a:effectRef idx="0">
+            <a:schemeClr val="accent1"/>
+          </a:effectRef>
+          <a:fontRef idx="minor">
+            <a:schemeClr val="lt1"/>
+          </a:fontRef>
+        </p:style>
+        <p:txBody>
+          <a:bodyPr rtlCol="0" anchor="ctr"/>
+          <a:lstStyle/>
+          <a:p>
+            <a:pPr algn="ctr"/>
+            <a:r>
+              <a:rPr lang="en-US" altLang="ko-KR" b="1" dirty="0">
+                <a:solidFill>
+                  <a:schemeClr val="bg2"/>
+                </a:solidFill>
+              </a:rPr>
+              <a:t>Further Study</a:t>
+            </a:r>
+          </a:p>
+        </p:txBody>
+      </p:sp>
+      <p:grpSp>
+        <p:nvGrpSpPr>
+          <p:cNvPr id="2" name="Group 1">
+            <a:extLst>
+              <a:ext uri="{FF2B5EF4-FFF2-40B4-BE49-F238E27FC236}">
+                <a16:creationId xmlns:a16="http://schemas.microsoft.com/office/drawing/2014/main" id="{C0BF1A7A-A15F-FD4C-8252-65717C7A3CC2}"/>
+              </a:ext>
+            </a:extLst>
+          </p:cNvPr>
+          <p:cNvGrpSpPr/>
+          <p:nvPr/>
+        </p:nvGrpSpPr>
+        <p:grpSpPr>
+          <a:xfrm>
+            <a:off x="5319196" y="1173093"/>
+            <a:ext cx="13739256" cy="1737224"/>
+            <a:chOff x="5999506" y="1464039"/>
+            <a:chExt cx="13739256" cy="1737224"/>
+          </a:xfrm>
+        </p:grpSpPr>
+        <p:grpSp>
+          <p:nvGrpSpPr>
+            <p:cNvPr id="5" name="Group 4">
+              <a:extLst>
+                <a:ext uri="{FF2B5EF4-FFF2-40B4-BE49-F238E27FC236}">
+                  <a16:creationId xmlns:a16="http://schemas.microsoft.com/office/drawing/2014/main" id="{1D7663F8-D89B-B14D-BF2F-7C06FB5CBC8A}"/>
+                </a:ext>
+              </a:extLst>
+            </p:cNvPr>
+            <p:cNvGrpSpPr/>
+            <p:nvPr/>
+          </p:nvGrpSpPr>
+          <p:grpSpPr>
+            <a:xfrm>
+              <a:off x="5999506" y="1764672"/>
+              <a:ext cx="13739256" cy="1436591"/>
+              <a:chOff x="11845134" y="1362280"/>
+              <a:chExt cx="13739256" cy="1436591"/>
+            </a:xfrm>
+          </p:grpSpPr>
+          <p:sp>
+            <p:nvSpPr>
+              <p:cNvPr id="34" name="TextBox 33">
+                <a:extLst>
+                  <a:ext uri="{FF2B5EF4-FFF2-40B4-BE49-F238E27FC236}">
+                    <a16:creationId xmlns:a16="http://schemas.microsoft.com/office/drawing/2014/main" id="{67A26E92-709E-CA4E-BED9-5F0D8B260180}"/>
+                  </a:ext>
+                </a:extLst>
+              </p:cNvPr>
+              <p:cNvSpPr txBox="1"/>
+              <p:nvPr/>
+            </p:nvSpPr>
+            <p:spPr>
+              <a:xfrm>
+                <a:off x="11845134" y="1362280"/>
+                <a:ext cx="13739256" cy="1015663"/>
+              </a:xfrm>
+              <a:prstGeom prst="rect">
+                <a:avLst/>
+              </a:prstGeom>
+              <a:noFill/>
+              <a:ln>
+                <a:noFill/>
+              </a:ln>
+            </p:spPr>
+            <p:txBody>
+              <a:bodyPr wrap="square" lIns="91440" tIns="45720" rIns="91440" bIns="45720" rtlCol="0" anchor="t">
+                <a:spAutoFit/>
+              </a:bodyPr>
+              <a:lstStyle/>
+              <a:p>
+                <a:pPr algn="ctr"/>
+                <a:r>
+                  <a:rPr lang="en-US" sz="6000" b="1" dirty="0">
+                    <a:solidFill>
+                      <a:schemeClr val="tx2"/>
+                    </a:solidFill>
+                    <a:latin typeface="Roboto"/>
+                    <a:ea typeface="Roboto"/>
+                    <a:cs typeface="Lato Light"/>
+                  </a:rPr>
+                  <a:t>ADDITIONAL RESEARCH</a:t>
+                </a:r>
+              </a:p>
+            </p:txBody>
+          </p:sp>
+          <p:sp>
+            <p:nvSpPr>
+              <p:cNvPr id="37" name="TextBox 36">
+                <a:extLst>
+                  <a:ext uri="{FF2B5EF4-FFF2-40B4-BE49-F238E27FC236}">
+                    <a16:creationId xmlns:a16="http://schemas.microsoft.com/office/drawing/2014/main" id="{35BE922F-CFB5-2444-941C-433304D6246E}"/>
+                  </a:ext>
+                </a:extLst>
+              </p:cNvPr>
+              <p:cNvSpPr txBox="1"/>
+              <p:nvPr/>
+            </p:nvSpPr>
+            <p:spPr>
+              <a:xfrm>
+                <a:off x="16900806" y="2398761"/>
+                <a:ext cx="3627917" cy="400110"/>
+              </a:xfrm>
+              <a:prstGeom prst="rect">
+                <a:avLst/>
+              </a:prstGeom>
+              <a:noFill/>
+            </p:spPr>
+            <p:txBody>
+              <a:bodyPr wrap="none" lIns="91440" tIns="45720" rIns="91440" bIns="45720" rtlCol="0" anchor="t">
+                <a:spAutoFit/>
+              </a:bodyPr>
+              <a:lstStyle/>
+              <a:p>
+                <a:pPr algn="ctr"/>
+                <a:r>
+                  <a:rPr lang="en-US" sz="2000" spc="300">
+                    <a:latin typeface="Roboto"/>
+                    <a:ea typeface="Roboto"/>
+                    <a:cs typeface="Lato"/>
+                  </a:rPr>
+                  <a:t>Engine Fault Diagnosis</a:t>
+                </a:r>
+              </a:p>
+            </p:txBody>
+          </p:sp>
+        </p:grpSp>
+        <p:sp>
+          <p:nvSpPr>
+            <p:cNvPr id="6" name="Rectangle 5">
+              <a:extLst>
+                <a:ext uri="{FF2B5EF4-FFF2-40B4-BE49-F238E27FC236}">
+                  <a16:creationId xmlns:a16="http://schemas.microsoft.com/office/drawing/2014/main" id="{AC62DBA4-6A1B-B746-845A-D4D2131440B5}"/>
+                </a:ext>
+              </a:extLst>
+            </p:cNvPr>
+            <p:cNvSpPr/>
+            <p:nvPr/>
+          </p:nvSpPr>
+          <p:spPr>
+            <a:xfrm>
+              <a:off x="12536825" y="1464039"/>
+              <a:ext cx="664618" cy="76974"/>
+            </a:xfrm>
+            <a:prstGeom prst="rect">
+              <a:avLst/>
+            </a:prstGeom>
+            <a:solidFill>
+              <a:schemeClr val="accent5"/>
+            </a:solidFill>
+            <a:ln>
+              <a:noFill/>
+            </a:ln>
+          </p:spPr>
+          <p:style>
+            <a:lnRef idx="2">
+              <a:schemeClr val="accent1">
+                <a:shade val="50000"/>
+              </a:schemeClr>
+            </a:lnRef>
+            <a:fillRef idx="1">
+              <a:schemeClr val="accent1"/>
+            </a:fillRef>
+            <a:effectRef idx="0">
+              <a:schemeClr val="accent1"/>
+            </a:effectRef>
+            <a:fontRef idx="minor">
+              <a:schemeClr val="lt1"/>
+            </a:fontRef>
+          </p:style>
+          <p:txBody>
+            <a:bodyPr rtlCol="0" anchor="ctr"/>
+            <a:lstStyle/>
+            <a:p>
+              <a:pPr algn="ctr"/>
+              <a:endParaRPr lang="en-US"/>
+            </a:p>
+          </p:txBody>
+        </p:sp>
+      </p:grpSp>
+      <p:grpSp>
+        <p:nvGrpSpPr>
+          <p:cNvPr id="25" name="그룹 24">
+            <a:extLst>
+              <a:ext uri="{FF2B5EF4-FFF2-40B4-BE49-F238E27FC236}">
+                <a16:creationId xmlns:a16="http://schemas.microsoft.com/office/drawing/2014/main" id="{8E413EE7-6BA1-CD44-696A-4473A463C28F}"/>
+              </a:ext>
+            </a:extLst>
+          </p:cNvPr>
+          <p:cNvGrpSpPr/>
+          <p:nvPr/>
+        </p:nvGrpSpPr>
+        <p:grpSpPr>
+          <a:xfrm>
+            <a:off x="514075" y="4703673"/>
+            <a:ext cx="23547708" cy="5141609"/>
+            <a:chOff x="514074" y="5243362"/>
+            <a:chExt cx="23547708" cy="5141609"/>
+          </a:xfrm>
+        </p:grpSpPr>
+        <p:sp>
+          <p:nvSpPr>
+            <p:cNvPr id="4" name="직사각형 3">
+              <a:extLst>
+                <a:ext uri="{FF2B5EF4-FFF2-40B4-BE49-F238E27FC236}">
+                  <a16:creationId xmlns:a16="http://schemas.microsoft.com/office/drawing/2014/main" id="{D5795783-7E35-B03A-8DB3-2BEDC8258A2A}"/>
+                </a:ext>
+              </a:extLst>
+            </p:cNvPr>
+            <p:cNvSpPr/>
+            <p:nvPr/>
+          </p:nvSpPr>
+          <p:spPr>
+            <a:xfrm>
+              <a:off x="514075" y="5575089"/>
+              <a:ext cx="23547707" cy="4809882"/>
+            </a:xfrm>
+            <a:prstGeom prst="rect">
+              <a:avLst/>
+            </a:prstGeom>
+            <a:solidFill>
+              <a:schemeClr val="bg1">
+                <a:lumMod val="85000"/>
+              </a:schemeClr>
+            </a:solidFill>
+            <a:ln>
+              <a:noFill/>
+            </a:ln>
+          </p:spPr>
+          <p:style>
+            <a:lnRef idx="2">
+              <a:schemeClr val="accent1">
+                <a:shade val="15000"/>
+              </a:schemeClr>
+            </a:lnRef>
+            <a:fillRef idx="1">
+              <a:schemeClr val="accent1"/>
+            </a:fillRef>
+            <a:effectRef idx="0">
+              <a:schemeClr val="accent1"/>
+            </a:effectRef>
+            <a:fontRef idx="minor">
+              <a:schemeClr val="lt1"/>
+            </a:fontRef>
+          </p:style>
+          <p:txBody>
+            <a:bodyPr rtlCol="0" anchor="ctr"/>
+            <a:lstStyle/>
+            <a:p>
+              <a:pPr algn="ctr"/>
+              <a:endParaRPr lang="ko-KR" altLang="en-US" dirty="0">
+                <a:solidFill>
+                  <a:schemeClr val="tx1">
+                    <a:lumMod val="49000"/>
+                  </a:schemeClr>
+                </a:solidFill>
+                <a:latin typeface="Roboto Medium"/>
+                <a:ea typeface="맑은 고딕"/>
+                <a:cs typeface="Calibri"/>
+              </a:endParaRPr>
+            </a:p>
+          </p:txBody>
+        </p:sp>
+        <p:sp>
+          <p:nvSpPr>
+            <p:cNvPr id="7" name="직사각형 6">
+              <a:extLst>
+                <a:ext uri="{FF2B5EF4-FFF2-40B4-BE49-F238E27FC236}">
+                  <a16:creationId xmlns:a16="http://schemas.microsoft.com/office/drawing/2014/main" id="{92ECDCEF-E82C-A4FE-3198-B12786E5E249}"/>
+                </a:ext>
+              </a:extLst>
+            </p:cNvPr>
+            <p:cNvSpPr/>
+            <p:nvPr/>
+          </p:nvSpPr>
+          <p:spPr>
+            <a:xfrm>
+              <a:off x="514074" y="5243362"/>
+              <a:ext cx="5285833" cy="567933"/>
+            </a:xfrm>
+            <a:prstGeom prst="rect">
+              <a:avLst/>
+            </a:prstGeom>
+            <a:solidFill>
+              <a:schemeClr val="tx2">
+                <a:lumMod val="75000"/>
+              </a:schemeClr>
+            </a:solidFill>
+            <a:ln>
+              <a:noFill/>
+            </a:ln>
+          </p:spPr>
+          <p:style>
+            <a:lnRef idx="2">
+              <a:schemeClr val="accent1">
+                <a:shade val="15000"/>
+              </a:schemeClr>
+            </a:lnRef>
+            <a:fillRef idx="1">
+              <a:schemeClr val="accent1"/>
+            </a:fillRef>
+            <a:effectRef idx="0">
+              <a:schemeClr val="accent1"/>
+            </a:effectRef>
+            <a:fontRef idx="minor">
+              <a:schemeClr val="lt1"/>
+            </a:fontRef>
+          </p:style>
+          <p:txBody>
+            <a:bodyPr rtlCol="0" anchor="ctr"/>
+            <a:lstStyle/>
+            <a:p>
+              <a:pPr algn="ctr"/>
+              <a:r>
+                <a:rPr lang="en-US" altLang="ko-KR" b="1" dirty="0">
+                  <a:solidFill>
+                    <a:schemeClr val="bg2"/>
+                  </a:solidFill>
+                </a:rPr>
+                <a:t>Datasets Information</a:t>
+              </a:r>
+            </a:p>
+          </p:txBody>
+        </p:sp>
+        <p:pic>
+          <p:nvPicPr>
+            <p:cNvPr id="9" name="그림 8">
+              <a:extLst>
+                <a:ext uri="{FF2B5EF4-FFF2-40B4-BE49-F238E27FC236}">
+                  <a16:creationId xmlns:a16="http://schemas.microsoft.com/office/drawing/2014/main" id="{B9C25965-08DF-5888-4A13-50083A8E6C82}"/>
+                </a:ext>
+              </a:extLst>
+            </p:cNvPr>
+            <p:cNvPicPr>
+              <a:picLocks noChangeAspect="1"/>
+            </p:cNvPicPr>
+            <p:nvPr/>
+          </p:nvPicPr>
+          <p:blipFill>
+            <a:blip r:embed="rId3"/>
+            <a:stretch>
+              <a:fillRect/>
+            </a:stretch>
+          </p:blipFill>
+          <p:spPr>
+            <a:xfrm>
+              <a:off x="2934925" y="5986258"/>
+              <a:ext cx="8783051" cy="3830703"/>
+            </a:xfrm>
+            <a:prstGeom prst="rect">
+              <a:avLst/>
+            </a:prstGeom>
+          </p:spPr>
+        </p:pic>
+        <p:sp>
+          <p:nvSpPr>
+            <p:cNvPr id="10" name="TextBox 9">
+              <a:extLst>
+                <a:ext uri="{FF2B5EF4-FFF2-40B4-BE49-F238E27FC236}">
+                  <a16:creationId xmlns:a16="http://schemas.microsoft.com/office/drawing/2014/main" id="{549D0DB9-0186-66B9-FC1F-F8052203D381}"/>
+                </a:ext>
+              </a:extLst>
+            </p:cNvPr>
+            <p:cNvSpPr txBox="1"/>
+            <p:nvPr/>
+          </p:nvSpPr>
+          <p:spPr>
+            <a:xfrm>
+              <a:off x="12188824" y="5856371"/>
+              <a:ext cx="11499874" cy="4247317"/>
+            </a:xfrm>
+            <a:prstGeom prst="rect">
+              <a:avLst/>
+            </a:prstGeom>
+            <a:noFill/>
+          </p:spPr>
+          <p:txBody>
+            <a:bodyPr wrap="square" rtlCol="0">
+              <a:spAutoFit/>
+            </a:bodyPr>
+            <a:lstStyle/>
+            <a:p>
+              <a:r>
+                <a:rPr lang="en-US" altLang="ko-KR" sz="2800" dirty="0">
+                  <a:solidFill>
+                    <a:schemeClr val="tx2"/>
+                  </a:solidFill>
+                  <a:latin typeface="Roboto Medium" panose="02000000000000000000" pitchFamily="2" charset="0"/>
+                  <a:ea typeface="Roboto Medium" panose="02000000000000000000" pitchFamily="2" charset="0"/>
+                  <a:cs typeface="Roboto Medium" panose="02000000000000000000" pitchFamily="2" charset="0"/>
+                </a:rPr>
+                <a:t>Datasets #</a:t>
+              </a:r>
+            </a:p>
+            <a:p>
+              <a:endParaRPr lang="en-US" altLang="ko-KR" sz="1000" dirty="0">
+                <a:solidFill>
+                  <a:schemeClr val="tx2"/>
+                </a:solidFill>
+                <a:latin typeface="Roboto Medium" panose="02000000000000000000" pitchFamily="2" charset="0"/>
+                <a:ea typeface="Roboto Medium" panose="02000000000000000000" pitchFamily="2" charset="0"/>
+                <a:cs typeface="Roboto Medium" panose="02000000000000000000" pitchFamily="2" charset="0"/>
+              </a:endParaRPr>
+            </a:p>
+            <a:p>
+              <a:r>
+                <a:rPr lang="en-US" altLang="ko-KR" sz="2400" dirty="0">
+                  <a:solidFill>
+                    <a:schemeClr val="tx2"/>
+                  </a:solidFill>
+                  <a:latin typeface="Roboto Medium" panose="02000000000000000000" pitchFamily="2" charset="0"/>
+                  <a:ea typeface="Roboto Medium" panose="02000000000000000000" pitchFamily="2" charset="0"/>
+                  <a:cs typeface="Roboto Medium" panose="02000000000000000000" pitchFamily="2" charset="0"/>
+                </a:rPr>
+                <a:t>#1.   </a:t>
+              </a:r>
+              <a:r>
+                <a:rPr lang="en-US" altLang="ko-KR" sz="2400" dirty="0" err="1">
+                  <a:solidFill>
+                    <a:schemeClr val="tx2"/>
+                  </a:solidFill>
+                  <a:latin typeface="Roboto Medium" panose="02000000000000000000" pitchFamily="2" charset="0"/>
+                  <a:ea typeface="Roboto Medium" panose="02000000000000000000" pitchFamily="2" charset="0"/>
+                  <a:cs typeface="Roboto Medium" panose="02000000000000000000" pitchFamily="2" charset="0"/>
+                </a:rPr>
+                <a:t>gengine</a:t>
+              </a:r>
+              <a:r>
+                <a:rPr lang="en-US" altLang="ko-KR" sz="2400" dirty="0">
+                  <a:solidFill>
+                    <a:schemeClr val="tx2"/>
+                  </a:solidFill>
+                  <a:latin typeface="Roboto Medium" panose="02000000000000000000" pitchFamily="2" charset="0"/>
+                  <a:ea typeface="Roboto Medium" panose="02000000000000000000" pitchFamily="2" charset="0"/>
+                  <a:cs typeface="Roboto Medium" panose="02000000000000000000" pitchFamily="2" charset="0"/>
+                </a:rPr>
+                <a:t> 1</a:t>
+              </a:r>
+            </a:p>
+            <a:p>
+              <a:pPr marL="1257117" lvl="1" indent="-342900">
+                <a:buFontTx/>
+                <a:buChar char="-"/>
+              </a:pPr>
+              <a:r>
+                <a:rPr lang="en-US" altLang="ko-KR" sz="2000" dirty="0">
+                  <a:solidFill>
+                    <a:schemeClr val="tx2">
+                      <a:lumMod val="75000"/>
+                    </a:schemeClr>
+                  </a:solidFill>
+                  <a:latin typeface="Roboto Light" panose="02000000000000000000" pitchFamily="2" charset="0"/>
+                  <a:ea typeface="Roboto Light" panose="02000000000000000000" pitchFamily="2" charset="0"/>
+                  <a:cs typeface="Roboto Light" panose="02000000000000000000" pitchFamily="2" charset="0"/>
+                </a:rPr>
+                <a:t>Speed, Load, Lambda, Ignition Angle, Fuel cutoff, CO, CO2, HC, NOx, O2, Temperature(Manifold), Temperature (Catalyst)</a:t>
+              </a:r>
+            </a:p>
+            <a:p>
+              <a:pPr marL="1257117" lvl="1" indent="-342900">
+                <a:buFontTx/>
+                <a:buChar char="-"/>
+              </a:pPr>
+              <a:endParaRPr lang="en-US" altLang="ko-KR" sz="2000" dirty="0">
+                <a:solidFill>
+                  <a:schemeClr val="tx2">
+                    <a:lumMod val="75000"/>
+                  </a:schemeClr>
+                </a:solidFill>
+                <a:latin typeface="Roboto Light" panose="02000000000000000000" pitchFamily="2" charset="0"/>
+                <a:ea typeface="Roboto Light" panose="02000000000000000000" pitchFamily="2" charset="0"/>
+                <a:cs typeface="Roboto Light" panose="02000000000000000000" pitchFamily="2" charset="0"/>
+              </a:endParaRPr>
+            </a:p>
+            <a:p>
+              <a:r>
+                <a:rPr lang="en-US" altLang="ko-KR" sz="2400" dirty="0">
+                  <a:solidFill>
+                    <a:schemeClr val="tx2"/>
+                  </a:solidFill>
+                  <a:latin typeface="Roboto Medium" panose="02000000000000000000" pitchFamily="2" charset="0"/>
+                  <a:ea typeface="Roboto Medium" panose="02000000000000000000" pitchFamily="2" charset="0"/>
+                  <a:cs typeface="Roboto Medium" panose="02000000000000000000" pitchFamily="2" charset="0"/>
+                </a:rPr>
+                <a:t>#2.   </a:t>
+              </a:r>
+              <a:r>
+                <a:rPr lang="en-US" altLang="ko-KR" sz="2400" dirty="0" err="1">
+                  <a:solidFill>
+                    <a:schemeClr val="tx2"/>
+                  </a:solidFill>
+                  <a:latin typeface="Roboto Medium" panose="02000000000000000000" pitchFamily="2" charset="0"/>
+                  <a:ea typeface="Roboto Medium" panose="02000000000000000000" pitchFamily="2" charset="0"/>
+                  <a:cs typeface="Roboto Medium" panose="02000000000000000000" pitchFamily="2" charset="0"/>
+                </a:rPr>
+                <a:t>gengine</a:t>
+              </a:r>
+              <a:r>
+                <a:rPr lang="en-US" altLang="ko-KR" sz="2400" dirty="0">
+                  <a:solidFill>
+                    <a:schemeClr val="tx2"/>
+                  </a:solidFill>
+                  <a:latin typeface="Roboto Medium" panose="02000000000000000000" pitchFamily="2" charset="0"/>
+                  <a:ea typeface="Roboto Medium" panose="02000000000000000000" pitchFamily="2" charset="0"/>
+                  <a:cs typeface="Roboto Medium" panose="02000000000000000000" pitchFamily="2" charset="0"/>
+                </a:rPr>
+                <a:t> 2</a:t>
+              </a:r>
+            </a:p>
+            <a:p>
+              <a:pPr marL="1257117" lvl="1" indent="-342900">
+                <a:buFontTx/>
+                <a:buChar char="-"/>
+              </a:pPr>
+              <a:r>
+                <a:rPr lang="en-US" altLang="ko-KR" sz="2000" dirty="0">
+                  <a:solidFill>
+                    <a:schemeClr val="tx2">
+                      <a:lumMod val="75000"/>
+                    </a:schemeClr>
+                  </a:solidFill>
+                  <a:latin typeface="Roboto Light" panose="02000000000000000000" pitchFamily="2" charset="0"/>
+                  <a:ea typeface="Roboto Light" panose="02000000000000000000" pitchFamily="2" charset="0"/>
+                  <a:cs typeface="Roboto Light" panose="02000000000000000000" pitchFamily="2" charset="0"/>
+                </a:rPr>
+                <a:t>Speed, Load, Lambda, Ignition Angle, HC, NOx, O2, Temperature(Manifold), Temperature (Catalyst)</a:t>
+              </a:r>
+            </a:p>
+            <a:p>
+              <a:pPr marL="1257117" lvl="1" indent="-342900">
+                <a:buFontTx/>
+                <a:buChar char="-"/>
+              </a:pPr>
+              <a:endParaRPr lang="en-US" altLang="ko-KR" sz="2000" dirty="0">
+                <a:solidFill>
+                  <a:schemeClr val="tx2">
+                    <a:lumMod val="75000"/>
+                  </a:schemeClr>
+                </a:solidFill>
+                <a:latin typeface="Roboto Light" panose="02000000000000000000" pitchFamily="2" charset="0"/>
+                <a:ea typeface="Roboto Light" panose="02000000000000000000" pitchFamily="2" charset="0"/>
+                <a:cs typeface="Roboto Light" panose="02000000000000000000" pitchFamily="2" charset="0"/>
+              </a:endParaRPr>
+            </a:p>
+            <a:p>
+              <a:r>
+                <a:rPr lang="en-US" altLang="ko-KR" sz="2400" dirty="0">
+                  <a:solidFill>
+                    <a:schemeClr val="tx2"/>
+                  </a:solidFill>
+                  <a:latin typeface="Roboto Medium" panose="02000000000000000000" pitchFamily="2" charset="0"/>
+                  <a:ea typeface="Roboto Medium" panose="02000000000000000000" pitchFamily="2" charset="0"/>
+                  <a:cs typeface="Roboto Medium" panose="02000000000000000000" pitchFamily="2" charset="0"/>
+                </a:rPr>
+                <a:t>#3.   </a:t>
+              </a:r>
+              <a:r>
+                <a:rPr lang="en-US" altLang="ko-KR" sz="2400" dirty="0" err="1">
+                  <a:solidFill>
+                    <a:schemeClr val="tx2"/>
+                  </a:solidFill>
+                  <a:latin typeface="Roboto Medium" panose="02000000000000000000" pitchFamily="2" charset="0"/>
+                  <a:ea typeface="Roboto Medium" panose="02000000000000000000" pitchFamily="2" charset="0"/>
+                  <a:cs typeface="Roboto Medium" panose="02000000000000000000" pitchFamily="2" charset="0"/>
+                </a:rPr>
+                <a:t>pengines</a:t>
+              </a:r>
+              <a:endParaRPr lang="en-US" altLang="ko-KR" sz="2400" dirty="0">
+                <a:solidFill>
+                  <a:schemeClr val="tx2"/>
+                </a:solidFill>
+                <a:latin typeface="Roboto Medium" panose="02000000000000000000" pitchFamily="2" charset="0"/>
+                <a:ea typeface="Roboto Medium" panose="02000000000000000000" pitchFamily="2" charset="0"/>
+                <a:cs typeface="Roboto Medium" panose="02000000000000000000" pitchFamily="2" charset="0"/>
+              </a:endParaRPr>
+            </a:p>
+            <a:p>
+              <a:pPr marL="1257117" lvl="1" indent="-342900">
+                <a:buFontTx/>
+                <a:buChar char="-"/>
+              </a:pPr>
+              <a:r>
+                <a:rPr lang="en-US" altLang="ko-KR" sz="2000" dirty="0">
+                  <a:solidFill>
+                    <a:schemeClr val="tx2">
+                      <a:lumMod val="75000"/>
+                    </a:schemeClr>
+                  </a:solidFill>
+                  <a:latin typeface="Roboto Light" panose="02000000000000000000" pitchFamily="2" charset="0"/>
+                  <a:ea typeface="Roboto Light" panose="02000000000000000000" pitchFamily="2" charset="0"/>
+                  <a:cs typeface="Roboto Light" panose="02000000000000000000" pitchFamily="2" charset="0"/>
+                </a:rPr>
+                <a:t>engine speed, engine load, intake valve opening, air fuel ratio, specific fuel consumption, temperature exhaust manifold, temperature (Catalyst), cylinder pressure, HC, NOx </a:t>
+              </a:r>
+            </a:p>
+          </p:txBody>
+        </p:sp>
+        <p:pic>
+          <p:nvPicPr>
+            <p:cNvPr id="22" name="그림 21">
+              <a:extLst>
+                <a:ext uri="{FF2B5EF4-FFF2-40B4-BE49-F238E27FC236}">
+                  <a16:creationId xmlns:a16="http://schemas.microsoft.com/office/drawing/2014/main" id="{266EB255-BC78-2BA7-6A86-79C5B80A59AF}"/>
+                </a:ext>
+              </a:extLst>
+            </p:cNvPr>
+            <p:cNvPicPr>
+              <a:picLocks noChangeAspect="1"/>
+            </p:cNvPicPr>
+            <p:nvPr/>
+          </p:nvPicPr>
+          <p:blipFill>
+            <a:blip r:embed="rId4"/>
+            <a:stretch>
+              <a:fillRect/>
+            </a:stretch>
+          </p:blipFill>
+          <p:spPr>
+            <a:xfrm>
+              <a:off x="688952" y="5981545"/>
+              <a:ext cx="2071096" cy="1923161"/>
+            </a:xfrm>
+            <a:prstGeom prst="rect">
+              <a:avLst/>
+            </a:prstGeom>
+          </p:spPr>
+        </p:pic>
+      </p:grpSp>
+      <p:pic>
+        <p:nvPicPr>
+          <p:cNvPr id="24" name="그림 23">
+            <a:extLst>
+              <a:ext uri="{FF2B5EF4-FFF2-40B4-BE49-F238E27FC236}">
+                <a16:creationId xmlns:a16="http://schemas.microsoft.com/office/drawing/2014/main" id="{002EAAB7-ADF6-A955-19DD-84E510DF6828}"/>
+              </a:ext>
+            </a:extLst>
+          </p:cNvPr>
+          <p:cNvPicPr>
+            <a:picLocks noChangeAspect="1"/>
+          </p:cNvPicPr>
+          <p:nvPr/>
+        </p:nvPicPr>
+        <p:blipFill>
+          <a:blip r:embed="rId5"/>
+          <a:stretch>
+            <a:fillRect/>
+          </a:stretch>
+        </p:blipFill>
+        <p:spPr>
+          <a:xfrm>
+            <a:off x="851188" y="11119545"/>
+            <a:ext cx="5771681" cy="1824483"/>
+          </a:xfrm>
+          <a:prstGeom prst="rect">
+            <a:avLst/>
+          </a:prstGeom>
+        </p:spPr>
+      </p:pic>
+      <p:sp>
+        <p:nvSpPr>
+          <p:cNvPr id="27" name="직사각형 26">
+            <a:extLst>
+              <a:ext uri="{FF2B5EF4-FFF2-40B4-BE49-F238E27FC236}">
+                <a16:creationId xmlns:a16="http://schemas.microsoft.com/office/drawing/2014/main" id="{65B985CA-7EC7-33EB-B66F-9C154949076D}"/>
+              </a:ext>
+            </a:extLst>
+          </p:cNvPr>
+          <p:cNvSpPr/>
+          <p:nvPr/>
+        </p:nvSpPr>
+        <p:spPr>
+          <a:xfrm>
+            <a:off x="514075" y="10001710"/>
+            <a:ext cx="5285833" cy="567933"/>
+          </a:xfrm>
+          <a:prstGeom prst="rect">
+            <a:avLst/>
+          </a:prstGeom>
+          <a:solidFill>
+            <a:schemeClr val="tx2">
+              <a:lumMod val="75000"/>
+            </a:schemeClr>
+          </a:solidFill>
+          <a:ln>
+            <a:noFill/>
+          </a:ln>
+        </p:spPr>
+        <p:style>
+          <a:lnRef idx="2">
+            <a:schemeClr val="accent1">
+              <a:shade val="15000"/>
+            </a:schemeClr>
+          </a:lnRef>
+          <a:fillRef idx="1">
+            <a:schemeClr val="accent1"/>
+          </a:fillRef>
+          <a:effectRef idx="0">
+            <a:schemeClr val="accent1"/>
+          </a:effectRef>
+          <a:fontRef idx="minor">
+            <a:schemeClr val="lt1"/>
+          </a:fontRef>
+        </p:style>
+        <p:txBody>
+          <a:bodyPr rtlCol="0" anchor="ctr"/>
+          <a:lstStyle/>
+          <a:p>
+            <a:pPr algn="ctr"/>
+            <a:r>
+              <a:rPr lang="en-US" altLang="ko-KR" b="1" dirty="0">
+                <a:solidFill>
+                  <a:schemeClr val="bg2"/>
+                </a:solidFill>
+              </a:rPr>
+              <a:t>Related Survey/Research</a:t>
+            </a:r>
+          </a:p>
+        </p:txBody>
+      </p:sp>
+      <mc:AlternateContent xmlns:mc="http://schemas.openxmlformats.org/markup-compatibility/2006" xmlns:a14="http://schemas.microsoft.com/office/drawing/2010/main">
+        <mc:Choice Requires="a14">
+          <p:sp>
+            <p:nvSpPr>
+              <p:cNvPr id="28" name="TextBox 27">
+                <a:extLst>
+                  <a:ext uri="{FF2B5EF4-FFF2-40B4-BE49-F238E27FC236}">
+                    <a16:creationId xmlns:a16="http://schemas.microsoft.com/office/drawing/2014/main" id="{EF79E1B4-5657-E74E-AABA-6C183DBD08AA}"/>
+                  </a:ext>
+                </a:extLst>
+              </p:cNvPr>
+              <p:cNvSpPr txBox="1"/>
+              <p:nvPr/>
+            </p:nvSpPr>
+            <p:spPr>
+              <a:xfrm>
+                <a:off x="7100373" y="10470210"/>
+                <a:ext cx="10220975" cy="2939266"/>
+              </a:xfrm>
+              <a:prstGeom prst="rect">
+                <a:avLst/>
+              </a:prstGeom>
+              <a:noFill/>
+            </p:spPr>
+            <p:txBody>
+              <a:bodyPr wrap="square" rtlCol="0">
+                <a:spAutoFit/>
+              </a:bodyPr>
+              <a:lstStyle/>
+              <a:p>
+                <a:pPr marL="342900" indent="-342900">
+                  <a:lnSpc>
+                    <a:spcPct val="200000"/>
+                  </a:lnSpc>
+                  <a:buFont typeface="Wingdings" panose="05000000000000000000" pitchFamily="2" charset="2"/>
+                  <a:buChar char="v"/>
+                </a:pPr>
+                <a:r>
+                  <a:rPr lang="en-US" altLang="ko-KR" sz="2400" dirty="0">
+                    <a:solidFill>
+                      <a:schemeClr val="tx2">
+                        <a:lumMod val="75000"/>
+                      </a:schemeClr>
+                    </a:solidFill>
+                    <a:latin typeface="Roboto Medium" panose="02000000000000000000" pitchFamily="2" charset="0"/>
+                    <a:ea typeface="Roboto Medium" panose="02000000000000000000" pitchFamily="2" charset="0"/>
+                    <a:cs typeface="Roboto Medium" panose="02000000000000000000" pitchFamily="2" charset="0"/>
+                  </a:rPr>
+                  <a:t>Uses “Multiple Output Gaussian Process” (Safe Active Learning)</a:t>
+                </a:r>
+              </a:p>
+              <a:p>
+                <a:pPr marL="342900" indent="-342900">
+                  <a:lnSpc>
+                    <a:spcPct val="200000"/>
+                  </a:lnSpc>
+                  <a:buFont typeface="Wingdings" panose="05000000000000000000" pitchFamily="2" charset="2"/>
+                  <a:buChar char="v"/>
+                </a:pPr>
+                <a:r>
+                  <a:rPr lang="en-US" altLang="ko-KR" sz="2400" dirty="0">
+                    <a:solidFill>
+                      <a:schemeClr val="tx2">
+                        <a:lumMod val="75000"/>
+                      </a:schemeClr>
+                    </a:solidFill>
+                    <a:latin typeface="Roboto Medium" panose="02000000000000000000" pitchFamily="2" charset="0"/>
+                    <a:ea typeface="Roboto Medium" panose="02000000000000000000" pitchFamily="2" charset="0"/>
+                    <a:cs typeface="Roboto Medium" panose="02000000000000000000" pitchFamily="2" charset="0"/>
+                  </a:rPr>
+                  <a:t>RMSE Performance Comparison: Active Learning MOGP </a:t>
+                </a:r>
+                <a14:m>
+                  <m:oMath xmlns:m="http://schemas.openxmlformats.org/officeDocument/2006/math">
+                    <m:r>
+                      <a:rPr lang="en-US" altLang="ko-KR" sz="2400" i="1" smtClean="0">
+                        <a:solidFill>
+                          <a:schemeClr val="tx2">
+                            <a:lumMod val="75000"/>
+                          </a:schemeClr>
+                        </a:solidFill>
+                        <a:latin typeface="Cambria Math" panose="02040503050406030204" pitchFamily="18" charset="0"/>
+                      </a:rPr>
+                      <m:t>(≤0.4)</m:t>
+                    </m:r>
+                  </m:oMath>
+                </a14:m>
+                <a:endParaRPr lang="en-US" altLang="ko-KR" sz="2400" dirty="0">
+                  <a:solidFill>
+                    <a:schemeClr val="tx2">
+                      <a:lumMod val="75000"/>
+                    </a:schemeClr>
+                  </a:solidFill>
+                  <a:latin typeface="Roboto Medium" panose="02000000000000000000" pitchFamily="2" charset="0"/>
+                  <a:ea typeface="Roboto Medium" panose="02000000000000000000" pitchFamily="2" charset="0"/>
+                  <a:cs typeface="Roboto Medium" panose="02000000000000000000" pitchFamily="2" charset="0"/>
+                </a:endParaRPr>
+              </a:p>
+              <a:p>
+                <a:pPr marL="342900" indent="-342900">
+                  <a:lnSpc>
+                    <a:spcPct val="200000"/>
+                  </a:lnSpc>
+                  <a:buFont typeface="Wingdings" panose="05000000000000000000" pitchFamily="2" charset="2"/>
+                  <a:buChar char="v"/>
+                </a:pPr>
+                <a:r>
+                  <a:rPr lang="en-US" altLang="ko-KR" sz="2400" dirty="0">
+                    <a:solidFill>
+                      <a:schemeClr val="tx2">
+                        <a:lumMod val="75000"/>
+                      </a:schemeClr>
+                    </a:solidFill>
+                    <a:latin typeface="Roboto Medium" panose="02000000000000000000" pitchFamily="2" charset="0"/>
+                    <a:ea typeface="Roboto Medium" panose="02000000000000000000" pitchFamily="2" charset="0"/>
+                    <a:cs typeface="Roboto Medium" panose="02000000000000000000" pitchFamily="2" charset="0"/>
+                  </a:rPr>
+                  <a:t>Datasets : BOSCH-Engine-Datasets</a:t>
+                </a:r>
+              </a:p>
+              <a:p>
+                <a:pPr marL="342900" indent="-342900">
+                  <a:lnSpc>
+                    <a:spcPct val="200000"/>
+                  </a:lnSpc>
+                  <a:buFont typeface="Wingdings" panose="05000000000000000000" pitchFamily="2" charset="2"/>
+                  <a:buChar char="v"/>
+                </a:pPr>
+                <a:r>
+                  <a:rPr lang="en-US" altLang="ko-KR" sz="2400" dirty="0">
+                    <a:solidFill>
+                      <a:schemeClr val="tx2">
+                        <a:lumMod val="75000"/>
+                      </a:schemeClr>
+                    </a:solidFill>
+                    <a:latin typeface="Roboto Medium" panose="02000000000000000000" pitchFamily="2" charset="0"/>
+                    <a:ea typeface="Roboto Medium" panose="02000000000000000000" pitchFamily="2" charset="0"/>
+                    <a:cs typeface="Roboto Medium" panose="02000000000000000000" pitchFamily="2" charset="0"/>
+                  </a:rPr>
+                  <a:t>Supervised Training : Labeling Output (HC, NOx, O2, etc.)</a:t>
+                </a:r>
+                <a:endParaRPr lang="ko-KR" altLang="en-US" sz="2400" dirty="0">
+                  <a:solidFill>
+                    <a:schemeClr val="tx2">
+                      <a:lumMod val="75000"/>
+                    </a:schemeClr>
+                  </a:solidFill>
+                  <a:latin typeface="Roboto Medium" panose="02000000000000000000" pitchFamily="2" charset="0"/>
+                  <a:cs typeface="Roboto Medium" panose="02000000000000000000" pitchFamily="2" charset="0"/>
+                </a:endParaRPr>
+              </a:p>
+            </p:txBody>
+          </p:sp>
+        </mc:Choice>
+        <mc:Fallback xmlns="">
+          <p:sp>
+            <p:nvSpPr>
+              <p:cNvPr id="28" name="TextBox 27">
+                <a:extLst>
+                  <a:ext uri="{FF2B5EF4-FFF2-40B4-BE49-F238E27FC236}">
+                    <a16:creationId xmlns:a16="http://schemas.microsoft.com/office/drawing/2014/main" id="{EF79E1B4-5657-E74E-AABA-6C183DBD08AA}"/>
+                  </a:ext>
+                </a:extLst>
+              </p:cNvPr>
+              <p:cNvSpPr txBox="1">
+                <a:spLocks noRot="1" noChangeAspect="1" noMove="1" noResize="1" noEditPoints="1" noAdjustHandles="1" noChangeArrowheads="1" noChangeShapeType="1" noTextEdit="1"/>
+              </p:cNvSpPr>
+              <p:nvPr/>
+            </p:nvSpPr>
+            <p:spPr>
+              <a:xfrm>
+                <a:off x="7100373" y="10470210"/>
+                <a:ext cx="10220975" cy="2939266"/>
+              </a:xfrm>
+              <a:prstGeom prst="rect">
+                <a:avLst/>
+              </a:prstGeom>
+              <a:blipFill>
+                <a:blip r:embed="rId6"/>
+                <a:stretch>
+                  <a:fillRect l="-835" b="-3942"/>
+                </a:stretch>
+              </a:blipFill>
+            </p:spPr>
+            <p:txBody>
+              <a:bodyPr/>
+              <a:lstStyle/>
+              <a:p>
+                <a:r>
+                  <a:rPr lang="ko-KR" altLang="en-US">
+                    <a:noFill/>
+                  </a:rPr>
+                  <a:t> </a:t>
+                </a:r>
+              </a:p>
+            </p:txBody>
+          </p:sp>
+        </mc:Fallback>
+      </mc:AlternateContent>
+      <p:sp>
+        <p:nvSpPr>
+          <p:cNvPr id="29" name="직사각형 28">
+            <a:extLst>
+              <a:ext uri="{FF2B5EF4-FFF2-40B4-BE49-F238E27FC236}">
+                <a16:creationId xmlns:a16="http://schemas.microsoft.com/office/drawing/2014/main" id="{6B85CB2E-510A-AD89-2C30-81D58F402610}"/>
+              </a:ext>
+            </a:extLst>
+          </p:cNvPr>
+          <p:cNvSpPr/>
+          <p:nvPr/>
+        </p:nvSpPr>
+        <p:spPr>
+          <a:xfrm>
+            <a:off x="17798852" y="10434025"/>
+            <a:ext cx="6382564" cy="3029076"/>
+          </a:xfrm>
+          <a:prstGeom prst="rect">
+            <a:avLst/>
+          </a:prstGeom>
+          <a:solidFill>
+            <a:schemeClr val="bg1">
+              <a:lumMod val="85000"/>
+            </a:schemeClr>
+          </a:solidFill>
+          <a:ln>
+            <a:noFill/>
+          </a:ln>
+        </p:spPr>
+        <p:style>
+          <a:lnRef idx="2">
+            <a:schemeClr val="accent1">
+              <a:shade val="15000"/>
+            </a:schemeClr>
+          </a:lnRef>
+          <a:fillRef idx="1">
+            <a:schemeClr val="accent1"/>
+          </a:fillRef>
+          <a:effectRef idx="0">
+            <a:schemeClr val="accent1"/>
+          </a:effectRef>
+          <a:fontRef idx="minor">
+            <a:schemeClr val="lt1"/>
+          </a:fontRef>
+        </p:style>
+        <p:txBody>
+          <a:bodyPr rtlCol="0" anchor="ctr"/>
+          <a:lstStyle/>
+          <a:p>
+            <a:pPr marL="457200" indent="-457200">
+              <a:buFont typeface="Wingdings" panose="05000000000000000000" pitchFamily="2" charset="2"/>
+              <a:buChar char="v"/>
+            </a:pPr>
+            <a:r>
+              <a:rPr lang="en-US" altLang="ko-KR" sz="2400" dirty="0">
+                <a:solidFill>
+                  <a:schemeClr val="tx1">
+                    <a:lumMod val="49000"/>
+                  </a:schemeClr>
+                </a:solidFill>
+                <a:latin typeface="Roboto Medium"/>
+                <a:ea typeface="맑은 고딕"/>
+                <a:cs typeface="Calibri"/>
+              </a:rPr>
+              <a:t>Train ML Model which Labeled by (HC, NOx, O2, etc.)</a:t>
+            </a:r>
+            <a:r>
+              <a:rPr lang="ko-KR" altLang="en-US" sz="2400" dirty="0">
+                <a:solidFill>
+                  <a:schemeClr val="tx1">
+                    <a:lumMod val="49000"/>
+                  </a:schemeClr>
+                </a:solidFill>
+                <a:latin typeface="Roboto Medium"/>
+                <a:ea typeface="맑은 고딕"/>
+                <a:cs typeface="Calibri"/>
+              </a:rPr>
+              <a:t> </a:t>
+            </a:r>
+            <a:r>
+              <a:rPr lang="en-US" altLang="ko-KR" sz="2400" dirty="0">
+                <a:solidFill>
+                  <a:schemeClr val="tx1">
+                    <a:lumMod val="49000"/>
+                  </a:schemeClr>
+                </a:solidFill>
+                <a:latin typeface="Roboto Medium"/>
+                <a:ea typeface="맑은 고딕"/>
+                <a:cs typeface="Calibri"/>
+              </a:rPr>
+              <a:t>and</a:t>
+            </a:r>
+            <a:r>
+              <a:rPr lang="ko-KR" altLang="en-US" sz="2400" dirty="0">
+                <a:solidFill>
+                  <a:schemeClr val="tx1">
+                    <a:lumMod val="49000"/>
+                  </a:schemeClr>
+                </a:solidFill>
+                <a:latin typeface="Roboto Medium"/>
+                <a:ea typeface="맑은 고딕"/>
+                <a:cs typeface="Calibri"/>
+              </a:rPr>
+              <a:t> </a:t>
+            </a:r>
+            <a:r>
+              <a:rPr lang="en-US" altLang="ko-KR" sz="2400" dirty="0">
+                <a:solidFill>
+                  <a:schemeClr val="tx1">
+                    <a:lumMod val="49000"/>
+                  </a:schemeClr>
+                </a:solidFill>
+                <a:latin typeface="Roboto Medium"/>
+                <a:ea typeface="맑은 고딕"/>
+                <a:cs typeface="Calibri"/>
+              </a:rPr>
+              <a:t>Compare</a:t>
+            </a:r>
+            <a:r>
+              <a:rPr lang="ko-KR" altLang="en-US" sz="2400" dirty="0">
+                <a:solidFill>
+                  <a:schemeClr val="tx1">
+                    <a:lumMod val="49000"/>
+                  </a:schemeClr>
+                </a:solidFill>
+                <a:latin typeface="Roboto Medium"/>
+                <a:ea typeface="맑은 고딕"/>
+                <a:cs typeface="Calibri"/>
+              </a:rPr>
+              <a:t> </a:t>
+            </a:r>
+            <a:r>
+              <a:rPr lang="en-US" altLang="ko-KR" sz="2400" dirty="0">
+                <a:solidFill>
+                  <a:schemeClr val="tx1">
+                    <a:lumMod val="49000"/>
+                  </a:schemeClr>
+                </a:solidFill>
+                <a:latin typeface="Roboto Medium"/>
+                <a:ea typeface="맑은 고딕"/>
+                <a:cs typeface="Calibri"/>
+              </a:rPr>
+              <a:t>Performance</a:t>
+            </a:r>
+          </a:p>
+          <a:p>
+            <a:pPr lvl="1"/>
+            <a:r>
+              <a:rPr lang="en-US" altLang="ko-KR" sz="2400" dirty="0">
+                <a:solidFill>
+                  <a:schemeClr val="tx1">
+                    <a:lumMod val="49000"/>
+                  </a:schemeClr>
+                </a:solidFill>
+                <a:latin typeface="Roboto Medium"/>
+                <a:ea typeface="맑은 고딕"/>
+                <a:cs typeface="Calibri"/>
+              </a:rPr>
+              <a:t>	</a:t>
+            </a:r>
+          </a:p>
+          <a:p>
+            <a:pPr lvl="1"/>
+            <a:r>
+              <a:rPr lang="en-US" altLang="ko-KR" sz="2400" dirty="0">
+                <a:solidFill>
+                  <a:schemeClr val="tx1">
+                    <a:lumMod val="49000"/>
+                  </a:schemeClr>
+                </a:solidFill>
+                <a:latin typeface="Roboto Medium"/>
+                <a:ea typeface="맑은 고딕"/>
+                <a:cs typeface="Calibri"/>
+              </a:rPr>
+              <a:t>	              OR</a:t>
+            </a:r>
+          </a:p>
+          <a:p>
+            <a:pPr marL="457200" indent="-457200">
+              <a:buFont typeface="Wingdings" panose="05000000000000000000" pitchFamily="2" charset="2"/>
+              <a:buChar char="v"/>
+            </a:pPr>
+            <a:endParaRPr lang="en-US" altLang="ko-KR" sz="2400" dirty="0">
+              <a:solidFill>
+                <a:schemeClr val="tx1">
+                  <a:lumMod val="49000"/>
+                </a:schemeClr>
+              </a:solidFill>
+              <a:latin typeface="Roboto Medium"/>
+              <a:ea typeface="맑은 고딕"/>
+              <a:cs typeface="Calibri"/>
+            </a:endParaRPr>
+          </a:p>
+          <a:p>
+            <a:pPr marL="457200" indent="-457200">
+              <a:buFont typeface="Wingdings" panose="05000000000000000000" pitchFamily="2" charset="2"/>
+              <a:buChar char="v"/>
+            </a:pPr>
+            <a:r>
+              <a:rPr lang="en-US" altLang="ko-KR" sz="2400" dirty="0">
+                <a:solidFill>
+                  <a:schemeClr val="tx1">
+                    <a:lumMod val="49000"/>
+                  </a:schemeClr>
+                </a:solidFill>
+                <a:latin typeface="Roboto Medium"/>
+                <a:ea typeface="맑은 고딕"/>
+                <a:cs typeface="Calibri"/>
+              </a:rPr>
+              <a:t>Diagnose Engine Fault Using BOSCH-Engine-Datasets</a:t>
+            </a:r>
+          </a:p>
+        </p:txBody>
+      </p:sp>
+      <p:sp>
+        <p:nvSpPr>
+          <p:cNvPr id="30" name="직사각형 29">
+            <a:extLst>
+              <a:ext uri="{FF2B5EF4-FFF2-40B4-BE49-F238E27FC236}">
+                <a16:creationId xmlns:a16="http://schemas.microsoft.com/office/drawing/2014/main" id="{3336D377-5DE8-3861-5297-FFAD2A97F8FE}"/>
+              </a:ext>
+            </a:extLst>
+          </p:cNvPr>
+          <p:cNvSpPr/>
+          <p:nvPr/>
+        </p:nvSpPr>
+        <p:spPr>
+          <a:xfrm>
+            <a:off x="17798852" y="10001710"/>
+            <a:ext cx="2490383" cy="567933"/>
+          </a:xfrm>
+          <a:prstGeom prst="rect">
+            <a:avLst/>
+          </a:prstGeom>
+          <a:solidFill>
+            <a:schemeClr val="tx2">
+              <a:lumMod val="75000"/>
+            </a:schemeClr>
+          </a:solidFill>
+          <a:ln>
+            <a:noFill/>
+          </a:ln>
+        </p:spPr>
+        <p:style>
+          <a:lnRef idx="2">
+            <a:schemeClr val="accent1">
+              <a:shade val="15000"/>
+            </a:schemeClr>
+          </a:lnRef>
+          <a:fillRef idx="1">
+            <a:schemeClr val="accent1"/>
+          </a:fillRef>
+          <a:effectRef idx="0">
+            <a:schemeClr val="accent1"/>
+          </a:effectRef>
+          <a:fontRef idx="minor">
+            <a:schemeClr val="lt1"/>
+          </a:fontRef>
+        </p:style>
+        <p:txBody>
+          <a:bodyPr rtlCol="0" anchor="ctr"/>
+          <a:lstStyle/>
+          <a:p>
+            <a:pPr algn="ctr"/>
+            <a:r>
+              <a:rPr lang="en-US" altLang="ko-KR" b="1" dirty="0">
+                <a:solidFill>
+                  <a:schemeClr val="bg2"/>
+                </a:solidFill>
+              </a:rPr>
+              <a:t>Plan</a:t>
+            </a:r>
+          </a:p>
+        </p:txBody>
+      </p:sp>
+      <p:sp>
+        <p:nvSpPr>
+          <p:cNvPr id="33" name="TextBox 32">
+            <a:extLst>
+              <a:ext uri="{FF2B5EF4-FFF2-40B4-BE49-F238E27FC236}">
+                <a16:creationId xmlns:a16="http://schemas.microsoft.com/office/drawing/2014/main" id="{1EAC1121-9FF8-2CDC-046F-3A6FC5D983E2}"/>
+              </a:ext>
+            </a:extLst>
+          </p:cNvPr>
+          <p:cNvSpPr txBox="1"/>
+          <p:nvPr/>
+        </p:nvSpPr>
+        <p:spPr>
+          <a:xfrm>
+            <a:off x="514075" y="13415380"/>
+            <a:ext cx="15966077" cy="307777"/>
+          </a:xfrm>
+          <a:prstGeom prst="rect">
+            <a:avLst/>
+          </a:prstGeom>
+          <a:noFill/>
+        </p:spPr>
+        <p:txBody>
+          <a:bodyPr wrap="square">
+            <a:spAutoFit/>
+          </a:bodyPr>
+          <a:lstStyle/>
+          <a:p>
+            <a:r>
+              <a:rPr lang="en-US" altLang="ko-KR" sz="1400" dirty="0">
+                <a:solidFill>
+                  <a:srgbClr val="C00000"/>
+                </a:solidFill>
+                <a:latin typeface="Roboto Light" panose="02000000000000000000" pitchFamily="2" charset="0"/>
+                <a:ea typeface="Roboto Light" panose="02000000000000000000" pitchFamily="2" charset="0"/>
+                <a:cs typeface="Roboto Light" panose="02000000000000000000" pitchFamily="2" charset="0"/>
+              </a:rPr>
+              <a:t>[6] </a:t>
+            </a:r>
+            <a:r>
+              <a:rPr lang="tr-TR" altLang="ko-KR" sz="1400" b="0" i="0" dirty="0">
+                <a:solidFill>
+                  <a:srgbClr val="222222"/>
+                </a:solidFill>
+                <a:effectLst/>
+                <a:latin typeface="Roboto Light" panose="02000000000000000000" pitchFamily="2" charset="0"/>
+                <a:ea typeface="Roboto Light" panose="02000000000000000000" pitchFamily="2" charset="0"/>
+                <a:cs typeface="Roboto Light" panose="02000000000000000000" pitchFamily="2" charset="0"/>
+              </a:rPr>
+              <a:t>Li, C. Y., Rakitsch, B., &amp; Zimmer, C. (2022, May). Safe active learning for multi-output gaussian processes. In International Conference on Artificial Intelligence and Statistics (pp. 4512-4551). PMLR.</a:t>
+            </a:r>
+            <a:endParaRPr lang="en-US" altLang="ko-KR" sz="1400" b="0" i="0" dirty="0">
+              <a:solidFill>
+                <a:srgbClr val="222222"/>
+              </a:solidFill>
+              <a:effectLst/>
+              <a:latin typeface="Roboto Light" panose="02000000000000000000" pitchFamily="2" charset="0"/>
+              <a:ea typeface="Roboto Light" panose="02000000000000000000" pitchFamily="2" charset="0"/>
+              <a:cs typeface="Roboto Light" panose="02000000000000000000" pitchFamily="2" charset="0"/>
+            </a:endParaRPr>
+          </a:p>
+        </p:txBody>
+      </p:sp>
+      <p:sp>
+        <p:nvSpPr>
+          <p:cNvPr id="38" name="TextBox 37">
+            <a:extLst>
+              <a:ext uri="{FF2B5EF4-FFF2-40B4-BE49-F238E27FC236}">
+                <a16:creationId xmlns:a16="http://schemas.microsoft.com/office/drawing/2014/main" id="{AF0CF946-BCDC-B19B-9B24-56F6A08A9EFB}"/>
+              </a:ext>
+            </a:extLst>
+          </p:cNvPr>
+          <p:cNvSpPr txBox="1"/>
+          <p:nvPr/>
+        </p:nvSpPr>
+        <p:spPr>
+          <a:xfrm>
+            <a:off x="496389" y="9570541"/>
+            <a:ext cx="12252960" cy="307777"/>
+          </a:xfrm>
+          <a:prstGeom prst="rect">
+            <a:avLst/>
+          </a:prstGeom>
+          <a:noFill/>
+        </p:spPr>
+        <p:txBody>
+          <a:bodyPr wrap="square">
+            <a:spAutoFit/>
+          </a:bodyPr>
+          <a:lstStyle/>
+          <a:p>
+            <a:r>
+              <a:rPr lang="en-US" altLang="ko-KR" sz="1400" dirty="0">
+                <a:solidFill>
+                  <a:srgbClr val="C00000"/>
+                </a:solidFill>
+                <a:latin typeface="Roboto Light" panose="02000000000000000000" pitchFamily="2" charset="0"/>
+                <a:ea typeface="Roboto Light" panose="02000000000000000000" pitchFamily="2" charset="0"/>
+                <a:cs typeface="Roboto Light" panose="02000000000000000000" pitchFamily="2" charset="0"/>
+              </a:rPr>
+              <a:t>[5] </a:t>
+            </a:r>
+            <a:r>
+              <a:rPr lang="en-US" altLang="ko-KR" sz="1400" dirty="0">
+                <a:solidFill>
+                  <a:schemeClr val="tx2">
+                    <a:lumMod val="75000"/>
+                  </a:schemeClr>
+                </a:solidFill>
+                <a:latin typeface="Roboto Light" panose="02000000000000000000" pitchFamily="2" charset="0"/>
+                <a:ea typeface="Roboto Light" panose="02000000000000000000" pitchFamily="2" charset="0"/>
+                <a:cs typeface="Roboto Light" panose="02000000000000000000" pitchFamily="2" charset="0"/>
+              </a:rPr>
+              <a:t>Bosch Research. (n.d.). Bosch Engine Datasets. GitHub. https://github.com/boschresearch/Bosch-Engine-Datasets</a:t>
+            </a:r>
+            <a:endParaRPr lang="en-US" altLang="ko-KR" sz="1400" b="0" i="1" dirty="0">
+              <a:solidFill>
+                <a:srgbClr val="333333"/>
+              </a:solidFill>
+              <a:effectLst/>
+              <a:latin typeface="Roboto Light" panose="02000000000000000000" pitchFamily="2" charset="0"/>
+              <a:ea typeface="Roboto Light" panose="02000000000000000000" pitchFamily="2" charset="0"/>
+              <a:cs typeface="Roboto Light" panose="02000000000000000000" pitchFamily="2" charset="0"/>
+            </a:endParaRPr>
+          </a:p>
+        </p:txBody>
+      </p:sp>
+    </p:spTree>
+    <p:extLst>
+      <p:ext uri="{BB962C8B-B14F-4D97-AF65-F5344CB8AC3E}">
+        <p14:creationId xmlns:p14="http://schemas.microsoft.com/office/powerpoint/2010/main" val="205718144"/>
+      </p:ext>
+    </p:extLst>
+  </p:cSld>
+  <p:clrMapOvr>
+    <a:masterClrMapping/>
+  </p:clrMapOvr>
+</p:sld>
+</file>
+
+<file path=ppt/slides/slide11.xml><?xml version="1.0" encoding="utf-8"?>
+<p:sld xmlns:a="http://schemas.openxmlformats.org/drawingml/2006/main" xmlns:r="http://schemas.openxmlformats.org/officeDocument/2006/relationships" xmlns:p="http://schemas.openxmlformats.org/presentationml/2006/main">
+  <p:cSld>
+    <p:spTree>
+      <p:nvGrpSpPr>
+        <p:cNvPr id="1" name=""/>
+        <p:cNvGrpSpPr/>
+        <p:nvPr/>
+      </p:nvGrpSpPr>
+      <p:grpSpPr>
+        <a:xfrm>
+          <a:off x="0" y="0"/>
+          <a:ext cx="0" cy="0"/>
+          <a:chOff x="0" y="0"/>
+          <a:chExt cx="0" cy="0"/>
+        </a:xfrm>
+      </p:grpSpPr>
+      <p:sp>
+        <p:nvSpPr>
           <p:cNvPr id="15" name="직사각형 14">
             <a:extLst>
               <a:ext uri="{FF2B5EF4-FFF2-40B4-BE49-F238E27FC236}">
@@ -4070,7 +5621,7 @@
                 <a:ea typeface="Roboto Light" panose="02000000000000000000" pitchFamily="2" charset="0"/>
                 <a:cs typeface="Roboto Light" panose="02000000000000000000" pitchFamily="2" charset="0"/>
               </a:rPr>
-              <a:t>[3] </a:t>
+              <a:t>[5] </a:t>
             </a:r>
             <a:r>
               <a:rPr lang="tr-TR" altLang="ko-KR" sz="1600" b="0" i="0" dirty="0">
@@ -4114,7 +5665,7 @@
                 <a:ea typeface="Roboto Light" panose="02000000000000000000" pitchFamily="2" charset="0"/>
                 <a:cs typeface="Roboto Light" panose="02000000000000000000" pitchFamily="2" charset="0"/>
               </a:rPr>
-              <a:t>[4] </a:t>
+              <a:t>[6] </a:t>
             </a:r>
             <a:r>
               <a:rPr lang="en-US" altLang="ko-KR" sz="1600" dirty="0">
@@ -12375,7 +13926,7 @@
           <p:cNvPr id="3" name="Group 38">
             <a:extLst>
               <a:ext uri="{FF2B5EF4-FFF2-40B4-BE49-F238E27FC236}">
-                <a16:creationId xmlns:a16="http://schemas.microsoft.com/office/drawing/2014/main" id="{1D2AD382-784E-E7DA-BCDD-C41135138BA6}"/>
+                <a16:creationId xmlns:a16="http://schemas.microsoft.com/office/drawing/2014/main" id="{FB914FA8-FFB6-62BE-3D4D-9BA002D27146}"/>
               </a:ext>
             </a:extLst>
           </p:cNvPr>
@@ -12384,10 +13935,10 @@
         </p:nvGrpSpPr>
         <p:grpSpPr>
           <a:xfrm>
-            <a:off x="6711487" y="278223"/>
-            <a:ext cx="10954676" cy="2045000"/>
-            <a:chOff x="7391796" y="1464039"/>
-            <a:chExt cx="10954676" cy="2045000"/>
+            <a:off x="6372714" y="278223"/>
+            <a:ext cx="11464222" cy="2045000"/>
+            <a:chOff x="7053023" y="1464039"/>
+            <a:chExt cx="11464222" cy="2045000"/>
           </a:xfrm>
         </p:grpSpPr>
         <p:grpSp>
@@ -12395,7 +13946,7 @@
             <p:cNvPr id="4" name="Group 39">
               <a:extLst>
                 <a:ext uri="{FF2B5EF4-FFF2-40B4-BE49-F238E27FC236}">
-                  <a16:creationId xmlns:a16="http://schemas.microsoft.com/office/drawing/2014/main" id="{E8F8166D-18AD-D632-7F2C-94A7A4B001DF}"/>
+                  <a16:creationId xmlns:a16="http://schemas.microsoft.com/office/drawing/2014/main" id="{94CF83D9-35DD-D73D-BBA6-BD68002C9C2A}"/>
                 </a:ext>
               </a:extLst>
             </p:cNvPr>
@@ -12404,10 +13955,10 @@
           </p:nvGrpSpPr>
           <p:grpSpPr>
             <a:xfrm>
-              <a:off x="7391796" y="1785490"/>
-              <a:ext cx="10954676" cy="1723549"/>
-              <a:chOff x="13237424" y="1383098"/>
-              <a:chExt cx="10954676" cy="1723549"/>
+              <a:off x="7053023" y="1785490"/>
+              <a:ext cx="11464222" cy="1723549"/>
+              <a:chOff x="12898651" y="1383098"/>
+              <a:chExt cx="11464222" cy="1723549"/>
             </a:xfrm>
           </p:grpSpPr>
           <p:sp>
@@ -12415,7 +13966,7 @@
               <p:cNvPr id="6" name="TextBox 5">
                 <a:extLst>
                   <a:ext uri="{FF2B5EF4-FFF2-40B4-BE49-F238E27FC236}">
-                    <a16:creationId xmlns:a16="http://schemas.microsoft.com/office/drawing/2014/main" id="{F6E0BD9D-ACC5-9815-0BDB-D841B26D2EC0}"/>
+                    <a16:creationId xmlns:a16="http://schemas.microsoft.com/office/drawing/2014/main" id="{D46B699C-DBAD-BFE3-3934-79EDF14864B6}"/>
                   </a:ext>
                 </a:extLst>
               </p:cNvPr>
@@ -12424,8 +13975,8 @@
             </p:nvSpPr>
             <p:spPr>
               <a:xfrm>
-                <a:off x="13237424" y="1383098"/>
-                <a:ext cx="10954676" cy="1015663"/>
+                <a:off x="12898651" y="1383098"/>
+                <a:ext cx="11464222" cy="1015663"/>
               </a:xfrm>
               <a:prstGeom prst="rect">
                 <a:avLst/>
@@ -12451,7 +14002,729 @@
                     <a:ea typeface="Roboto"/>
                     <a:cs typeface="Lato Light"/>
                   </a:rPr>
-                  <a:t>BASELINE SURVEY</a:t>
+                  <a:t>BASELINE SURVEY – DATASETS</a:t>
+                </a:r>
+                <a:endParaRPr lang="ko-KR" altLang="en-US" sz="6000" b="1" dirty="0" err="1">
+                  <a:solidFill>
+                    <a:schemeClr val="tx2"/>
+                  </a:solidFill>
+                  <a:latin typeface="Roboto"/>
+                  <a:ea typeface="Roboto"/>
+                  <a:cs typeface="Lato Light"/>
+                </a:endParaRPr>
+              </a:p>
+            </p:txBody>
+          </p:sp>
+          <p:sp>
+            <p:nvSpPr>
+              <p:cNvPr id="7" name="TextBox 6">
+                <a:extLst>
+                  <a:ext uri="{FF2B5EF4-FFF2-40B4-BE49-F238E27FC236}">
+                    <a16:creationId xmlns:a16="http://schemas.microsoft.com/office/drawing/2014/main" id="{B6EDFD2D-0C0E-B6BA-96E2-757CA3D73F9C}"/>
+                  </a:ext>
+                </a:extLst>
+              </p:cNvPr>
+              <p:cNvSpPr txBox="1"/>
+              <p:nvPr/>
+            </p:nvSpPr>
+            <p:spPr>
+              <a:xfrm>
+                <a:off x="16900804" y="2398761"/>
+                <a:ext cx="3627916" cy="707886"/>
+              </a:xfrm>
+              <a:prstGeom prst="rect">
+                <a:avLst/>
+              </a:prstGeom>
+              <a:noFill/>
+            </p:spPr>
+            <p:txBody>
+              <a:bodyPr wrap="none" lIns="91440" tIns="45720" rIns="91440" bIns="45720" rtlCol="0" anchor="t">
+                <a:spAutoFit/>
+              </a:bodyPr>
+              <a:lstStyle/>
+              <a:p>
+                <a:pPr algn="ctr"/>
+                <a:r>
+                  <a:rPr lang="en-US" sz="2000" spc="300" dirty="0">
+                    <a:latin typeface="Roboto"/>
+                    <a:ea typeface="Roboto"/>
+                    <a:cs typeface="Roboto"/>
+                  </a:rPr>
+                  <a:t>Engine Fault Diagnosis</a:t>
+                </a:r>
+                <a:endParaRPr lang="en-US" sz="2000" spc="300" dirty="0">
+                  <a:solidFill>
+                    <a:srgbClr val="000000"/>
+                  </a:solidFill>
+                  <a:latin typeface="Roboto"/>
+                  <a:ea typeface="Roboto"/>
+                  <a:cs typeface="Roboto"/>
+                </a:endParaRPr>
+              </a:p>
+              <a:p>
+                <a:pPr algn="ctr"/>
+                <a:endParaRPr lang="en-US" sz="2000" spc="300" dirty="0">
+                  <a:latin typeface="Roboto" panose="02000000000000000000" pitchFamily="2" charset="0"/>
+                  <a:ea typeface="Roboto" panose="02000000000000000000" pitchFamily="2" charset="0"/>
+                  <a:cs typeface="Lato" panose="020F0502020204030203" pitchFamily="34" charset="0"/>
+                </a:endParaRPr>
+              </a:p>
+            </p:txBody>
+          </p:sp>
+        </p:grpSp>
+        <p:sp>
+          <p:nvSpPr>
+            <p:cNvPr id="5" name="Rectangle 40">
+              <a:extLst>
+                <a:ext uri="{FF2B5EF4-FFF2-40B4-BE49-F238E27FC236}">
+                  <a16:creationId xmlns:a16="http://schemas.microsoft.com/office/drawing/2014/main" id="{F709551A-6F29-9ECE-8D80-2F81C376B46D}"/>
+                </a:ext>
+              </a:extLst>
+            </p:cNvPr>
+            <p:cNvSpPr/>
+            <p:nvPr/>
+          </p:nvSpPr>
+          <p:spPr>
+            <a:xfrm>
+              <a:off x="12536825" y="1464039"/>
+              <a:ext cx="664618" cy="76974"/>
+            </a:xfrm>
+            <a:prstGeom prst="rect">
+              <a:avLst/>
+            </a:prstGeom>
+            <a:solidFill>
+              <a:schemeClr val="accent5"/>
+            </a:solidFill>
+            <a:ln>
+              <a:noFill/>
+            </a:ln>
+          </p:spPr>
+          <p:style>
+            <a:lnRef idx="2">
+              <a:schemeClr val="accent1">
+                <a:shade val="50000"/>
+              </a:schemeClr>
+            </a:lnRef>
+            <a:fillRef idx="1">
+              <a:schemeClr val="accent1"/>
+            </a:fillRef>
+            <a:effectRef idx="0">
+              <a:schemeClr val="accent1"/>
+            </a:effectRef>
+            <a:fontRef idx="minor">
+              <a:schemeClr val="lt1"/>
+            </a:fontRef>
+          </p:style>
+          <p:txBody>
+            <a:bodyPr rtlCol="0" anchor="ctr"/>
+            <a:lstStyle/>
+            <a:p>
+              <a:pPr algn="ctr"/>
+              <a:endParaRPr lang="en-US"/>
+            </a:p>
+          </p:txBody>
+        </p:sp>
+      </p:grpSp>
+      <p:sp>
+        <p:nvSpPr>
+          <p:cNvPr id="15" name="직사각형 14">
+            <a:extLst>
+              <a:ext uri="{FF2B5EF4-FFF2-40B4-BE49-F238E27FC236}">
+                <a16:creationId xmlns:a16="http://schemas.microsoft.com/office/drawing/2014/main" id="{8A9BB1CA-9AD6-56C4-3E93-4D588421CADB}"/>
+              </a:ext>
+            </a:extLst>
+          </p:cNvPr>
+          <p:cNvSpPr/>
+          <p:nvPr/>
+        </p:nvSpPr>
+        <p:spPr>
+          <a:xfrm>
+            <a:off x="1121582" y="10493933"/>
+            <a:ext cx="10909310" cy="1319349"/>
+          </a:xfrm>
+          <a:prstGeom prst="rect">
+            <a:avLst/>
+          </a:prstGeom>
+          <a:solidFill>
+            <a:schemeClr val="bg1">
+              <a:lumMod val="85000"/>
+            </a:schemeClr>
+          </a:solidFill>
+          <a:ln>
+            <a:noFill/>
+          </a:ln>
+        </p:spPr>
+        <p:style>
+          <a:lnRef idx="2">
+            <a:schemeClr val="accent1">
+              <a:shade val="15000"/>
+            </a:schemeClr>
+          </a:lnRef>
+          <a:fillRef idx="1">
+            <a:schemeClr val="accent1"/>
+          </a:fillRef>
+          <a:effectRef idx="0">
+            <a:schemeClr val="accent1"/>
+          </a:effectRef>
+          <a:fontRef idx="minor">
+            <a:schemeClr val="lt1"/>
+          </a:fontRef>
+        </p:style>
+        <p:txBody>
+          <a:bodyPr rtlCol="0" anchor="ctr"/>
+          <a:lstStyle/>
+          <a:p>
+            <a:pPr algn="ctr"/>
+            <a:r>
+              <a:rPr lang="en-US" altLang="ko-KR" sz="3200" dirty="0">
+                <a:solidFill>
+                  <a:schemeClr val="tx2">
+                    <a:lumMod val="50000"/>
+                  </a:schemeClr>
+                </a:solidFill>
+                <a:latin typeface="Roboto Medium" panose="02000000000000000000" pitchFamily="2" charset="0"/>
+                <a:cs typeface="Roboto Medium" panose="02000000000000000000" pitchFamily="2" charset="0"/>
+              </a:rPr>
+              <a:t>Experiment under Various Conditions, per 1,000 periods</a:t>
+            </a:r>
+            <a:endParaRPr lang="ko-KR" altLang="en-US" sz="3200" dirty="0">
+              <a:solidFill>
+                <a:schemeClr val="tx2">
+                  <a:lumMod val="50000"/>
+                </a:schemeClr>
+              </a:solidFill>
+              <a:latin typeface="Roboto Medium" panose="02000000000000000000" pitchFamily="2" charset="0"/>
+              <a:cs typeface="Roboto Medium" panose="02000000000000000000" pitchFamily="2" charset="0"/>
+            </a:endParaRPr>
+          </a:p>
+        </p:txBody>
+      </p:sp>
+      <p:sp>
+        <p:nvSpPr>
+          <p:cNvPr id="16" name="직사각형 15">
+            <a:extLst>
+              <a:ext uri="{FF2B5EF4-FFF2-40B4-BE49-F238E27FC236}">
+                <a16:creationId xmlns:a16="http://schemas.microsoft.com/office/drawing/2014/main" id="{7D6EE4FD-C6F1-F0E5-B315-A56CB68139BC}"/>
+              </a:ext>
+            </a:extLst>
+          </p:cNvPr>
+          <p:cNvSpPr/>
+          <p:nvPr/>
+        </p:nvSpPr>
+        <p:spPr>
+          <a:xfrm>
+            <a:off x="1121581" y="10160376"/>
+            <a:ext cx="6676944" cy="662093"/>
+          </a:xfrm>
+          <a:prstGeom prst="rect">
+            <a:avLst/>
+          </a:prstGeom>
+          <a:solidFill>
+            <a:schemeClr val="tx2">
+              <a:lumMod val="75000"/>
+            </a:schemeClr>
+          </a:solidFill>
+          <a:ln>
+            <a:noFill/>
+          </a:ln>
+        </p:spPr>
+        <p:style>
+          <a:lnRef idx="2">
+            <a:schemeClr val="accent1">
+              <a:shade val="15000"/>
+            </a:schemeClr>
+          </a:lnRef>
+          <a:fillRef idx="1">
+            <a:schemeClr val="accent1"/>
+          </a:fillRef>
+          <a:effectRef idx="0">
+            <a:schemeClr val="accent1"/>
+          </a:effectRef>
+          <a:fontRef idx="minor">
+            <a:schemeClr val="lt1"/>
+          </a:fontRef>
+        </p:style>
+        <p:txBody>
+          <a:bodyPr rtlCol="0" anchor="ctr"/>
+          <a:lstStyle/>
+          <a:p>
+            <a:pPr algn="ctr"/>
+            <a:r>
+              <a:rPr lang="en-US" altLang="ko-KR" b="1" dirty="0">
+                <a:solidFill>
+                  <a:schemeClr val="bg2"/>
+                </a:solidFill>
+                <a:latin typeface="Roboto Medium" panose="02000000000000000000" pitchFamily="2" charset="0"/>
+                <a:ea typeface="Roboto Medium" panose="02000000000000000000" pitchFamily="2" charset="0"/>
+                <a:cs typeface="Roboto Medium" panose="02000000000000000000" pitchFamily="2" charset="0"/>
+              </a:rPr>
+              <a:t>Experiment Period (T) = 1,000</a:t>
+            </a:r>
+          </a:p>
+        </p:txBody>
+      </p:sp>
+      <p:pic>
+        <p:nvPicPr>
+          <p:cNvPr id="18" name="그림 17">
+            <a:extLst>
+              <a:ext uri="{FF2B5EF4-FFF2-40B4-BE49-F238E27FC236}">
+                <a16:creationId xmlns:a16="http://schemas.microsoft.com/office/drawing/2014/main" id="{B9A4AD99-D96E-6465-21C1-F6AFD6FC0339}"/>
+              </a:ext>
+            </a:extLst>
+          </p:cNvPr>
+          <p:cNvPicPr>
+            <a:picLocks noChangeAspect="1"/>
+          </p:cNvPicPr>
+          <p:nvPr/>
+        </p:nvPicPr>
+        <p:blipFill>
+          <a:blip r:embed="rId2"/>
+          <a:stretch>
+            <a:fillRect/>
+          </a:stretch>
+        </p:blipFill>
+        <p:spPr>
+          <a:xfrm>
+            <a:off x="2318955" y="2631000"/>
+            <a:ext cx="8672496" cy="7402766"/>
+          </a:xfrm>
+          <a:prstGeom prst="rect">
+            <a:avLst/>
+          </a:prstGeom>
+        </p:spPr>
+      </p:pic>
+      <p:sp>
+        <p:nvSpPr>
+          <p:cNvPr id="19" name="화살표: 오른쪽 18">
+            <a:extLst>
+              <a:ext uri="{FF2B5EF4-FFF2-40B4-BE49-F238E27FC236}">
+                <a16:creationId xmlns:a16="http://schemas.microsoft.com/office/drawing/2014/main" id="{ECB69C84-6C94-27ED-F2F6-1E5A1D8F5710}"/>
+              </a:ext>
+            </a:extLst>
+          </p:cNvPr>
+          <p:cNvSpPr/>
+          <p:nvPr/>
+        </p:nvSpPr>
+        <p:spPr>
+          <a:xfrm>
+            <a:off x="11265771" y="5672708"/>
+            <a:ext cx="3351566" cy="1319349"/>
+          </a:xfrm>
+          <a:prstGeom prst="rightArrow">
+            <a:avLst/>
+          </a:prstGeom>
+        </p:spPr>
+        <p:style>
+          <a:lnRef idx="2">
+            <a:schemeClr val="accent1">
+              <a:shade val="15000"/>
+            </a:schemeClr>
+          </a:lnRef>
+          <a:fillRef idx="1">
+            <a:schemeClr val="accent1"/>
+          </a:fillRef>
+          <a:effectRef idx="0">
+            <a:schemeClr val="accent1"/>
+          </a:effectRef>
+          <a:fontRef idx="minor">
+            <a:schemeClr val="lt1"/>
+          </a:fontRef>
+        </p:style>
+        <p:txBody>
+          <a:bodyPr rtlCol="0" anchor="ctr"/>
+          <a:lstStyle/>
+          <a:p>
+            <a:pPr algn="ctr"/>
+            <a:endParaRPr lang="ko-KR" altLang="en-US"/>
+          </a:p>
+        </p:txBody>
+      </p:sp>
+      <p:sp>
+        <p:nvSpPr>
+          <p:cNvPr id="21" name="직사각형 20">
+            <a:extLst>
+              <a:ext uri="{FF2B5EF4-FFF2-40B4-BE49-F238E27FC236}">
+                <a16:creationId xmlns:a16="http://schemas.microsoft.com/office/drawing/2014/main" id="{C09A15D5-986B-32A5-3BBF-D3228DF45AD1}"/>
+              </a:ext>
+            </a:extLst>
+          </p:cNvPr>
+          <p:cNvSpPr/>
+          <p:nvPr/>
+        </p:nvSpPr>
+        <p:spPr>
+          <a:xfrm>
+            <a:off x="1114106" y="12146839"/>
+            <a:ext cx="10909310" cy="1319349"/>
+          </a:xfrm>
+          <a:prstGeom prst="rect">
+            <a:avLst/>
+          </a:prstGeom>
+          <a:solidFill>
+            <a:schemeClr val="bg1">
+              <a:lumMod val="85000"/>
+            </a:schemeClr>
+          </a:solidFill>
+          <a:ln>
+            <a:noFill/>
+          </a:ln>
+        </p:spPr>
+        <p:style>
+          <a:lnRef idx="2">
+            <a:schemeClr val="accent1">
+              <a:shade val="15000"/>
+            </a:schemeClr>
+          </a:lnRef>
+          <a:fillRef idx="1">
+            <a:schemeClr val="accent1"/>
+          </a:fillRef>
+          <a:effectRef idx="0">
+            <a:schemeClr val="accent1"/>
+          </a:effectRef>
+          <a:fontRef idx="minor">
+            <a:schemeClr val="lt1"/>
+          </a:fontRef>
+        </p:style>
+        <p:txBody>
+          <a:bodyPr rtlCol="0" anchor="ctr"/>
+          <a:lstStyle/>
+          <a:p>
+            <a:pPr algn="ctr"/>
+            <a:r>
+              <a:rPr lang="en-US" altLang="ko-KR" sz="3200" dirty="0">
+                <a:solidFill>
+                  <a:schemeClr val="tx2">
+                    <a:lumMod val="50000"/>
+                  </a:schemeClr>
+                </a:solidFill>
+                <a:latin typeface="Roboto Medium" panose="02000000000000000000" pitchFamily="2" charset="0"/>
+                <a:cs typeface="Roboto Medium" panose="02000000000000000000" pitchFamily="2" charset="0"/>
+              </a:rPr>
+              <a:t>There’s </a:t>
+            </a:r>
+            <a:r>
+              <a:rPr lang="en-US" altLang="ko-KR" sz="3200" b="1" dirty="0">
+                <a:solidFill>
+                  <a:srgbClr val="FF0000"/>
+                </a:solidFill>
+                <a:latin typeface="Roboto Medium" panose="02000000000000000000" pitchFamily="2" charset="0"/>
+                <a:cs typeface="Roboto Medium" panose="02000000000000000000" pitchFamily="2" charset="0"/>
+              </a:rPr>
+              <a:t>NO Information about Sampling Time</a:t>
+            </a:r>
+            <a:endParaRPr lang="ko-KR" altLang="en-US" sz="3200" b="1" dirty="0">
+              <a:solidFill>
+                <a:srgbClr val="FF0000"/>
+              </a:solidFill>
+              <a:latin typeface="Roboto Medium" panose="02000000000000000000" pitchFamily="2" charset="0"/>
+              <a:cs typeface="Roboto Medium" panose="02000000000000000000" pitchFamily="2" charset="0"/>
+            </a:endParaRPr>
+          </a:p>
+        </p:txBody>
+      </p:sp>
+      <p:pic>
+        <p:nvPicPr>
+          <p:cNvPr id="25" name="그림 24">
+            <a:extLst>
+              <a:ext uri="{FF2B5EF4-FFF2-40B4-BE49-F238E27FC236}">
+                <a16:creationId xmlns:a16="http://schemas.microsoft.com/office/drawing/2014/main" id="{2184F2D6-089B-A1AB-81E1-F5D2759E1175}"/>
+              </a:ext>
+            </a:extLst>
+          </p:cNvPr>
+          <p:cNvPicPr>
+            <a:picLocks noChangeAspect="1"/>
+          </p:cNvPicPr>
+          <p:nvPr/>
+        </p:nvPicPr>
+        <p:blipFill>
+          <a:blip r:embed="rId3"/>
+          <a:stretch>
+            <a:fillRect/>
+          </a:stretch>
+        </p:blipFill>
+        <p:spPr>
+          <a:xfrm>
+            <a:off x="14891657" y="2836219"/>
+            <a:ext cx="8116433" cy="6992326"/>
+          </a:xfrm>
+          <a:prstGeom prst="rect">
+            <a:avLst/>
+          </a:prstGeom>
+        </p:spPr>
+      </p:pic>
+    </p:spTree>
+    <p:extLst>
+      <p:ext uri="{BB962C8B-B14F-4D97-AF65-F5344CB8AC3E}">
+        <p14:creationId xmlns:p14="http://schemas.microsoft.com/office/powerpoint/2010/main" val="3496935237"/>
+      </p:ext>
+    </p:extLst>
+  </p:cSld>
+  <p:clrMapOvr>
+    <a:masterClrMapping/>
+  </p:clrMapOvr>
+</p:sld>
+</file>
+
+<file path=ppt/slides/slide8.xml><?xml version="1.0" encoding="utf-8"?>
+<p:sld xmlns:a="http://schemas.openxmlformats.org/drawingml/2006/main" xmlns:r="http://schemas.openxmlformats.org/officeDocument/2006/relationships" xmlns:p="http://schemas.openxmlformats.org/presentationml/2006/main">
+  <p:cSld>
+    <p:spTree>
+      <p:nvGrpSpPr>
+        <p:cNvPr id="1" name=""/>
+        <p:cNvGrpSpPr/>
+        <p:nvPr/>
+      </p:nvGrpSpPr>
+      <p:grpSpPr>
+        <a:xfrm>
+          <a:off x="0" y="0"/>
+          <a:ext cx="0" cy="0"/>
+          <a:chOff x="0" y="0"/>
+          <a:chExt cx="0" cy="0"/>
+        </a:xfrm>
+      </p:grpSpPr>
+      <p:sp>
+        <p:nvSpPr>
+          <p:cNvPr id="1090" name="직사각형 1089">
+            <a:extLst>
+              <a:ext uri="{FF2B5EF4-FFF2-40B4-BE49-F238E27FC236}">
+                <a16:creationId xmlns:a16="http://schemas.microsoft.com/office/drawing/2014/main" id="{61245184-EAD8-F796-FD41-E25A40A21732}"/>
+              </a:ext>
+            </a:extLst>
+          </p:cNvPr>
+          <p:cNvSpPr/>
+          <p:nvPr/>
+        </p:nvSpPr>
+        <p:spPr>
+          <a:xfrm>
+            <a:off x="1232584" y="11143292"/>
+            <a:ext cx="6491501" cy="2059058"/>
+          </a:xfrm>
+          <a:prstGeom prst="rect">
+            <a:avLst/>
+          </a:prstGeom>
+          <a:solidFill>
+            <a:schemeClr val="bg1">
+              <a:lumMod val="85000"/>
+            </a:schemeClr>
+          </a:solidFill>
+          <a:ln>
+            <a:noFill/>
+          </a:ln>
+        </p:spPr>
+        <p:style>
+          <a:lnRef idx="2">
+            <a:schemeClr val="accent1">
+              <a:shade val="15000"/>
+            </a:schemeClr>
+          </a:lnRef>
+          <a:fillRef idx="1">
+            <a:schemeClr val="accent1"/>
+          </a:fillRef>
+          <a:effectRef idx="0">
+            <a:schemeClr val="accent1"/>
+          </a:effectRef>
+          <a:fontRef idx="minor">
+            <a:schemeClr val="lt1"/>
+          </a:fontRef>
+        </p:style>
+        <p:txBody>
+          <a:bodyPr rtlCol="0" anchor="ctr"/>
+          <a:lstStyle/>
+          <a:p>
+            <a:pPr algn="ctr"/>
+            <a:endParaRPr lang="ko-KR" altLang="en-US" dirty="0"/>
+          </a:p>
+        </p:txBody>
+      </p:sp>
+      <p:sp>
+        <p:nvSpPr>
+          <p:cNvPr id="1089" name="직사각형 1088">
+            <a:extLst>
+              <a:ext uri="{FF2B5EF4-FFF2-40B4-BE49-F238E27FC236}">
+                <a16:creationId xmlns:a16="http://schemas.microsoft.com/office/drawing/2014/main" id="{E5FF985A-DA75-9813-D90C-7E958346E998}"/>
+              </a:ext>
+            </a:extLst>
+          </p:cNvPr>
+          <p:cNvSpPr/>
+          <p:nvPr/>
+        </p:nvSpPr>
+        <p:spPr>
+          <a:xfrm>
+            <a:off x="8704539" y="11148247"/>
+            <a:ext cx="6777977" cy="2059058"/>
+          </a:xfrm>
+          <a:prstGeom prst="rect">
+            <a:avLst/>
+          </a:prstGeom>
+          <a:solidFill>
+            <a:schemeClr val="bg1">
+              <a:lumMod val="85000"/>
+            </a:schemeClr>
+          </a:solidFill>
+          <a:ln>
+            <a:noFill/>
+          </a:ln>
+        </p:spPr>
+        <p:style>
+          <a:lnRef idx="2">
+            <a:schemeClr val="accent1">
+              <a:shade val="15000"/>
+            </a:schemeClr>
+          </a:lnRef>
+          <a:fillRef idx="1">
+            <a:schemeClr val="accent1"/>
+          </a:fillRef>
+          <a:effectRef idx="0">
+            <a:schemeClr val="accent1"/>
+          </a:effectRef>
+          <a:fontRef idx="minor">
+            <a:schemeClr val="lt1"/>
+          </a:fontRef>
+        </p:style>
+        <p:txBody>
+          <a:bodyPr rtlCol="0" anchor="ctr"/>
+          <a:lstStyle/>
+          <a:p>
+            <a:pPr algn="ctr"/>
+            <a:endParaRPr lang="ko-KR" altLang="en-US" dirty="0"/>
+          </a:p>
+        </p:txBody>
+      </p:sp>
+      <p:sp>
+        <p:nvSpPr>
+          <p:cNvPr id="1091" name="직사각형 1090">
+            <a:extLst>
+              <a:ext uri="{FF2B5EF4-FFF2-40B4-BE49-F238E27FC236}">
+                <a16:creationId xmlns:a16="http://schemas.microsoft.com/office/drawing/2014/main" id="{6B7C021E-0FC9-DDCA-C413-290B2C9209CE}"/>
+              </a:ext>
+            </a:extLst>
+          </p:cNvPr>
+          <p:cNvSpPr/>
+          <p:nvPr/>
+        </p:nvSpPr>
+        <p:spPr>
+          <a:xfrm>
+            <a:off x="16532918" y="11143292"/>
+            <a:ext cx="6684455" cy="2059058"/>
+          </a:xfrm>
+          <a:prstGeom prst="rect">
+            <a:avLst/>
+          </a:prstGeom>
+          <a:solidFill>
+            <a:schemeClr val="bg1">
+              <a:lumMod val="85000"/>
+            </a:schemeClr>
+          </a:solidFill>
+          <a:ln>
+            <a:noFill/>
+          </a:ln>
+        </p:spPr>
+        <p:style>
+          <a:lnRef idx="2">
+            <a:schemeClr val="accent1">
+              <a:shade val="15000"/>
+            </a:schemeClr>
+          </a:lnRef>
+          <a:fillRef idx="1">
+            <a:schemeClr val="accent1"/>
+          </a:fillRef>
+          <a:effectRef idx="0">
+            <a:schemeClr val="accent1"/>
+          </a:effectRef>
+          <a:fontRef idx="minor">
+            <a:schemeClr val="lt1"/>
+          </a:fontRef>
+        </p:style>
+        <p:txBody>
+          <a:bodyPr rtlCol="0" anchor="ctr"/>
+          <a:lstStyle/>
+          <a:p>
+            <a:pPr algn="ctr"/>
+            <a:endParaRPr lang="ko-KR" altLang="en-US" dirty="0"/>
+          </a:p>
+        </p:txBody>
+      </p:sp>
+      <p:grpSp>
+        <p:nvGrpSpPr>
+          <p:cNvPr id="3" name="Group 38">
+            <a:extLst>
+              <a:ext uri="{FF2B5EF4-FFF2-40B4-BE49-F238E27FC236}">
+                <a16:creationId xmlns:a16="http://schemas.microsoft.com/office/drawing/2014/main" id="{1D2AD382-784E-E7DA-BCDD-C41135138BA6}"/>
+              </a:ext>
+            </a:extLst>
+          </p:cNvPr>
+          <p:cNvGrpSpPr/>
+          <p:nvPr/>
+        </p:nvGrpSpPr>
+        <p:grpSpPr>
+          <a:xfrm>
+            <a:off x="6372714" y="278223"/>
+            <a:ext cx="11464222" cy="2045000"/>
+            <a:chOff x="7053023" y="1464039"/>
+            <a:chExt cx="11464222" cy="2045000"/>
+          </a:xfrm>
+        </p:grpSpPr>
+        <p:grpSp>
+          <p:nvGrpSpPr>
+            <p:cNvPr id="4" name="Group 39">
+              <a:extLst>
+                <a:ext uri="{FF2B5EF4-FFF2-40B4-BE49-F238E27FC236}">
+                  <a16:creationId xmlns:a16="http://schemas.microsoft.com/office/drawing/2014/main" id="{E8F8166D-18AD-D632-7F2C-94A7A4B001DF}"/>
+                </a:ext>
+              </a:extLst>
+            </p:cNvPr>
+            <p:cNvGrpSpPr/>
+            <p:nvPr/>
+          </p:nvGrpSpPr>
+          <p:grpSpPr>
+            <a:xfrm>
+              <a:off x="7053023" y="1785490"/>
+              <a:ext cx="11464222" cy="1723549"/>
+              <a:chOff x="12898651" y="1383098"/>
+              <a:chExt cx="11464222" cy="1723549"/>
+            </a:xfrm>
+          </p:grpSpPr>
+          <p:sp>
+            <p:nvSpPr>
+              <p:cNvPr id="6" name="TextBox 5">
+                <a:extLst>
+                  <a:ext uri="{FF2B5EF4-FFF2-40B4-BE49-F238E27FC236}">
+                    <a16:creationId xmlns:a16="http://schemas.microsoft.com/office/drawing/2014/main" id="{F6E0BD9D-ACC5-9815-0BDB-D841B26D2EC0}"/>
+                  </a:ext>
+                </a:extLst>
+              </p:cNvPr>
+              <p:cNvSpPr txBox="1"/>
+              <p:nvPr/>
+            </p:nvSpPr>
+            <p:spPr>
+              <a:xfrm>
+                <a:off x="12898651" y="1383098"/>
+                <a:ext cx="11464222" cy="1015663"/>
+              </a:xfrm>
+              <a:prstGeom prst="rect">
+                <a:avLst/>
+              </a:prstGeom>
+              <a:noFill/>
+              <a:ln>
+                <a:noFill/>
+              </a:ln>
+            </p:spPr>
+            <p:txBody>
+              <a:bodyPr wrap="square" lIns="91440" tIns="45720" rIns="91440" bIns="45720" rtlCol="0" anchor="t">
+                <a:spAutoFit/>
+              </a:bodyPr>
+              <a:lstStyle/>
+              <a:p>
+                <a:pPr algn="ctr"/>
+                <a:r>
+                  <a:rPr lang="en-US" altLang="ko-KR" sz="6000" b="1" dirty="0">
+                    <a:solidFill>
+                      <a:schemeClr val="tx2"/>
+                    </a:solidFill>
+                    <a:latin typeface="Roboto"/>
+                    <a:ea typeface="Roboto"/>
+                    <a:cs typeface="Lato Light"/>
+                  </a:rPr>
+                  <a:t>BASELINE SURVEY – FAULTS</a:t>
                 </a:r>
                 <a:endParaRPr lang="ko-KR" altLang="en-US" sz="6000" b="1" dirty="0" err="1">
                   <a:solidFill>
@@ -12574,12 +14847,1450 @@
           </p:txBody>
         </p:sp>
       </p:grpSp>
+      <p:grpSp>
+        <p:nvGrpSpPr>
+          <p:cNvPr id="1083" name="그룹 1082">
+            <a:extLst>
+              <a:ext uri="{FF2B5EF4-FFF2-40B4-BE49-F238E27FC236}">
+                <a16:creationId xmlns:a16="http://schemas.microsoft.com/office/drawing/2014/main" id="{E70A8DC4-D38F-E267-08C3-CA0AE71C1B89}"/>
+              </a:ext>
+            </a:extLst>
+          </p:cNvPr>
+          <p:cNvGrpSpPr/>
+          <p:nvPr/>
+        </p:nvGrpSpPr>
+        <p:grpSpPr>
+          <a:xfrm>
+            <a:off x="1751506" y="2238353"/>
+            <a:ext cx="12028373" cy="8661486"/>
+            <a:chOff x="1490249" y="3294476"/>
+            <a:chExt cx="12028373" cy="8661486"/>
+          </a:xfrm>
+        </p:grpSpPr>
+        <p:grpSp>
+          <p:nvGrpSpPr>
+            <p:cNvPr id="1063" name="그룹 1062">
+              <a:extLst>
+                <a:ext uri="{FF2B5EF4-FFF2-40B4-BE49-F238E27FC236}">
+                  <a16:creationId xmlns:a16="http://schemas.microsoft.com/office/drawing/2014/main" id="{851A59F3-ED38-3BAB-81C8-1ADD0A3995CC}"/>
+                </a:ext>
+              </a:extLst>
+            </p:cNvPr>
+            <p:cNvGrpSpPr/>
+            <p:nvPr/>
+          </p:nvGrpSpPr>
+          <p:grpSpPr>
+            <a:xfrm>
+              <a:off x="1490249" y="3294476"/>
+              <a:ext cx="12028373" cy="8449150"/>
+              <a:chOff x="1660371" y="4207486"/>
+              <a:chExt cx="12028373" cy="8449150"/>
+            </a:xfrm>
+          </p:grpSpPr>
+          <p:grpSp>
+            <p:nvGrpSpPr>
+              <p:cNvPr id="2" name="그룹 1">
+                <a:extLst>
+                  <a:ext uri="{FF2B5EF4-FFF2-40B4-BE49-F238E27FC236}">
+                    <a16:creationId xmlns:a16="http://schemas.microsoft.com/office/drawing/2014/main" id="{1DB80036-FB98-11F6-E8FA-39270C88929B}"/>
+                  </a:ext>
+                </a:extLst>
+              </p:cNvPr>
+              <p:cNvGrpSpPr/>
+              <p:nvPr/>
+            </p:nvGrpSpPr>
+            <p:grpSpPr>
+              <a:xfrm>
+                <a:off x="1660371" y="5683459"/>
+                <a:ext cx="11781939" cy="6973177"/>
+                <a:chOff x="225585" y="2323223"/>
+                <a:chExt cx="11781939" cy="6973177"/>
+              </a:xfrm>
+            </p:grpSpPr>
+            <p:pic>
+              <p:nvPicPr>
+                <p:cNvPr id="9" name="그림 8">
+                  <a:extLst>
+                    <a:ext uri="{FF2B5EF4-FFF2-40B4-BE49-F238E27FC236}">
+                      <a16:creationId xmlns:a16="http://schemas.microsoft.com/office/drawing/2014/main" id="{6B97660E-E5DE-AB41-1B6F-A729F63F3B7C}"/>
+                    </a:ext>
+                  </a:extLst>
+                </p:cNvPr>
+                <p:cNvPicPr>
+                  <a:picLocks noChangeAspect="1"/>
+                </p:cNvPicPr>
+                <p:nvPr/>
+              </p:nvPicPr>
+              <p:blipFill>
+                <a:blip r:embed="rId3"/>
+                <a:stretch>
+                  <a:fillRect/>
+                </a:stretch>
+              </p:blipFill>
+              <p:spPr>
+                <a:xfrm>
+                  <a:off x="225585" y="2323223"/>
+                  <a:ext cx="11781939" cy="6973177"/>
+                </a:xfrm>
+                <a:prstGeom prst="rect">
+                  <a:avLst/>
+                </a:prstGeom>
+              </p:spPr>
+            </p:pic>
+            <p:sp>
+              <p:nvSpPr>
+                <p:cNvPr id="10" name="직사각형 9">
+                  <a:extLst>
+                    <a:ext uri="{FF2B5EF4-FFF2-40B4-BE49-F238E27FC236}">
+                      <a16:creationId xmlns:a16="http://schemas.microsoft.com/office/drawing/2014/main" id="{8F2CF009-902B-22DB-732D-56C775AB72EE}"/>
+                    </a:ext>
+                  </a:extLst>
+                </p:cNvPr>
+                <p:cNvSpPr/>
+                <p:nvPr/>
+              </p:nvSpPr>
+              <p:spPr>
+                <a:xfrm>
+                  <a:off x="10071462" y="3444239"/>
+                  <a:ext cx="1014885" cy="472605"/>
+                </a:xfrm>
+                <a:prstGeom prst="rect">
+                  <a:avLst/>
+                </a:prstGeom>
+                <a:noFill/>
+                <a:ln w="76200">
+                  <a:solidFill>
+                    <a:srgbClr val="0070C0"/>
+                  </a:solidFill>
+                </a:ln>
+              </p:spPr>
+              <p:style>
+                <a:lnRef idx="2">
+                  <a:schemeClr val="accent1">
+                    <a:shade val="15000"/>
+                  </a:schemeClr>
+                </a:lnRef>
+                <a:fillRef idx="1">
+                  <a:schemeClr val="accent1"/>
+                </a:fillRef>
+                <a:effectRef idx="0">
+                  <a:schemeClr val="accent1"/>
+                </a:effectRef>
+                <a:fontRef idx="minor">
+                  <a:schemeClr val="lt1"/>
+                </a:fontRef>
+              </p:style>
+              <p:txBody>
+                <a:bodyPr rtlCol="0" anchor="ctr"/>
+                <a:lstStyle/>
+                <a:p>
+                  <a:pPr algn="ctr"/>
+                  <a:endParaRPr lang="ko-KR" altLang="en-US" dirty="0"/>
+                </a:p>
+              </p:txBody>
+            </p:sp>
+            <p:sp>
+              <p:nvSpPr>
+                <p:cNvPr id="11" name="직사각형 10">
+                  <a:extLst>
+                    <a:ext uri="{FF2B5EF4-FFF2-40B4-BE49-F238E27FC236}">
+                      <a16:creationId xmlns:a16="http://schemas.microsoft.com/office/drawing/2014/main" id="{AC1D78AB-9407-5E77-4C73-CCF08ADE3066}"/>
+                    </a:ext>
+                  </a:extLst>
+                </p:cNvPr>
+                <p:cNvSpPr/>
+                <p:nvPr/>
+              </p:nvSpPr>
+              <p:spPr>
+                <a:xfrm>
+                  <a:off x="2405743" y="2628022"/>
+                  <a:ext cx="929640" cy="511417"/>
+                </a:xfrm>
+                <a:prstGeom prst="rect">
+                  <a:avLst/>
+                </a:prstGeom>
+                <a:noFill/>
+                <a:ln w="76200">
+                  <a:solidFill>
+                    <a:srgbClr val="0070C0"/>
+                  </a:solidFill>
+                </a:ln>
+              </p:spPr>
+              <p:style>
+                <a:lnRef idx="2">
+                  <a:schemeClr val="accent1">
+                    <a:shade val="15000"/>
+                  </a:schemeClr>
+                </a:lnRef>
+                <a:fillRef idx="1">
+                  <a:schemeClr val="accent1"/>
+                </a:fillRef>
+                <a:effectRef idx="0">
+                  <a:schemeClr val="accent1"/>
+                </a:effectRef>
+                <a:fontRef idx="minor">
+                  <a:schemeClr val="lt1"/>
+                </a:fontRef>
+              </p:style>
+              <p:txBody>
+                <a:bodyPr rtlCol="0" anchor="ctr"/>
+                <a:lstStyle/>
+                <a:p>
+                  <a:pPr algn="ctr"/>
+                  <a:endParaRPr lang="ko-KR" altLang="en-US" dirty="0"/>
+                </a:p>
+              </p:txBody>
+            </p:sp>
+            <p:sp>
+              <p:nvSpPr>
+                <p:cNvPr id="8" name="직사각형 7">
+                  <a:extLst>
+                    <a:ext uri="{FF2B5EF4-FFF2-40B4-BE49-F238E27FC236}">
+                      <a16:creationId xmlns:a16="http://schemas.microsoft.com/office/drawing/2014/main" id="{98428E91-E07F-D875-887D-5E85DB3CE999}"/>
+                    </a:ext>
+                  </a:extLst>
+                </p:cNvPr>
+                <p:cNvSpPr/>
+                <p:nvPr/>
+              </p:nvSpPr>
+              <p:spPr>
+                <a:xfrm>
+                  <a:off x="10217283" y="5378816"/>
+                  <a:ext cx="334240" cy="1554480"/>
+                </a:xfrm>
+                <a:prstGeom prst="rect">
+                  <a:avLst/>
+                </a:prstGeom>
+                <a:noFill/>
+                <a:ln w="76200">
+                  <a:solidFill>
+                    <a:srgbClr val="0070C0"/>
+                  </a:solidFill>
+                </a:ln>
+              </p:spPr>
+              <p:style>
+                <a:lnRef idx="2">
+                  <a:schemeClr val="accent1">
+                    <a:shade val="15000"/>
+                  </a:schemeClr>
+                </a:lnRef>
+                <a:fillRef idx="1">
+                  <a:schemeClr val="accent1"/>
+                </a:fillRef>
+                <a:effectRef idx="0">
+                  <a:schemeClr val="accent1"/>
+                </a:effectRef>
+                <a:fontRef idx="minor">
+                  <a:schemeClr val="lt1"/>
+                </a:fontRef>
+              </p:style>
+              <p:txBody>
+                <a:bodyPr rtlCol="0" anchor="ctr"/>
+                <a:lstStyle/>
+                <a:p>
+                  <a:pPr algn="ctr"/>
+                  <a:endParaRPr lang="ko-KR" altLang="en-US" dirty="0"/>
+                </a:p>
+              </p:txBody>
+            </p:sp>
+            <p:sp>
+              <p:nvSpPr>
+                <p:cNvPr id="14" name="직사각형 13">
+                  <a:extLst>
+                    <a:ext uri="{FF2B5EF4-FFF2-40B4-BE49-F238E27FC236}">
+                      <a16:creationId xmlns:a16="http://schemas.microsoft.com/office/drawing/2014/main" id="{36149AAD-F230-6A2E-99A3-C55BB502BF00}"/>
+                    </a:ext>
+                  </a:extLst>
+                </p:cNvPr>
+                <p:cNvSpPr/>
+                <p:nvPr/>
+              </p:nvSpPr>
+              <p:spPr>
+                <a:xfrm>
+                  <a:off x="5005250" y="3497764"/>
+                  <a:ext cx="3095850" cy="2769326"/>
+                </a:xfrm>
+                <a:prstGeom prst="rect">
+                  <a:avLst/>
+                </a:prstGeom>
+                <a:noFill/>
+                <a:ln w="76200">
+                  <a:solidFill>
+                    <a:srgbClr val="0070C0"/>
+                  </a:solidFill>
+                </a:ln>
+              </p:spPr>
+              <p:style>
+                <a:lnRef idx="2">
+                  <a:schemeClr val="accent1">
+                    <a:shade val="15000"/>
+                  </a:schemeClr>
+                </a:lnRef>
+                <a:fillRef idx="1">
+                  <a:schemeClr val="accent1"/>
+                </a:fillRef>
+                <a:effectRef idx="0">
+                  <a:schemeClr val="accent1"/>
+                </a:effectRef>
+                <a:fontRef idx="minor">
+                  <a:schemeClr val="lt1"/>
+                </a:fontRef>
+              </p:style>
+              <p:txBody>
+                <a:bodyPr rtlCol="0" anchor="ctr"/>
+                <a:lstStyle/>
+                <a:p>
+                  <a:pPr algn="ctr"/>
+                  <a:endParaRPr lang="ko-KR" altLang="en-US" dirty="0"/>
+                </a:p>
+              </p:txBody>
+            </p:sp>
+          </p:grpSp>
+          <p:cxnSp>
+            <p:nvCxnSpPr>
+              <p:cNvPr id="16" name="직선 화살표 연결선 15">
+                <a:extLst>
+                  <a:ext uri="{FF2B5EF4-FFF2-40B4-BE49-F238E27FC236}">
+                    <a16:creationId xmlns:a16="http://schemas.microsoft.com/office/drawing/2014/main" id="{292B4830-35E2-BFD1-C586-C2603D08EEA4}"/>
+                  </a:ext>
+                </a:extLst>
+              </p:cNvPr>
+              <p:cNvCxnSpPr>
+                <a:cxnSpLocks/>
+                <a:endCxn id="17" idx="2"/>
+              </p:cNvCxnSpPr>
+              <p:nvPr/>
+            </p:nvCxnSpPr>
+            <p:spPr>
+              <a:xfrm flipH="1" flipV="1">
+                <a:off x="7163292" y="4915372"/>
+                <a:ext cx="651284" cy="1328594"/>
+              </a:xfrm>
+              <a:prstGeom prst="straightConnector1">
+                <a:avLst/>
+              </a:prstGeom>
+              <a:ln w="57150">
+                <a:solidFill>
+                  <a:srgbClr val="0070C0"/>
+                </a:solidFill>
+                <a:tailEnd type="triangle"/>
+              </a:ln>
+            </p:spPr>
+            <p:style>
+              <a:lnRef idx="1">
+                <a:schemeClr val="accent1"/>
+              </a:lnRef>
+              <a:fillRef idx="0">
+                <a:schemeClr val="accent1"/>
+              </a:fillRef>
+              <a:effectRef idx="0">
+                <a:schemeClr val="accent1"/>
+              </a:effectRef>
+              <a:fontRef idx="minor">
+                <a:schemeClr val="tx1"/>
+              </a:fontRef>
+            </p:style>
+          </p:cxnSp>
+          <p:sp>
+            <p:nvSpPr>
+              <p:cNvPr id="17" name="직사각형 16">
+                <a:extLst>
+                  <a:ext uri="{FF2B5EF4-FFF2-40B4-BE49-F238E27FC236}">
+                    <a16:creationId xmlns:a16="http://schemas.microsoft.com/office/drawing/2014/main" id="{546390FD-E58D-3769-EBB8-970F0A7C31A2}"/>
+                  </a:ext>
+                </a:extLst>
+              </p:cNvPr>
+              <p:cNvSpPr/>
+              <p:nvPr/>
+            </p:nvSpPr>
+            <p:spPr>
+              <a:xfrm>
+                <a:off x="6353394" y="4207486"/>
+                <a:ext cx="1619795" cy="707886"/>
+              </a:xfrm>
+              <a:prstGeom prst="rect">
+                <a:avLst/>
+              </a:prstGeom>
+              <a:noFill/>
+              <a:ln w="57150">
+                <a:solidFill>
+                  <a:srgbClr val="0070C0"/>
+                </a:solidFill>
+              </a:ln>
+            </p:spPr>
+            <p:style>
+              <a:lnRef idx="2">
+                <a:schemeClr val="accent1">
+                  <a:shade val="15000"/>
+                </a:schemeClr>
+              </a:lnRef>
+              <a:fillRef idx="1">
+                <a:schemeClr val="accent1"/>
+              </a:fillRef>
+              <a:effectRef idx="0">
+                <a:schemeClr val="accent1"/>
+              </a:effectRef>
+              <a:fontRef idx="minor">
+                <a:schemeClr val="lt1"/>
+              </a:fontRef>
+            </p:style>
+            <p:txBody>
+              <a:bodyPr rtlCol="0" anchor="ctr"/>
+              <a:lstStyle/>
+              <a:p>
+                <a:pPr algn="ctr"/>
+                <a:r>
+                  <a:rPr lang="en-US" altLang="ko-KR" b="1" dirty="0">
+                    <a:solidFill>
+                      <a:schemeClr val="tx2"/>
+                    </a:solidFill>
+                  </a:rPr>
+                  <a:t>Fault 1</a:t>
+                </a:r>
+                <a:endParaRPr lang="ko-KR" altLang="en-US" b="1" dirty="0">
+                  <a:solidFill>
+                    <a:schemeClr val="tx2"/>
+                  </a:solidFill>
+                </a:endParaRPr>
+              </a:p>
+            </p:txBody>
+          </p:sp>
+          <p:cxnSp>
+            <p:nvCxnSpPr>
+              <p:cNvPr id="21" name="직선 화살표 연결선 20">
+                <a:extLst>
+                  <a:ext uri="{FF2B5EF4-FFF2-40B4-BE49-F238E27FC236}">
+                    <a16:creationId xmlns:a16="http://schemas.microsoft.com/office/drawing/2014/main" id="{69AA4085-5765-977D-B1C0-48977786247B}"/>
+                  </a:ext>
+                </a:extLst>
+              </p:cNvPr>
+              <p:cNvCxnSpPr>
+                <a:cxnSpLocks/>
+                <a:endCxn id="17" idx="3"/>
+              </p:cNvCxnSpPr>
+              <p:nvPr/>
+            </p:nvCxnSpPr>
+            <p:spPr>
+              <a:xfrm flipH="1" flipV="1">
+                <a:off x="7973189" y="4561429"/>
+                <a:ext cx="2626660" cy="1920114"/>
+              </a:xfrm>
+              <a:prstGeom prst="straightConnector1">
+                <a:avLst/>
+              </a:prstGeom>
+              <a:ln w="57150">
+                <a:solidFill>
+                  <a:srgbClr val="0070C0"/>
+                </a:solidFill>
+                <a:tailEnd type="triangle"/>
+              </a:ln>
+            </p:spPr>
+            <p:style>
+              <a:lnRef idx="1">
+                <a:schemeClr val="accent1"/>
+              </a:lnRef>
+              <a:fillRef idx="0">
+                <a:schemeClr val="accent1"/>
+              </a:fillRef>
+              <a:effectRef idx="0">
+                <a:schemeClr val="accent1"/>
+              </a:effectRef>
+              <a:fontRef idx="minor">
+                <a:schemeClr val="tx1"/>
+              </a:fontRef>
+            </p:style>
+          </p:cxnSp>
+          <p:cxnSp>
+            <p:nvCxnSpPr>
+              <p:cNvPr id="24" name="직선 화살표 연결선 23">
+                <a:extLst>
+                  <a:ext uri="{FF2B5EF4-FFF2-40B4-BE49-F238E27FC236}">
+                    <a16:creationId xmlns:a16="http://schemas.microsoft.com/office/drawing/2014/main" id="{C09A78B4-74F3-DEE3-912A-41C2CB97ABB0}"/>
+                  </a:ext>
+                </a:extLst>
+              </p:cNvPr>
+              <p:cNvCxnSpPr>
+                <a:cxnSpLocks/>
+                <a:stCxn id="11" idx="0"/>
+                <a:endCxn id="17" idx="1"/>
+              </p:cNvCxnSpPr>
+              <p:nvPr/>
+            </p:nvCxnSpPr>
+            <p:spPr>
+              <a:xfrm flipV="1">
+                <a:off x="4305349" y="4561429"/>
+                <a:ext cx="2048045" cy="1426829"/>
+              </a:xfrm>
+              <a:prstGeom prst="straightConnector1">
+                <a:avLst/>
+              </a:prstGeom>
+              <a:ln w="57150">
+                <a:solidFill>
+                  <a:srgbClr val="0070C0"/>
+                </a:solidFill>
+                <a:tailEnd type="triangle"/>
+              </a:ln>
+            </p:spPr>
+            <p:style>
+              <a:lnRef idx="1">
+                <a:schemeClr val="accent1"/>
+              </a:lnRef>
+              <a:fillRef idx="0">
+                <a:schemeClr val="accent1"/>
+              </a:fillRef>
+              <a:effectRef idx="0">
+                <a:schemeClr val="accent1"/>
+              </a:effectRef>
+              <a:fontRef idx="minor">
+                <a:schemeClr val="tx1"/>
+              </a:fontRef>
+            </p:style>
+          </p:cxnSp>
+          <p:cxnSp>
+            <p:nvCxnSpPr>
+              <p:cNvPr id="28" name="직선 화살표 연결선 27">
+                <a:extLst>
+                  <a:ext uri="{FF2B5EF4-FFF2-40B4-BE49-F238E27FC236}">
+                    <a16:creationId xmlns:a16="http://schemas.microsoft.com/office/drawing/2014/main" id="{EA5970D2-BF4E-F996-CCBD-A3A812B55A58}"/>
+                  </a:ext>
+                </a:extLst>
+              </p:cNvPr>
+              <p:cNvCxnSpPr>
+                <a:cxnSpLocks/>
+                <a:stCxn id="8" idx="0"/>
+                <a:endCxn id="17" idx="2"/>
+              </p:cNvCxnSpPr>
+              <p:nvPr/>
+            </p:nvCxnSpPr>
+            <p:spPr>
+              <a:xfrm flipH="1" flipV="1">
+                <a:off x="7163292" y="4915372"/>
+                <a:ext cx="4655897" cy="3823680"/>
+              </a:xfrm>
+              <a:prstGeom prst="straightConnector1">
+                <a:avLst/>
+              </a:prstGeom>
+              <a:ln w="57150">
+                <a:solidFill>
+                  <a:srgbClr val="0070C0"/>
+                </a:solidFill>
+                <a:tailEnd type="triangle"/>
+              </a:ln>
+            </p:spPr>
+            <p:style>
+              <a:lnRef idx="1">
+                <a:schemeClr val="accent1"/>
+              </a:lnRef>
+              <a:fillRef idx="0">
+                <a:schemeClr val="accent1"/>
+              </a:fillRef>
+              <a:effectRef idx="0">
+                <a:schemeClr val="accent1"/>
+              </a:effectRef>
+              <a:fontRef idx="minor">
+                <a:schemeClr val="tx1"/>
+              </a:fontRef>
+            </p:style>
+          </p:cxnSp>
+          <p:sp>
+            <p:nvSpPr>
+              <p:cNvPr id="32" name="TextBox 31">
+                <a:extLst>
+                  <a:ext uri="{FF2B5EF4-FFF2-40B4-BE49-F238E27FC236}">
+                    <a16:creationId xmlns:a16="http://schemas.microsoft.com/office/drawing/2014/main" id="{89059FCC-51A3-BF8D-494D-7649E75C9C52}"/>
+                  </a:ext>
+                </a:extLst>
+              </p:cNvPr>
+              <p:cNvSpPr txBox="1"/>
+              <p:nvPr/>
+            </p:nvSpPr>
+            <p:spPr>
+              <a:xfrm>
+                <a:off x="12261373" y="10122116"/>
+                <a:ext cx="1427371" cy="307777"/>
+              </a:xfrm>
+              <a:prstGeom prst="rect">
+                <a:avLst/>
+              </a:prstGeom>
+              <a:noFill/>
+            </p:spPr>
+            <p:txBody>
+              <a:bodyPr wrap="square" rtlCol="0">
+                <a:spAutoFit/>
+              </a:bodyPr>
+              <a:lstStyle/>
+              <a:p>
+                <a:r>
+                  <a:rPr lang="en-US" altLang="ko-KR" sz="1400" b="1" dirty="0">
+                    <a:solidFill>
+                      <a:schemeClr val="tx2">
+                        <a:lumMod val="50000"/>
+                      </a:schemeClr>
+                    </a:solidFill>
+                  </a:rPr>
+                  <a:t>Fuel Return Line</a:t>
+                </a:r>
+                <a:endParaRPr lang="ko-KR" altLang="en-US" sz="1400" b="1" dirty="0">
+                  <a:solidFill>
+                    <a:schemeClr val="tx2">
+                      <a:lumMod val="50000"/>
+                    </a:schemeClr>
+                  </a:solidFill>
+                </a:endParaRPr>
+              </a:p>
+            </p:txBody>
+          </p:sp>
+          <p:cxnSp>
+            <p:nvCxnSpPr>
+              <p:cNvPr id="34" name="직선 연결선 33">
+                <a:extLst>
+                  <a:ext uri="{FF2B5EF4-FFF2-40B4-BE49-F238E27FC236}">
+                    <a16:creationId xmlns:a16="http://schemas.microsoft.com/office/drawing/2014/main" id="{55885CCF-AF37-B093-E461-A2725606D580}"/>
+                  </a:ext>
+                </a:extLst>
+              </p:cNvPr>
+              <p:cNvCxnSpPr>
+                <a:cxnSpLocks/>
+                <a:endCxn id="32" idx="1"/>
+              </p:cNvCxnSpPr>
+              <p:nvPr/>
+            </p:nvCxnSpPr>
+            <p:spPr>
+              <a:xfrm>
+                <a:off x="11986309" y="10276005"/>
+                <a:ext cx="275064" cy="0"/>
+              </a:xfrm>
+              <a:prstGeom prst="line">
+                <a:avLst/>
+              </a:prstGeom>
+              <a:ln>
+                <a:solidFill>
+                  <a:schemeClr val="tx2">
+                    <a:lumMod val="50000"/>
+                  </a:schemeClr>
+                </a:solidFill>
+              </a:ln>
+            </p:spPr>
+            <p:style>
+              <a:lnRef idx="1">
+                <a:schemeClr val="accent1"/>
+              </a:lnRef>
+              <a:fillRef idx="0">
+                <a:schemeClr val="accent1"/>
+              </a:fillRef>
+              <a:effectRef idx="0">
+                <a:schemeClr val="accent1"/>
+              </a:effectRef>
+              <a:fontRef idx="minor">
+                <a:schemeClr val="tx1"/>
+              </a:fontRef>
+            </p:style>
+          </p:cxnSp>
+          <p:sp>
+            <p:nvSpPr>
+              <p:cNvPr id="39" name="직사각형 38">
+                <a:extLst>
+                  <a:ext uri="{FF2B5EF4-FFF2-40B4-BE49-F238E27FC236}">
+                    <a16:creationId xmlns:a16="http://schemas.microsoft.com/office/drawing/2014/main" id="{DBA1B201-65E0-55F4-97C3-DE04FD81F87E}"/>
+                  </a:ext>
+                </a:extLst>
+              </p:cNvPr>
+              <p:cNvSpPr/>
+              <p:nvPr/>
+            </p:nvSpPr>
+            <p:spPr>
+              <a:xfrm>
+                <a:off x="9086291" y="4267687"/>
+                <a:ext cx="1619795" cy="707886"/>
+              </a:xfrm>
+              <a:prstGeom prst="rect">
+                <a:avLst/>
+              </a:prstGeom>
+              <a:noFill/>
+              <a:ln w="57150">
+                <a:solidFill>
+                  <a:srgbClr val="00B050"/>
+                </a:solidFill>
+              </a:ln>
+            </p:spPr>
+            <p:style>
+              <a:lnRef idx="2">
+                <a:schemeClr val="accent1">
+                  <a:shade val="15000"/>
+                </a:schemeClr>
+              </a:lnRef>
+              <a:fillRef idx="1">
+                <a:schemeClr val="accent1"/>
+              </a:fillRef>
+              <a:effectRef idx="0">
+                <a:schemeClr val="accent1"/>
+              </a:effectRef>
+              <a:fontRef idx="minor">
+                <a:schemeClr val="lt1"/>
+              </a:fontRef>
+            </p:style>
+            <p:txBody>
+              <a:bodyPr rtlCol="0" anchor="ctr"/>
+              <a:lstStyle/>
+              <a:p>
+                <a:pPr algn="ctr"/>
+                <a:r>
+                  <a:rPr lang="en-US" altLang="ko-KR" b="1" dirty="0">
+                    <a:solidFill>
+                      <a:schemeClr val="tx2"/>
+                    </a:solidFill>
+                  </a:rPr>
+                  <a:t>Fault 2</a:t>
+                </a:r>
+                <a:endParaRPr lang="ko-KR" altLang="en-US" b="1" dirty="0">
+                  <a:solidFill>
+                    <a:schemeClr val="tx2"/>
+                  </a:solidFill>
+                </a:endParaRPr>
+              </a:p>
+            </p:txBody>
+          </p:sp>
+          <p:cxnSp>
+            <p:nvCxnSpPr>
+              <p:cNvPr id="44" name="직선 화살표 연결선 43">
+                <a:extLst>
+                  <a:ext uri="{FF2B5EF4-FFF2-40B4-BE49-F238E27FC236}">
+                    <a16:creationId xmlns:a16="http://schemas.microsoft.com/office/drawing/2014/main" id="{B6AE2D02-D6FE-02C1-EB0F-917F47A6D29C}"/>
+                  </a:ext>
+                </a:extLst>
+              </p:cNvPr>
+              <p:cNvCxnSpPr>
+                <a:cxnSpLocks/>
+                <a:stCxn id="1027" idx="0"/>
+                <a:endCxn id="39" idx="1"/>
+              </p:cNvCxnSpPr>
+              <p:nvPr/>
+            </p:nvCxnSpPr>
+            <p:spPr>
+              <a:xfrm flipV="1">
+                <a:off x="4284885" y="4621630"/>
+                <a:ext cx="4801406" cy="1233070"/>
+              </a:xfrm>
+              <a:prstGeom prst="straightConnector1">
+                <a:avLst/>
+              </a:prstGeom>
+              <a:ln w="57150">
+                <a:solidFill>
+                  <a:srgbClr val="00B050"/>
+                </a:solidFill>
+                <a:tailEnd type="triangle"/>
+              </a:ln>
+            </p:spPr>
+            <p:style>
+              <a:lnRef idx="1">
+                <a:schemeClr val="accent1"/>
+              </a:lnRef>
+              <a:fillRef idx="0">
+                <a:schemeClr val="accent1"/>
+              </a:fillRef>
+              <a:effectRef idx="0">
+                <a:schemeClr val="accent1"/>
+              </a:effectRef>
+              <a:fontRef idx="minor">
+                <a:schemeClr val="tx1"/>
+              </a:fontRef>
+            </p:style>
+          </p:cxnSp>
+          <p:cxnSp>
+            <p:nvCxnSpPr>
+              <p:cNvPr id="47" name="직선 화살표 연결선 46">
+                <a:extLst>
+                  <a:ext uri="{FF2B5EF4-FFF2-40B4-BE49-F238E27FC236}">
+                    <a16:creationId xmlns:a16="http://schemas.microsoft.com/office/drawing/2014/main" id="{81F7B9D0-130C-1F15-51D3-30D494E805AA}"/>
+                  </a:ext>
+                </a:extLst>
+              </p:cNvPr>
+              <p:cNvCxnSpPr>
+                <a:cxnSpLocks/>
+                <a:endCxn id="39" idx="3"/>
+              </p:cNvCxnSpPr>
+              <p:nvPr/>
+            </p:nvCxnSpPr>
+            <p:spPr>
+              <a:xfrm flipH="1" flipV="1">
+                <a:off x="10706086" y="4621630"/>
+                <a:ext cx="945983" cy="1622336"/>
+              </a:xfrm>
+              <a:prstGeom prst="straightConnector1">
+                <a:avLst/>
+              </a:prstGeom>
+              <a:ln w="57150">
+                <a:solidFill>
+                  <a:srgbClr val="00B050"/>
+                </a:solidFill>
+                <a:tailEnd type="triangle"/>
+              </a:ln>
+            </p:spPr>
+            <p:style>
+              <a:lnRef idx="1">
+                <a:schemeClr val="accent1"/>
+              </a:lnRef>
+              <a:fillRef idx="0">
+                <a:schemeClr val="accent1"/>
+              </a:fillRef>
+              <a:effectRef idx="0">
+                <a:schemeClr val="accent1"/>
+              </a:effectRef>
+              <a:fontRef idx="minor">
+                <a:schemeClr val="tx1"/>
+              </a:fontRef>
+            </p:style>
+          </p:cxnSp>
+          <p:cxnSp>
+            <p:nvCxnSpPr>
+              <p:cNvPr id="54" name="직선 연결선 53">
+                <a:extLst>
+                  <a:ext uri="{FF2B5EF4-FFF2-40B4-BE49-F238E27FC236}">
+                    <a16:creationId xmlns:a16="http://schemas.microsoft.com/office/drawing/2014/main" id="{86E38626-2603-0DB1-2C13-2E7EF9F2FCCE}"/>
+                  </a:ext>
+                </a:extLst>
+              </p:cNvPr>
+              <p:cNvCxnSpPr>
+                <a:cxnSpLocks/>
+                <a:endCxn id="1031" idx="0"/>
+              </p:cNvCxnSpPr>
+              <p:nvPr/>
+            </p:nvCxnSpPr>
+            <p:spPr>
+              <a:xfrm>
+                <a:off x="11888249" y="6616700"/>
+                <a:ext cx="114144" cy="54828"/>
+              </a:xfrm>
+              <a:prstGeom prst="line">
+                <a:avLst/>
+              </a:prstGeom>
+              <a:ln w="57150">
+                <a:solidFill>
+                  <a:srgbClr val="00B050"/>
+                </a:solidFill>
+              </a:ln>
+            </p:spPr>
+            <p:style>
+              <a:lnRef idx="1">
+                <a:schemeClr val="accent1"/>
+              </a:lnRef>
+              <a:fillRef idx="0">
+                <a:schemeClr val="accent1"/>
+              </a:fillRef>
+              <a:effectRef idx="0">
+                <a:schemeClr val="accent1"/>
+              </a:effectRef>
+              <a:fontRef idx="minor">
+                <a:schemeClr val="tx1"/>
+              </a:fontRef>
+            </p:style>
+          </p:cxnSp>
+          <p:cxnSp>
+            <p:nvCxnSpPr>
+              <p:cNvPr id="59" name="직선 연결선 58">
+                <a:extLst>
+                  <a:ext uri="{FF2B5EF4-FFF2-40B4-BE49-F238E27FC236}">
+                    <a16:creationId xmlns:a16="http://schemas.microsoft.com/office/drawing/2014/main" id="{D3AADA9B-60FD-12AD-4A22-BB91A6FBC387}"/>
+                  </a:ext>
+                </a:extLst>
+              </p:cNvPr>
+              <p:cNvCxnSpPr>
+                <a:cxnSpLocks/>
+                <a:endCxn id="10" idx="1"/>
+              </p:cNvCxnSpPr>
+              <p:nvPr/>
+            </p:nvCxnSpPr>
+            <p:spPr>
+              <a:xfrm>
+                <a:off x="10896600" y="6677399"/>
+                <a:ext cx="609648" cy="363379"/>
+              </a:xfrm>
+              <a:prstGeom prst="line">
+                <a:avLst/>
+              </a:prstGeom>
+              <a:ln w="57150">
+                <a:solidFill>
+                  <a:srgbClr val="0070C0"/>
+                </a:solidFill>
+              </a:ln>
+            </p:spPr>
+            <p:style>
+              <a:lnRef idx="1">
+                <a:schemeClr val="accent1"/>
+              </a:lnRef>
+              <a:fillRef idx="0">
+                <a:schemeClr val="accent1"/>
+              </a:fillRef>
+              <a:effectRef idx="0">
+                <a:schemeClr val="accent1"/>
+              </a:effectRef>
+              <a:fontRef idx="minor">
+                <a:schemeClr val="tx1"/>
+              </a:fontRef>
+            </p:style>
+          </p:cxnSp>
+          <p:cxnSp>
+            <p:nvCxnSpPr>
+              <p:cNvPr id="63" name="직선 연결선 62">
+                <a:extLst>
+                  <a:ext uri="{FF2B5EF4-FFF2-40B4-BE49-F238E27FC236}">
+                    <a16:creationId xmlns:a16="http://schemas.microsoft.com/office/drawing/2014/main" id="{E53AB843-9D2C-DF7A-65C1-7F96273FCE2F}"/>
+                  </a:ext>
+                </a:extLst>
+              </p:cNvPr>
+              <p:cNvCxnSpPr>
+                <a:cxnSpLocks/>
+                <a:stCxn id="14" idx="0"/>
+              </p:cNvCxnSpPr>
+              <p:nvPr/>
+            </p:nvCxnSpPr>
+            <p:spPr>
+              <a:xfrm flipH="1" flipV="1">
+                <a:off x="7973189" y="6756345"/>
+                <a:ext cx="14772" cy="101655"/>
+              </a:xfrm>
+              <a:prstGeom prst="line">
+                <a:avLst/>
+              </a:prstGeom>
+              <a:ln w="57150">
+                <a:solidFill>
+                  <a:srgbClr val="0070C0"/>
+                </a:solidFill>
+              </a:ln>
+            </p:spPr>
+            <p:style>
+              <a:lnRef idx="1">
+                <a:schemeClr val="accent1"/>
+              </a:lnRef>
+              <a:fillRef idx="0">
+                <a:schemeClr val="accent1"/>
+              </a:fillRef>
+              <a:effectRef idx="0">
+                <a:schemeClr val="accent1"/>
+              </a:effectRef>
+              <a:fontRef idx="minor">
+                <a:schemeClr val="tx1"/>
+              </a:fontRef>
+            </p:style>
+          </p:cxnSp>
+          <p:sp>
+            <p:nvSpPr>
+              <p:cNvPr id="1027" name="직사각형 1026">
+                <a:extLst>
+                  <a:ext uri="{FF2B5EF4-FFF2-40B4-BE49-F238E27FC236}">
+                    <a16:creationId xmlns:a16="http://schemas.microsoft.com/office/drawing/2014/main" id="{65672903-8506-EFAA-B186-FCFB343CB37D}"/>
+                  </a:ext>
+                </a:extLst>
+              </p:cNvPr>
+              <p:cNvSpPr/>
+              <p:nvPr/>
+            </p:nvSpPr>
+            <p:spPr>
+              <a:xfrm>
+                <a:off x="3680270" y="5854700"/>
+                <a:ext cx="1209230" cy="774700"/>
+              </a:xfrm>
+              <a:prstGeom prst="rect">
+                <a:avLst/>
+              </a:prstGeom>
+              <a:noFill/>
+              <a:ln w="76200">
+                <a:solidFill>
+                  <a:srgbClr val="00B050"/>
+                </a:solidFill>
+              </a:ln>
+            </p:spPr>
+            <p:style>
+              <a:lnRef idx="2">
+                <a:schemeClr val="accent1">
+                  <a:shade val="15000"/>
+                </a:schemeClr>
+              </a:lnRef>
+              <a:fillRef idx="1">
+                <a:schemeClr val="accent1"/>
+              </a:fillRef>
+              <a:effectRef idx="0">
+                <a:schemeClr val="accent1"/>
+              </a:effectRef>
+              <a:fontRef idx="minor">
+                <a:schemeClr val="lt1"/>
+              </a:fontRef>
+            </p:style>
+            <p:txBody>
+              <a:bodyPr rtlCol="0" anchor="ctr"/>
+              <a:lstStyle/>
+              <a:p>
+                <a:pPr algn="ctr"/>
+                <a:endParaRPr lang="ko-KR" altLang="en-US" dirty="0"/>
+              </a:p>
+            </p:txBody>
+          </p:sp>
+          <p:sp>
+            <p:nvSpPr>
+              <p:cNvPr id="1031" name="직사각형 1030">
+                <a:extLst>
+                  <a:ext uri="{FF2B5EF4-FFF2-40B4-BE49-F238E27FC236}">
+                    <a16:creationId xmlns:a16="http://schemas.microsoft.com/office/drawing/2014/main" id="{BAE259C5-38E9-BB6D-1C5C-EBC179F920DB}"/>
+                  </a:ext>
+                </a:extLst>
+              </p:cNvPr>
+              <p:cNvSpPr/>
+              <p:nvPr/>
+            </p:nvSpPr>
+            <p:spPr>
+              <a:xfrm>
+                <a:off x="11375700" y="6671528"/>
+                <a:ext cx="1253385" cy="780629"/>
+              </a:xfrm>
+              <a:prstGeom prst="rect">
+                <a:avLst/>
+              </a:prstGeom>
+              <a:noFill/>
+              <a:ln w="76200">
+                <a:solidFill>
+                  <a:srgbClr val="00B050"/>
+                </a:solidFill>
+              </a:ln>
+            </p:spPr>
+            <p:style>
+              <a:lnRef idx="2">
+                <a:schemeClr val="accent1">
+                  <a:shade val="15000"/>
+                </a:schemeClr>
+              </a:lnRef>
+              <a:fillRef idx="1">
+                <a:schemeClr val="accent1"/>
+              </a:fillRef>
+              <a:effectRef idx="0">
+                <a:schemeClr val="accent1"/>
+              </a:effectRef>
+              <a:fontRef idx="minor">
+                <a:schemeClr val="lt1"/>
+              </a:fontRef>
+            </p:style>
+            <p:txBody>
+              <a:bodyPr rtlCol="0" anchor="ctr"/>
+              <a:lstStyle/>
+              <a:p>
+                <a:pPr algn="ctr"/>
+                <a:endParaRPr lang="ko-KR" altLang="en-US" dirty="0"/>
+              </a:p>
+            </p:txBody>
+          </p:sp>
+        </p:grpSp>
+        <p:sp>
+          <p:nvSpPr>
+            <p:cNvPr id="1064" name="TextBox 1063">
+              <a:extLst>
+                <a:ext uri="{FF2B5EF4-FFF2-40B4-BE49-F238E27FC236}">
+                  <a16:creationId xmlns:a16="http://schemas.microsoft.com/office/drawing/2014/main" id="{2ACCFEC9-8FF4-4C54-ACDF-279F3D0B9577}"/>
+                </a:ext>
+              </a:extLst>
+            </p:cNvPr>
+            <p:cNvSpPr txBox="1"/>
+            <p:nvPr/>
+          </p:nvSpPr>
+          <p:spPr>
+            <a:xfrm>
+              <a:off x="4754624" y="11586630"/>
+              <a:ext cx="6126430" cy="369332"/>
+            </a:xfrm>
+            <a:prstGeom prst="rect">
+              <a:avLst/>
+            </a:prstGeom>
+            <a:noFill/>
+          </p:spPr>
+          <p:txBody>
+            <a:bodyPr wrap="square" rtlCol="0">
+              <a:spAutoFit/>
+            </a:bodyPr>
+            <a:lstStyle/>
+            <a:p>
+              <a:pPr algn="ctr"/>
+              <a:r>
+                <a:rPr lang="en-US" altLang="ko-KR" sz="1800" dirty="0"/>
+                <a:t>&lt; Lucas Mechanical Fuel Injection System (Petrol Engine) &gt;  </a:t>
+              </a:r>
+              <a:endParaRPr lang="ko-KR" altLang="en-US" sz="1800" dirty="0"/>
+            </a:p>
+          </p:txBody>
+        </p:sp>
+      </p:grpSp>
+      <p:grpSp>
+        <p:nvGrpSpPr>
+          <p:cNvPr id="1084" name="그룹 1083">
+            <a:extLst>
+              <a:ext uri="{FF2B5EF4-FFF2-40B4-BE49-F238E27FC236}">
+                <a16:creationId xmlns:a16="http://schemas.microsoft.com/office/drawing/2014/main" id="{8D1F87E7-1F8C-DC2E-CAC9-F3A942673B47}"/>
+              </a:ext>
+            </a:extLst>
+          </p:cNvPr>
+          <p:cNvGrpSpPr/>
+          <p:nvPr/>
+        </p:nvGrpSpPr>
+        <p:grpSpPr>
+          <a:xfrm>
+            <a:off x="15153240" y="3305710"/>
+            <a:ext cx="6371801" cy="6587658"/>
+            <a:chOff x="14891983" y="4361833"/>
+            <a:chExt cx="6371801" cy="6587658"/>
+          </a:xfrm>
+        </p:grpSpPr>
+        <p:grpSp>
+          <p:nvGrpSpPr>
+            <p:cNvPr id="1062" name="그룹 1061">
+              <a:extLst>
+                <a:ext uri="{FF2B5EF4-FFF2-40B4-BE49-F238E27FC236}">
+                  <a16:creationId xmlns:a16="http://schemas.microsoft.com/office/drawing/2014/main" id="{1057AA76-390C-7BC8-EDF9-4A25ECC72DB5}"/>
+                </a:ext>
+              </a:extLst>
+            </p:cNvPr>
+            <p:cNvGrpSpPr/>
+            <p:nvPr/>
+          </p:nvGrpSpPr>
+          <p:grpSpPr>
+            <a:xfrm>
+              <a:off x="14891983" y="4361833"/>
+              <a:ext cx="6371801" cy="6135474"/>
+              <a:chOff x="14813888" y="4140531"/>
+              <a:chExt cx="6371801" cy="6135474"/>
+            </a:xfrm>
+          </p:grpSpPr>
+          <p:pic>
+            <p:nvPicPr>
+              <p:cNvPr id="1034" name="그림 1033">
+                <a:extLst>
+                  <a:ext uri="{FF2B5EF4-FFF2-40B4-BE49-F238E27FC236}">
+                    <a16:creationId xmlns:a16="http://schemas.microsoft.com/office/drawing/2014/main" id="{39F38EA0-5C2F-7CAA-1A7B-333DA2397BD5}"/>
+                  </a:ext>
+                </a:extLst>
+              </p:cNvPr>
+              <p:cNvPicPr>
+                <a:picLocks noChangeAspect="1"/>
+              </p:cNvPicPr>
+              <p:nvPr/>
+            </p:nvPicPr>
+            <p:blipFill>
+              <a:blip r:embed="rId4"/>
+              <a:stretch>
+                <a:fillRect/>
+              </a:stretch>
+            </p:blipFill>
+            <p:spPr>
+              <a:xfrm>
+                <a:off x="14813888" y="5115935"/>
+                <a:ext cx="6371801" cy="5160070"/>
+              </a:xfrm>
+              <a:prstGeom prst="rect">
+                <a:avLst/>
+              </a:prstGeom>
+            </p:spPr>
+          </p:pic>
+          <p:sp>
+            <p:nvSpPr>
+              <p:cNvPr id="1035" name="직사각형 1034">
+                <a:extLst>
+                  <a:ext uri="{FF2B5EF4-FFF2-40B4-BE49-F238E27FC236}">
+                    <a16:creationId xmlns:a16="http://schemas.microsoft.com/office/drawing/2014/main" id="{6C635A48-246F-C309-3198-4AA6EB3721CD}"/>
+                  </a:ext>
+                </a:extLst>
+              </p:cNvPr>
+              <p:cNvSpPr/>
+              <p:nvPr/>
+            </p:nvSpPr>
+            <p:spPr>
+              <a:xfrm>
+                <a:off x="17719851" y="5115935"/>
+                <a:ext cx="1159200" cy="390314"/>
+              </a:xfrm>
+              <a:prstGeom prst="rect">
+                <a:avLst/>
+              </a:prstGeom>
+              <a:noFill/>
+              <a:ln w="76200">
+                <a:solidFill>
+                  <a:srgbClr val="FF0000"/>
+                </a:solidFill>
+              </a:ln>
+            </p:spPr>
+            <p:style>
+              <a:lnRef idx="2">
+                <a:schemeClr val="accent1">
+                  <a:shade val="15000"/>
+                </a:schemeClr>
+              </a:lnRef>
+              <a:fillRef idx="1">
+                <a:schemeClr val="accent1"/>
+              </a:fillRef>
+              <a:effectRef idx="0">
+                <a:schemeClr val="accent1"/>
+              </a:effectRef>
+              <a:fontRef idx="minor">
+                <a:schemeClr val="lt1"/>
+              </a:fontRef>
+            </p:style>
+            <p:txBody>
+              <a:bodyPr rtlCol="0" anchor="ctr"/>
+              <a:lstStyle/>
+              <a:p>
+                <a:pPr algn="ctr"/>
+                <a:endParaRPr lang="ko-KR" altLang="en-US" dirty="0"/>
+              </a:p>
+            </p:txBody>
+          </p:sp>
+          <p:sp>
+            <p:nvSpPr>
+              <p:cNvPr id="1036" name="직사각형 1035">
+                <a:extLst>
+                  <a:ext uri="{FF2B5EF4-FFF2-40B4-BE49-F238E27FC236}">
+                    <a16:creationId xmlns:a16="http://schemas.microsoft.com/office/drawing/2014/main" id="{D611A33B-5404-3224-0C3C-04C480CD0837}"/>
+                  </a:ext>
+                </a:extLst>
+              </p:cNvPr>
+              <p:cNvSpPr/>
+              <p:nvPr/>
+            </p:nvSpPr>
+            <p:spPr>
+              <a:xfrm>
+                <a:off x="15285943" y="7277267"/>
+                <a:ext cx="989607" cy="359531"/>
+              </a:xfrm>
+              <a:prstGeom prst="rect">
+                <a:avLst/>
+              </a:prstGeom>
+              <a:noFill/>
+              <a:ln w="76200">
+                <a:solidFill>
+                  <a:srgbClr val="FF0000"/>
+                </a:solidFill>
+              </a:ln>
+            </p:spPr>
+            <p:style>
+              <a:lnRef idx="2">
+                <a:schemeClr val="accent1">
+                  <a:shade val="15000"/>
+                </a:schemeClr>
+              </a:lnRef>
+              <a:fillRef idx="1">
+                <a:schemeClr val="accent1"/>
+              </a:fillRef>
+              <a:effectRef idx="0">
+                <a:schemeClr val="accent1"/>
+              </a:effectRef>
+              <a:fontRef idx="minor">
+                <a:schemeClr val="lt1"/>
+              </a:fontRef>
+            </p:style>
+            <p:txBody>
+              <a:bodyPr rtlCol="0" anchor="ctr"/>
+              <a:lstStyle/>
+              <a:p>
+                <a:pPr algn="ctr"/>
+                <a:endParaRPr lang="ko-KR" altLang="en-US" dirty="0"/>
+              </a:p>
+            </p:txBody>
+          </p:sp>
+          <p:cxnSp>
+            <p:nvCxnSpPr>
+              <p:cNvPr id="1037" name="직선 화살표 연결선 1036">
+                <a:extLst>
+                  <a:ext uri="{FF2B5EF4-FFF2-40B4-BE49-F238E27FC236}">
+                    <a16:creationId xmlns:a16="http://schemas.microsoft.com/office/drawing/2014/main" id="{932A598A-8BA7-4EFD-5385-E8E57CDDA4F4}"/>
+                  </a:ext>
+                </a:extLst>
+              </p:cNvPr>
+              <p:cNvCxnSpPr>
+                <a:cxnSpLocks/>
+                <a:stCxn id="1036" idx="0"/>
+                <a:endCxn id="1044" idx="2"/>
+              </p:cNvCxnSpPr>
+              <p:nvPr/>
+            </p:nvCxnSpPr>
+            <p:spPr>
+              <a:xfrm flipV="1">
+                <a:off x="15780747" y="4848417"/>
+                <a:ext cx="1275207" cy="2428850"/>
+              </a:xfrm>
+              <a:prstGeom prst="straightConnector1">
+                <a:avLst/>
+              </a:prstGeom>
+              <a:ln w="57150">
+                <a:solidFill>
+                  <a:srgbClr val="FF0000"/>
+                </a:solidFill>
+                <a:tailEnd type="triangle"/>
+              </a:ln>
+            </p:spPr>
+            <p:style>
+              <a:lnRef idx="1">
+                <a:schemeClr val="accent1"/>
+              </a:lnRef>
+              <a:fillRef idx="0">
+                <a:schemeClr val="accent1"/>
+              </a:fillRef>
+              <a:effectRef idx="0">
+                <a:schemeClr val="accent1"/>
+              </a:effectRef>
+              <a:fontRef idx="minor">
+                <a:schemeClr val="tx1"/>
+              </a:fontRef>
+            </p:style>
+          </p:cxnSp>
+          <p:cxnSp>
+            <p:nvCxnSpPr>
+              <p:cNvPr id="1041" name="직선 화살표 연결선 1040">
+                <a:extLst>
+                  <a:ext uri="{FF2B5EF4-FFF2-40B4-BE49-F238E27FC236}">
+                    <a16:creationId xmlns:a16="http://schemas.microsoft.com/office/drawing/2014/main" id="{D87C16C3-9AB4-0867-A927-C928A9C65F94}"/>
+                  </a:ext>
+                </a:extLst>
+              </p:cNvPr>
+              <p:cNvCxnSpPr>
+                <a:cxnSpLocks/>
+                <a:stCxn id="1035" idx="0"/>
+                <a:endCxn id="1044" idx="2"/>
+              </p:cNvCxnSpPr>
+              <p:nvPr/>
+            </p:nvCxnSpPr>
+            <p:spPr>
+              <a:xfrm flipH="1" flipV="1">
+                <a:off x="17055954" y="4848417"/>
+                <a:ext cx="1243497" cy="267518"/>
+              </a:xfrm>
+              <a:prstGeom prst="straightConnector1">
+                <a:avLst/>
+              </a:prstGeom>
+              <a:ln w="57150">
+                <a:solidFill>
+                  <a:srgbClr val="FF0000"/>
+                </a:solidFill>
+                <a:tailEnd type="triangle"/>
+              </a:ln>
+            </p:spPr>
+            <p:style>
+              <a:lnRef idx="1">
+                <a:schemeClr val="accent1"/>
+              </a:lnRef>
+              <a:fillRef idx="0">
+                <a:schemeClr val="accent1"/>
+              </a:fillRef>
+              <a:effectRef idx="0">
+                <a:schemeClr val="accent1"/>
+              </a:effectRef>
+              <a:fontRef idx="minor">
+                <a:schemeClr val="tx1"/>
+              </a:fontRef>
+            </p:style>
+          </p:cxnSp>
+          <p:sp>
+            <p:nvSpPr>
+              <p:cNvPr id="1044" name="직사각형 1043">
+                <a:extLst>
+                  <a:ext uri="{FF2B5EF4-FFF2-40B4-BE49-F238E27FC236}">
+                    <a16:creationId xmlns:a16="http://schemas.microsoft.com/office/drawing/2014/main" id="{06FCE4D5-AF02-9575-0B35-90F6DF38A107}"/>
+                  </a:ext>
+                </a:extLst>
+              </p:cNvPr>
+              <p:cNvSpPr/>
+              <p:nvPr/>
+            </p:nvSpPr>
+            <p:spPr>
+              <a:xfrm>
+                <a:off x="16275550" y="4140531"/>
+                <a:ext cx="1560807" cy="707886"/>
+              </a:xfrm>
+              <a:prstGeom prst="rect">
+                <a:avLst/>
+              </a:prstGeom>
+              <a:noFill/>
+              <a:ln w="57150">
+                <a:solidFill>
+                  <a:srgbClr val="FF0000"/>
+                </a:solidFill>
+              </a:ln>
+            </p:spPr>
+            <p:style>
+              <a:lnRef idx="2">
+                <a:schemeClr val="accent1">
+                  <a:shade val="15000"/>
+                </a:schemeClr>
+              </a:lnRef>
+              <a:fillRef idx="1">
+                <a:schemeClr val="accent1"/>
+              </a:fillRef>
+              <a:effectRef idx="0">
+                <a:schemeClr val="accent1"/>
+              </a:effectRef>
+              <a:fontRef idx="minor">
+                <a:schemeClr val="lt1"/>
+              </a:fontRef>
+            </p:style>
+            <p:txBody>
+              <a:bodyPr rtlCol="0" anchor="ctr"/>
+              <a:lstStyle/>
+              <a:p>
+                <a:pPr algn="ctr"/>
+                <a:r>
+                  <a:rPr lang="en-US" altLang="ko-KR" b="1" dirty="0">
+                    <a:solidFill>
+                      <a:schemeClr val="tx2"/>
+                    </a:solidFill>
+                  </a:rPr>
+                  <a:t>Fault 3</a:t>
+                </a:r>
+                <a:endParaRPr lang="ko-KR" altLang="en-US" b="1" dirty="0">
+                  <a:solidFill>
+                    <a:schemeClr val="tx2"/>
+                  </a:solidFill>
+                </a:endParaRPr>
+              </a:p>
+            </p:txBody>
+          </p:sp>
+        </p:grpSp>
+        <p:sp>
+          <p:nvSpPr>
+            <p:cNvPr id="1065" name="TextBox 1064">
+              <a:extLst>
+                <a:ext uri="{FF2B5EF4-FFF2-40B4-BE49-F238E27FC236}">
+                  <a16:creationId xmlns:a16="http://schemas.microsoft.com/office/drawing/2014/main" id="{85EE3E92-F2B8-C105-5316-9C0DAB17C1BF}"/>
+                </a:ext>
+              </a:extLst>
+            </p:cNvPr>
+            <p:cNvSpPr txBox="1"/>
+            <p:nvPr/>
+          </p:nvSpPr>
+          <p:spPr>
+            <a:xfrm>
+              <a:off x="16773046" y="10580159"/>
+              <a:ext cx="2282812" cy="369332"/>
+            </a:xfrm>
+            <a:prstGeom prst="rect">
+              <a:avLst/>
+            </a:prstGeom>
+            <a:noFill/>
+          </p:spPr>
+          <p:txBody>
+            <a:bodyPr wrap="square" rtlCol="0">
+              <a:spAutoFit/>
+            </a:bodyPr>
+            <a:lstStyle/>
+            <a:p>
+              <a:pPr algn="ctr"/>
+              <a:r>
+                <a:rPr lang="en-US" altLang="ko-KR" sz="1800" dirty="0"/>
+                <a:t>&lt; Ignition System &gt;  </a:t>
+              </a:r>
+              <a:endParaRPr lang="ko-KR" altLang="en-US" sz="1800" dirty="0"/>
+            </a:p>
+          </p:txBody>
+        </p:sp>
+      </p:grpSp>
       <p:pic>
         <p:nvPicPr>
-          <p:cNvPr id="9" name="그림 8">
+          <p:cNvPr id="1078" name="그림 1077">
             <a:extLst>
               <a:ext uri="{FF2B5EF4-FFF2-40B4-BE49-F238E27FC236}">
-                <a16:creationId xmlns:a16="http://schemas.microsoft.com/office/drawing/2014/main" id="{6B97660E-E5DE-AB41-1B6F-A729F63F3B7C}"/>
+                <a16:creationId xmlns:a16="http://schemas.microsoft.com/office/drawing/2014/main" id="{57D5E5C5-DBD7-5D27-19D1-7F83FF81A471}"/>
               </a:ext>
             </a:extLst>
           </p:cNvPr>
@@ -12589,15 +16300,14 @@
           <p:nvPr/>
         </p:nvPicPr>
         <p:blipFill>
-          <a:blip r:embed="rId3"/>
-          <a:stretch>
-            <a:fillRect/>
-          </a:stretch>
+          <a:blip r:embed="rId5"/>
+          <a:srcRect r="8168" b="792"/>
+          <a:stretch/>
         </p:blipFill>
         <p:spPr>
           <a:xfrm>
-            <a:off x="395402" y="2323223"/>
-            <a:ext cx="11781939" cy="6973177"/>
+            <a:off x="1331194" y="11346953"/>
+            <a:ext cx="6263017" cy="1637721"/>
           </a:xfrm>
           <a:prstGeom prst="rect">
             <a:avLst/>
@@ -12606,199 +16316,218 @@
       </p:pic>
       <p:pic>
         <p:nvPicPr>
-          <p:cNvPr id="1026" name="Picture 2">
+          <p:cNvPr id="1080" name="그림 1079">
             <a:extLst>
               <a:ext uri="{FF2B5EF4-FFF2-40B4-BE49-F238E27FC236}">
-                <a16:creationId xmlns:a16="http://schemas.microsoft.com/office/drawing/2014/main" id="{B6CF956F-527F-BF15-512D-D31F2314AC54}"/>
+                <a16:creationId xmlns:a16="http://schemas.microsoft.com/office/drawing/2014/main" id="{61A0D67D-7015-7FD7-5B3C-247C2A187368}"/>
               </a:ext>
             </a:extLst>
           </p:cNvPr>
           <p:cNvPicPr>
-            <a:picLocks noChangeAspect="1" noChangeArrowheads="1"/>
+            <a:picLocks noChangeAspect="1"/>
           </p:cNvPicPr>
           <p:nvPr/>
         </p:nvPicPr>
         <p:blipFill>
-          <a:blip r:embed="rId4">
+          <a:blip r:embed="rId6"/>
+          <a:srcRect t="1" r="8127" b="-4790"/>
+          <a:stretch/>
+        </p:blipFill>
+        <p:spPr>
+          <a:xfrm>
+            <a:off x="8981541" y="11635154"/>
+            <a:ext cx="6263738" cy="1184379"/>
+          </a:xfrm>
+          <a:prstGeom prst="rect">
+            <a:avLst/>
+          </a:prstGeom>
+        </p:spPr>
+      </p:pic>
+      <p:pic>
+        <p:nvPicPr>
+          <p:cNvPr id="1082" name="그림 1081">
             <a:extLst>
-              <a:ext uri="{28A0092B-C50C-407E-A947-70E740481C1C}">
-                <a14:useLocalDpi xmlns:a14="http://schemas.microsoft.com/office/drawing/2010/main" val="0"/>
+              <a:ext uri="{FF2B5EF4-FFF2-40B4-BE49-F238E27FC236}">
+                <a16:creationId xmlns:a16="http://schemas.microsoft.com/office/drawing/2014/main" id="{C3658894-8560-4658-DDDE-B81655F5E450}"/>
               </a:ext>
             </a:extLst>
-          </a:blip>
-          <a:srcRect/>
-          <a:stretch>
-            <a:fillRect/>
-          </a:stretch>
+          </p:cNvPr>
+          <p:cNvPicPr>
+            <a:picLocks noChangeAspect="1"/>
+          </p:cNvPicPr>
+          <p:nvPr/>
+        </p:nvPicPr>
+        <p:blipFill>
+          <a:blip r:embed="rId7"/>
+          <a:srcRect r="15914" b="-3618"/>
+          <a:stretch/>
         </p:blipFill>
-        <p:spPr bwMode="auto">
+        <p:spPr>
           <a:xfrm>
-            <a:off x="11936875" y="2506103"/>
-            <a:ext cx="3476625" cy="4943475"/>
+            <a:off x="16708920" y="11527303"/>
+            <a:ext cx="6337536" cy="1290173"/>
+          </a:xfrm>
+          <a:prstGeom prst="rect">
+            <a:avLst/>
+          </a:prstGeom>
+        </p:spPr>
+      </p:pic>
+      <p:sp>
+        <p:nvSpPr>
+          <p:cNvPr id="1086" name="TextBox 1085">
+            <a:extLst>
+              <a:ext uri="{FF2B5EF4-FFF2-40B4-BE49-F238E27FC236}">
+                <a16:creationId xmlns:a16="http://schemas.microsoft.com/office/drawing/2014/main" id="{76446057-A4BA-9DF9-BDA7-CC0EEE3DFDEF}"/>
+              </a:ext>
+            </a:extLst>
+          </p:cNvPr>
+          <p:cNvSpPr txBox="1"/>
+          <p:nvPr/>
+        </p:nvSpPr>
+        <p:spPr>
+          <a:xfrm>
+            <a:off x="18059203" y="13455333"/>
+            <a:ext cx="6337535" cy="307777"/>
           </a:xfrm>
           <a:prstGeom prst="rect">
             <a:avLst/>
           </a:prstGeom>
           <a:noFill/>
-          <a:extLst>
-            <a:ext uri="{909E8E84-426E-40DD-AFC4-6F175D3DCCD1}">
-              <a14:hiddenFill xmlns:a14="http://schemas.microsoft.com/office/drawing/2010/main">
-                <a:solidFill>
-                  <a:srgbClr val="FFFFFF"/>
-                </a:solidFill>
-              </a14:hiddenFill>
-            </a:ext>
-          </a:extLst>
         </p:spPr>
-      </p:pic>
-      <p:pic>
-        <p:nvPicPr>
-          <p:cNvPr id="1028" name="Picture 4">
+        <p:txBody>
+          <a:bodyPr wrap="square">
+            <a:spAutoFit/>
+          </a:bodyPr>
+          <a:lstStyle/>
+          <a:p>
+            <a:r>
+              <a:rPr lang="en-US" altLang="ko-KR" sz="1400" dirty="0">
+                <a:solidFill>
+                  <a:srgbClr val="FF0000"/>
+                </a:solidFill>
+                <a:latin typeface="Roboto Light" panose="02000000000000000000" pitchFamily="2" charset="0"/>
+                <a:ea typeface="Roboto Light" panose="02000000000000000000" pitchFamily="2" charset="0"/>
+                <a:cs typeface="Roboto Light" panose="02000000000000000000" pitchFamily="2" charset="0"/>
+              </a:rPr>
+              <a:t>[4]</a:t>
+            </a:r>
+            <a:r>
+              <a:rPr lang="en-US" altLang="ko-KR" sz="1400" dirty="0">
+                <a:latin typeface="Roboto Light" panose="02000000000000000000" pitchFamily="2" charset="0"/>
+                <a:ea typeface="Roboto Light" panose="02000000000000000000" pitchFamily="2" charset="0"/>
+                <a:cs typeface="Roboto Light" panose="02000000000000000000" pitchFamily="2" charset="0"/>
+              </a:rPr>
+              <a:t> </a:t>
+            </a:r>
+            <a:r>
+              <a:rPr lang="en-US" altLang="ko-KR" sz="1400" dirty="0" err="1">
+                <a:latin typeface="Roboto Light" panose="02000000000000000000" pitchFamily="2" charset="0"/>
+                <a:ea typeface="Roboto Light" panose="02000000000000000000" pitchFamily="2" charset="0"/>
+                <a:cs typeface="Roboto Light" panose="02000000000000000000" pitchFamily="2" charset="0"/>
+              </a:rPr>
+              <a:t>RepairPal</a:t>
+            </a:r>
+            <a:r>
+              <a:rPr lang="en-US" altLang="ko-KR" sz="1400" dirty="0">
+                <a:latin typeface="Roboto Light" panose="02000000000000000000" pitchFamily="2" charset="0"/>
+                <a:ea typeface="Roboto Light" panose="02000000000000000000" pitchFamily="2" charset="0"/>
+                <a:cs typeface="Roboto Light" panose="02000000000000000000" pitchFamily="2" charset="0"/>
+              </a:rPr>
+              <a:t>. (n.d.). Ignition Coil. </a:t>
+            </a:r>
+            <a:r>
+              <a:rPr lang="en-US" altLang="ko-KR" sz="1400" dirty="0" err="1">
+                <a:latin typeface="Roboto Light" panose="02000000000000000000" pitchFamily="2" charset="0"/>
+                <a:ea typeface="Roboto Light" panose="02000000000000000000" pitchFamily="2" charset="0"/>
+                <a:cs typeface="Roboto Light" panose="02000000000000000000" pitchFamily="2" charset="0"/>
+              </a:rPr>
+              <a:t>RepairPal</a:t>
+            </a:r>
+            <a:r>
+              <a:rPr lang="en-US" altLang="ko-KR" sz="1400" dirty="0">
+                <a:latin typeface="Roboto Light" panose="02000000000000000000" pitchFamily="2" charset="0"/>
+                <a:ea typeface="Roboto Light" panose="02000000000000000000" pitchFamily="2" charset="0"/>
+                <a:cs typeface="Roboto Light" panose="02000000000000000000" pitchFamily="2" charset="0"/>
+              </a:rPr>
+              <a:t>. </a:t>
+            </a:r>
+            <a:r>
+              <a:rPr lang="en-US" altLang="ko-KR" sz="1400" dirty="0">
+                <a:latin typeface="Roboto Light" panose="02000000000000000000" pitchFamily="2" charset="0"/>
+                <a:ea typeface="Roboto Light" panose="02000000000000000000" pitchFamily="2" charset="0"/>
+                <a:cs typeface="Roboto Light" panose="02000000000000000000" pitchFamily="2" charset="0"/>
+                <a:hlinkClick r:id="rId8"/>
+              </a:rPr>
+              <a:t>https://repairpal.com/ignition-coil</a:t>
+            </a:r>
+            <a:endParaRPr lang="ko-KR" altLang="en-US" sz="1400" dirty="0">
+              <a:latin typeface="Roboto Light" panose="02000000000000000000" pitchFamily="2" charset="0"/>
+              <a:cs typeface="Roboto Light" panose="02000000000000000000" pitchFamily="2" charset="0"/>
+            </a:endParaRPr>
+          </a:p>
+        </p:txBody>
+      </p:sp>
+      <p:sp>
+        <p:nvSpPr>
+          <p:cNvPr id="1088" name="TextBox 1087">
             <a:extLst>
               <a:ext uri="{FF2B5EF4-FFF2-40B4-BE49-F238E27FC236}">
-                <a16:creationId xmlns:a16="http://schemas.microsoft.com/office/drawing/2014/main" id="{523BFF0E-BD22-DCBD-AC0C-FBCA75349511}"/>
+                <a16:creationId xmlns:a16="http://schemas.microsoft.com/office/drawing/2014/main" id="{EE364620-CF54-3EAC-A84F-500A220D086D}"/>
               </a:ext>
             </a:extLst>
           </p:cNvPr>
-          <p:cNvPicPr>
-            <a:picLocks noChangeAspect="1" noChangeArrowheads="1"/>
-          </p:cNvPicPr>
+          <p:cNvSpPr txBox="1"/>
           <p:nvPr/>
-        </p:nvPicPr>
-        <p:blipFill>
-          <a:blip r:embed="rId5">
-            <a:extLst>
-              <a:ext uri="{28A0092B-C50C-407E-A947-70E740481C1C}">
-                <a14:useLocalDpi xmlns:a14="http://schemas.microsoft.com/office/drawing/2010/main" val="0"/>
-              </a:ext>
-            </a:extLst>
-          </a:blip>
-          <a:srcRect/>
-          <a:stretch>
-            <a:fillRect/>
-          </a:stretch>
-        </p:blipFill>
-        <p:spPr bwMode="auto">
+        </p:nvSpPr>
+        <p:spPr>
           <a:xfrm>
-            <a:off x="15413500" y="2323223"/>
-            <a:ext cx="4505325" cy="4714875"/>
+            <a:off x="0" y="13430687"/>
+            <a:ext cx="13861774" cy="307777"/>
           </a:xfrm>
           <a:prstGeom prst="rect">
             <a:avLst/>
           </a:prstGeom>
           <a:noFill/>
-          <a:extLst>
-            <a:ext uri="{909E8E84-426E-40DD-AFC4-6F175D3DCCD1}">
-              <a14:hiddenFill xmlns:a14="http://schemas.microsoft.com/office/drawing/2010/main">
-                <a:solidFill>
-                  <a:srgbClr val="FFFFFF"/>
-                </a:solidFill>
-              </a14:hiddenFill>
-            </a:ext>
-          </a:extLst>
         </p:spPr>
-      </p:pic>
-      <p:sp>
-        <p:nvSpPr>
-          <p:cNvPr id="10" name="직사각형 9">
-            <a:extLst>
-              <a:ext uri="{FF2B5EF4-FFF2-40B4-BE49-F238E27FC236}">
-                <a16:creationId xmlns:a16="http://schemas.microsoft.com/office/drawing/2014/main" id="{8F2CF009-902B-22DB-732D-56C775AB72EE}"/>
-              </a:ext>
-            </a:extLst>
-          </p:cNvPr>
-          <p:cNvSpPr/>
-          <p:nvPr/>
-        </p:nvSpPr>
-        <p:spPr>
-          <a:xfrm>
-            <a:off x="10241280" y="3444240"/>
-            <a:ext cx="960120" cy="457200"/>
-          </a:xfrm>
-          <a:prstGeom prst="rect">
-            <a:avLst/>
-          </a:prstGeom>
-          <a:noFill/>
-          <a:ln w="76200">
-            <a:solidFill>
-              <a:srgbClr val="0070C0"/>
-            </a:solidFill>
-          </a:ln>
-        </p:spPr>
-        <p:style>
-          <a:lnRef idx="2">
-            <a:schemeClr val="accent1">
-              <a:shade val="15000"/>
-            </a:schemeClr>
-          </a:lnRef>
-          <a:fillRef idx="1">
-            <a:schemeClr val="accent1"/>
-          </a:fillRef>
-          <a:effectRef idx="0">
-            <a:schemeClr val="accent1"/>
-          </a:effectRef>
-          <a:fontRef idx="minor">
-            <a:schemeClr val="lt1"/>
-          </a:fontRef>
-        </p:style>
         <p:txBody>
-          <a:bodyPr rtlCol="0" anchor="ctr"/>
+          <a:bodyPr wrap="square">
+            <a:spAutoFit/>
+          </a:bodyPr>
           <a:lstStyle/>
           <a:p>
-            <a:pPr algn="ctr"/>
-            <a:endParaRPr lang="ko-KR" altLang="en-US"/>
-          </a:p>
-        </p:txBody>
-      </p:sp>
-      <p:sp>
-        <p:nvSpPr>
-          <p:cNvPr id="11" name="직사각형 10">
-            <a:extLst>
-              <a:ext uri="{FF2B5EF4-FFF2-40B4-BE49-F238E27FC236}">
-                <a16:creationId xmlns:a16="http://schemas.microsoft.com/office/drawing/2014/main" id="{AC1D78AB-9407-5E77-4C73-CCF08ADE3066}"/>
-              </a:ext>
-            </a:extLst>
-          </p:cNvPr>
-          <p:cNvSpPr/>
-          <p:nvPr/>
-        </p:nvSpPr>
-        <p:spPr>
-          <a:xfrm>
-            <a:off x="2575560" y="2628022"/>
-            <a:ext cx="929640" cy="511417"/>
-          </a:xfrm>
-          <a:prstGeom prst="rect">
-            <a:avLst/>
-          </a:prstGeom>
-          <a:noFill/>
-          <a:ln w="76200">
-            <a:solidFill>
-              <a:srgbClr val="0070C0"/>
-            </a:solidFill>
-          </a:ln>
-        </p:spPr>
-        <p:style>
-          <a:lnRef idx="2">
-            <a:schemeClr val="accent1">
-              <a:shade val="15000"/>
-            </a:schemeClr>
-          </a:lnRef>
-          <a:fillRef idx="1">
-            <a:schemeClr val="accent1"/>
-          </a:fillRef>
-          <a:effectRef idx="0">
-            <a:schemeClr val="accent1"/>
-          </a:effectRef>
-          <a:fontRef idx="minor">
-            <a:schemeClr val="lt1"/>
-          </a:fontRef>
-        </p:style>
-        <p:txBody>
-          <a:bodyPr rtlCol="0" anchor="ctr"/>
-          <a:lstStyle/>
-          <a:p>
-            <a:pPr algn="ctr"/>
-            <a:endParaRPr lang="ko-KR" altLang="en-US"/>
+            <a:r>
+              <a:rPr lang="en-US" altLang="ko-KR" sz="1400" dirty="0">
+                <a:solidFill>
+                  <a:srgbClr val="FF0000"/>
+                </a:solidFill>
+                <a:latin typeface="Roboto Light" panose="02000000000000000000" pitchFamily="2" charset="0"/>
+                <a:ea typeface="Roboto Light" panose="02000000000000000000" pitchFamily="2" charset="0"/>
+                <a:cs typeface="Roboto Light" panose="02000000000000000000" pitchFamily="2" charset="0"/>
+              </a:rPr>
+              <a:t>[3] </a:t>
+            </a:r>
+            <a:r>
+              <a:rPr lang="en-US" altLang="ko-KR" sz="1400" dirty="0">
+                <a:latin typeface="Roboto Light" panose="02000000000000000000" pitchFamily="2" charset="0"/>
+                <a:ea typeface="Roboto Light" panose="02000000000000000000" pitchFamily="2" charset="0"/>
+                <a:cs typeface="Roboto Light" panose="02000000000000000000" pitchFamily="2" charset="0"/>
+              </a:rPr>
+              <a:t>How a Car Works. (n.d.). How a Fuel Injection System Works. How a Car Works. </a:t>
+            </a:r>
+            <a:r>
+              <a:rPr lang="en-US" altLang="ko-KR" sz="1400" dirty="0">
+                <a:latin typeface="Roboto Light" panose="02000000000000000000" pitchFamily="2" charset="0"/>
+                <a:ea typeface="Roboto Light" panose="02000000000000000000" pitchFamily="2" charset="0"/>
+                <a:cs typeface="Roboto Light" panose="02000000000000000000" pitchFamily="2" charset="0"/>
+                <a:hlinkClick r:id="rId9"/>
+              </a:rPr>
+              <a:t>https://www.howacarworks.com/basics/how-a-fuel-injection-system-works</a:t>
+            </a:r>
+            <a:endParaRPr lang="en-US" altLang="ko-KR" sz="1400" dirty="0">
+              <a:latin typeface="Roboto Light" panose="02000000000000000000" pitchFamily="2" charset="0"/>
+              <a:ea typeface="Roboto Light" panose="02000000000000000000" pitchFamily="2" charset="0"/>
+              <a:cs typeface="Roboto Light" panose="02000000000000000000" pitchFamily="2" charset="0"/>
+            </a:endParaRPr>
           </a:p>
         </p:txBody>
       </p:sp>
@@ -12815,7 +16544,7 @@
 </p:sld>
 </file>
 
-<file path=ppt/slides/slide8.xml><?xml version="1.0" encoding="utf-8"?>
+<file path=ppt/slides/slide9.xml><?xml version="1.0" encoding="utf-8"?>
 <p:sld xmlns:a="http://schemas.openxmlformats.org/drawingml/2006/main" xmlns:r="http://schemas.openxmlformats.org/officeDocument/2006/relationships" xmlns:p="http://schemas.openxmlformats.org/presentationml/2006/main">
   <p:cSld>
     <p:spTree>
@@ -18178,1556 +21907,6 @@
 </p:sld>
 </file>
 
-<file path=ppt/slides/slide9.xml><?xml version="1.0" encoding="utf-8"?>
-<p:sld xmlns:a="http://schemas.openxmlformats.org/drawingml/2006/main" xmlns:r="http://schemas.openxmlformats.org/officeDocument/2006/relationships" xmlns:p="http://schemas.openxmlformats.org/presentationml/2006/main">
-  <p:cSld>
-    <p:spTree>
-      <p:nvGrpSpPr>
-        <p:cNvPr id="1" name=""/>
-        <p:cNvGrpSpPr/>
-        <p:nvPr/>
-      </p:nvGrpSpPr>
-      <p:grpSpPr>
-        <a:xfrm>
-          <a:off x="0" y="0"/>
-          <a:ext cx="0" cy="0"/>
-          <a:chOff x="0" y="0"/>
-          <a:chExt cx="0" cy="0"/>
-        </a:xfrm>
-      </p:grpSpPr>
-      <p:sp>
-        <p:nvSpPr>
-          <p:cNvPr id="26" name="직사각형 25">
-            <a:extLst>
-              <a:ext uri="{FF2B5EF4-FFF2-40B4-BE49-F238E27FC236}">
-                <a16:creationId xmlns:a16="http://schemas.microsoft.com/office/drawing/2014/main" id="{E3760E7B-BDE8-2298-DBFE-BFD7282CED30}"/>
-              </a:ext>
-            </a:extLst>
-          </p:cNvPr>
-          <p:cNvSpPr/>
-          <p:nvPr/>
-        </p:nvSpPr>
-        <p:spPr>
-          <a:xfrm>
-            <a:off x="514075" y="10464855"/>
-            <a:ext cx="16807273" cy="3029076"/>
-          </a:xfrm>
-          <a:prstGeom prst="rect">
-            <a:avLst/>
-          </a:prstGeom>
-          <a:solidFill>
-            <a:schemeClr val="bg1">
-              <a:lumMod val="85000"/>
-            </a:schemeClr>
-          </a:solidFill>
-          <a:ln>
-            <a:noFill/>
-          </a:ln>
-        </p:spPr>
-        <p:style>
-          <a:lnRef idx="2">
-            <a:schemeClr val="accent1">
-              <a:shade val="15000"/>
-            </a:schemeClr>
-          </a:lnRef>
-          <a:fillRef idx="1">
-            <a:schemeClr val="accent1"/>
-          </a:fillRef>
-          <a:effectRef idx="0">
-            <a:schemeClr val="accent1"/>
-          </a:effectRef>
-          <a:fontRef idx="minor">
-            <a:schemeClr val="lt1"/>
-          </a:fontRef>
-        </p:style>
-        <p:txBody>
-          <a:bodyPr rtlCol="0" anchor="ctr"/>
-          <a:lstStyle/>
-          <a:p>
-            <a:pPr algn="ctr"/>
-            <a:endParaRPr lang="ko-KR" altLang="en-US" sz="3200" dirty="0">
-              <a:solidFill>
-                <a:schemeClr val="tx1">
-                  <a:lumMod val="49000"/>
-                </a:schemeClr>
-              </a:solidFill>
-              <a:latin typeface="Roboto Medium"/>
-              <a:ea typeface="맑은 고딕"/>
-              <a:cs typeface="Calibri"/>
-            </a:endParaRPr>
-          </a:p>
-        </p:txBody>
-      </p:sp>
-      <p:sp>
-        <p:nvSpPr>
-          <p:cNvPr id="54" name="직사각형 53">
-            <a:extLst>
-              <a:ext uri="{FF2B5EF4-FFF2-40B4-BE49-F238E27FC236}">
-                <a16:creationId xmlns:a16="http://schemas.microsoft.com/office/drawing/2014/main" id="{3D623B74-174F-3BBA-67E5-69C269B6C758}"/>
-              </a:ext>
-            </a:extLst>
-          </p:cNvPr>
-          <p:cNvSpPr/>
-          <p:nvPr/>
-        </p:nvSpPr>
-        <p:spPr>
-          <a:xfrm>
-            <a:off x="514075" y="3544137"/>
-            <a:ext cx="23547707" cy="879397"/>
-          </a:xfrm>
-          <a:prstGeom prst="rect">
-            <a:avLst/>
-          </a:prstGeom>
-          <a:solidFill>
-            <a:schemeClr val="bg1">
-              <a:lumMod val="85000"/>
-            </a:schemeClr>
-          </a:solidFill>
-          <a:ln>
-            <a:noFill/>
-          </a:ln>
-        </p:spPr>
-        <p:style>
-          <a:lnRef idx="2">
-            <a:schemeClr val="accent1">
-              <a:shade val="15000"/>
-            </a:schemeClr>
-          </a:lnRef>
-          <a:fillRef idx="1">
-            <a:schemeClr val="accent1"/>
-          </a:fillRef>
-          <a:effectRef idx="0">
-            <a:schemeClr val="accent1"/>
-          </a:effectRef>
-          <a:fontRef idx="minor">
-            <a:schemeClr val="lt1"/>
-          </a:fontRef>
-        </p:style>
-        <p:txBody>
-          <a:bodyPr rtlCol="0" anchor="ctr"/>
-          <a:lstStyle/>
-          <a:p>
-            <a:pPr algn="ctr"/>
-            <a:r>
-              <a:rPr lang="en" altLang="ko-KR" sz="3200" dirty="0">
-                <a:solidFill>
-                  <a:schemeClr val="tx1">
-                    <a:lumMod val="49000"/>
-                  </a:schemeClr>
-                </a:solidFill>
-                <a:latin typeface="Roboto Medium"/>
-                <a:ea typeface="+mn-lt"/>
-                <a:cs typeface="+mn-lt"/>
-              </a:rPr>
-              <a:t>Apply the Model to the Open BOSCH Engine Dataset Available on BOSCH’s Official GitHub.</a:t>
-            </a:r>
-            <a:endParaRPr lang="ko-KR" altLang="en-US" sz="3200" dirty="0">
-              <a:solidFill>
-                <a:schemeClr val="tx1">
-                  <a:lumMod val="49000"/>
-                </a:schemeClr>
-              </a:solidFill>
-              <a:latin typeface="Roboto Medium"/>
-              <a:ea typeface="맑은 고딕"/>
-              <a:cs typeface="Calibri"/>
-            </a:endParaRPr>
-          </a:p>
-        </p:txBody>
-      </p:sp>
-      <p:sp>
-        <p:nvSpPr>
-          <p:cNvPr id="55" name="직사각형 54">
-            <a:extLst>
-              <a:ext uri="{FF2B5EF4-FFF2-40B4-BE49-F238E27FC236}">
-                <a16:creationId xmlns:a16="http://schemas.microsoft.com/office/drawing/2014/main" id="{C4BBA3A8-F50A-3388-8B72-D4521CB4FD2A}"/>
-              </a:ext>
-            </a:extLst>
-          </p:cNvPr>
-          <p:cNvSpPr/>
-          <p:nvPr/>
-        </p:nvSpPr>
-        <p:spPr>
-          <a:xfrm>
-            <a:off x="514075" y="3080992"/>
-            <a:ext cx="5285833" cy="567933"/>
-          </a:xfrm>
-          <a:prstGeom prst="rect">
-            <a:avLst/>
-          </a:prstGeom>
-          <a:solidFill>
-            <a:schemeClr val="tx2">
-              <a:lumMod val="75000"/>
-            </a:schemeClr>
-          </a:solidFill>
-          <a:ln>
-            <a:noFill/>
-          </a:ln>
-        </p:spPr>
-        <p:style>
-          <a:lnRef idx="2">
-            <a:schemeClr val="accent1">
-              <a:shade val="15000"/>
-            </a:schemeClr>
-          </a:lnRef>
-          <a:fillRef idx="1">
-            <a:schemeClr val="accent1"/>
-          </a:fillRef>
-          <a:effectRef idx="0">
-            <a:schemeClr val="accent1"/>
-          </a:effectRef>
-          <a:fontRef idx="minor">
-            <a:schemeClr val="lt1"/>
-          </a:fontRef>
-        </p:style>
-        <p:txBody>
-          <a:bodyPr rtlCol="0" anchor="ctr"/>
-          <a:lstStyle/>
-          <a:p>
-            <a:pPr algn="ctr"/>
-            <a:r>
-              <a:rPr lang="en-US" altLang="ko-KR" b="1" dirty="0">
-                <a:solidFill>
-                  <a:schemeClr val="bg2"/>
-                </a:solidFill>
-              </a:rPr>
-              <a:t>Further Study</a:t>
-            </a:r>
-          </a:p>
-        </p:txBody>
-      </p:sp>
-      <p:grpSp>
-        <p:nvGrpSpPr>
-          <p:cNvPr id="2" name="Group 1">
-            <a:extLst>
-              <a:ext uri="{FF2B5EF4-FFF2-40B4-BE49-F238E27FC236}">
-                <a16:creationId xmlns:a16="http://schemas.microsoft.com/office/drawing/2014/main" id="{C0BF1A7A-A15F-FD4C-8252-65717C7A3CC2}"/>
-              </a:ext>
-            </a:extLst>
-          </p:cNvPr>
-          <p:cNvGrpSpPr/>
-          <p:nvPr/>
-        </p:nvGrpSpPr>
-        <p:grpSpPr>
-          <a:xfrm>
-            <a:off x="5319196" y="1173093"/>
-            <a:ext cx="13739256" cy="1737224"/>
-            <a:chOff x="5999506" y="1464039"/>
-            <a:chExt cx="13739256" cy="1737224"/>
-          </a:xfrm>
-        </p:grpSpPr>
-        <p:grpSp>
-          <p:nvGrpSpPr>
-            <p:cNvPr id="5" name="Group 4">
-              <a:extLst>
-                <a:ext uri="{FF2B5EF4-FFF2-40B4-BE49-F238E27FC236}">
-                  <a16:creationId xmlns:a16="http://schemas.microsoft.com/office/drawing/2014/main" id="{1D7663F8-D89B-B14D-BF2F-7C06FB5CBC8A}"/>
-                </a:ext>
-              </a:extLst>
-            </p:cNvPr>
-            <p:cNvGrpSpPr/>
-            <p:nvPr/>
-          </p:nvGrpSpPr>
-          <p:grpSpPr>
-            <a:xfrm>
-              <a:off x="5999506" y="1764672"/>
-              <a:ext cx="13739256" cy="1436591"/>
-              <a:chOff x="11845134" y="1362280"/>
-              <a:chExt cx="13739256" cy="1436591"/>
-            </a:xfrm>
-          </p:grpSpPr>
-          <p:sp>
-            <p:nvSpPr>
-              <p:cNvPr id="34" name="TextBox 33">
-                <a:extLst>
-                  <a:ext uri="{FF2B5EF4-FFF2-40B4-BE49-F238E27FC236}">
-                    <a16:creationId xmlns:a16="http://schemas.microsoft.com/office/drawing/2014/main" id="{67A26E92-709E-CA4E-BED9-5F0D8B260180}"/>
-                  </a:ext>
-                </a:extLst>
-              </p:cNvPr>
-              <p:cNvSpPr txBox="1"/>
-              <p:nvPr/>
-            </p:nvSpPr>
-            <p:spPr>
-              <a:xfrm>
-                <a:off x="11845134" y="1362280"/>
-                <a:ext cx="13739256" cy="1015663"/>
-              </a:xfrm>
-              <a:prstGeom prst="rect">
-                <a:avLst/>
-              </a:prstGeom>
-              <a:noFill/>
-              <a:ln>
-                <a:noFill/>
-              </a:ln>
-            </p:spPr>
-            <p:txBody>
-              <a:bodyPr wrap="square" lIns="91440" tIns="45720" rIns="91440" bIns="45720" rtlCol="0" anchor="t">
-                <a:spAutoFit/>
-              </a:bodyPr>
-              <a:lstStyle/>
-              <a:p>
-                <a:pPr algn="ctr"/>
-                <a:r>
-                  <a:rPr lang="en-US" sz="6000" b="1" dirty="0">
-                    <a:solidFill>
-                      <a:schemeClr val="tx2"/>
-                    </a:solidFill>
-                    <a:latin typeface="Roboto"/>
-                    <a:ea typeface="Roboto"/>
-                    <a:cs typeface="Lato Light"/>
-                  </a:rPr>
-                  <a:t>ADDITIONAL RESEARCH</a:t>
-                </a:r>
-              </a:p>
-            </p:txBody>
-          </p:sp>
-          <p:sp>
-            <p:nvSpPr>
-              <p:cNvPr id="37" name="TextBox 36">
-                <a:extLst>
-                  <a:ext uri="{FF2B5EF4-FFF2-40B4-BE49-F238E27FC236}">
-                    <a16:creationId xmlns:a16="http://schemas.microsoft.com/office/drawing/2014/main" id="{35BE922F-CFB5-2444-941C-433304D6246E}"/>
-                  </a:ext>
-                </a:extLst>
-              </p:cNvPr>
-              <p:cNvSpPr txBox="1"/>
-              <p:nvPr/>
-            </p:nvSpPr>
-            <p:spPr>
-              <a:xfrm>
-                <a:off x="16900806" y="2398761"/>
-                <a:ext cx="3627917" cy="400110"/>
-              </a:xfrm>
-              <a:prstGeom prst="rect">
-                <a:avLst/>
-              </a:prstGeom>
-              <a:noFill/>
-            </p:spPr>
-            <p:txBody>
-              <a:bodyPr wrap="none" lIns="91440" tIns="45720" rIns="91440" bIns="45720" rtlCol="0" anchor="t">
-                <a:spAutoFit/>
-              </a:bodyPr>
-              <a:lstStyle/>
-              <a:p>
-                <a:pPr algn="ctr"/>
-                <a:r>
-                  <a:rPr lang="en-US" sz="2000" spc="300">
-                    <a:latin typeface="Roboto"/>
-                    <a:ea typeface="Roboto"/>
-                    <a:cs typeface="Lato"/>
-                  </a:rPr>
-                  <a:t>Engine Fault Diagnosis</a:t>
-                </a:r>
-              </a:p>
-            </p:txBody>
-          </p:sp>
-        </p:grpSp>
-        <p:sp>
-          <p:nvSpPr>
-            <p:cNvPr id="6" name="Rectangle 5">
-              <a:extLst>
-                <a:ext uri="{FF2B5EF4-FFF2-40B4-BE49-F238E27FC236}">
-                  <a16:creationId xmlns:a16="http://schemas.microsoft.com/office/drawing/2014/main" id="{AC62DBA4-6A1B-B746-845A-D4D2131440B5}"/>
-                </a:ext>
-              </a:extLst>
-            </p:cNvPr>
-            <p:cNvSpPr/>
-            <p:nvPr/>
-          </p:nvSpPr>
-          <p:spPr>
-            <a:xfrm>
-              <a:off x="12536825" y="1464039"/>
-              <a:ext cx="664618" cy="76974"/>
-            </a:xfrm>
-            <a:prstGeom prst="rect">
-              <a:avLst/>
-            </a:prstGeom>
-            <a:solidFill>
-              <a:schemeClr val="accent5"/>
-            </a:solidFill>
-            <a:ln>
-              <a:noFill/>
-            </a:ln>
-          </p:spPr>
-          <p:style>
-            <a:lnRef idx="2">
-              <a:schemeClr val="accent1">
-                <a:shade val="50000"/>
-              </a:schemeClr>
-            </a:lnRef>
-            <a:fillRef idx="1">
-              <a:schemeClr val="accent1"/>
-            </a:fillRef>
-            <a:effectRef idx="0">
-              <a:schemeClr val="accent1"/>
-            </a:effectRef>
-            <a:fontRef idx="minor">
-              <a:schemeClr val="lt1"/>
-            </a:fontRef>
-          </p:style>
-          <p:txBody>
-            <a:bodyPr rtlCol="0" anchor="ctr"/>
-            <a:lstStyle/>
-            <a:p>
-              <a:pPr algn="ctr"/>
-              <a:endParaRPr lang="en-US"/>
-            </a:p>
-          </p:txBody>
-        </p:sp>
-      </p:grpSp>
-      <p:grpSp>
-        <p:nvGrpSpPr>
-          <p:cNvPr id="25" name="그룹 24">
-            <a:extLst>
-              <a:ext uri="{FF2B5EF4-FFF2-40B4-BE49-F238E27FC236}">
-                <a16:creationId xmlns:a16="http://schemas.microsoft.com/office/drawing/2014/main" id="{8E413EE7-6BA1-CD44-696A-4473A463C28F}"/>
-              </a:ext>
-            </a:extLst>
-          </p:cNvPr>
-          <p:cNvGrpSpPr/>
-          <p:nvPr/>
-        </p:nvGrpSpPr>
-        <p:grpSpPr>
-          <a:xfrm>
-            <a:off x="514075" y="4703673"/>
-            <a:ext cx="23547708" cy="5141609"/>
-            <a:chOff x="514074" y="5243362"/>
-            <a:chExt cx="23547708" cy="5141609"/>
-          </a:xfrm>
-        </p:grpSpPr>
-        <p:sp>
-          <p:nvSpPr>
-            <p:cNvPr id="4" name="직사각형 3">
-              <a:extLst>
-                <a:ext uri="{FF2B5EF4-FFF2-40B4-BE49-F238E27FC236}">
-                  <a16:creationId xmlns:a16="http://schemas.microsoft.com/office/drawing/2014/main" id="{D5795783-7E35-B03A-8DB3-2BEDC8258A2A}"/>
-                </a:ext>
-              </a:extLst>
-            </p:cNvPr>
-            <p:cNvSpPr/>
-            <p:nvPr/>
-          </p:nvSpPr>
-          <p:spPr>
-            <a:xfrm>
-              <a:off x="514075" y="5575089"/>
-              <a:ext cx="23547707" cy="4809882"/>
-            </a:xfrm>
-            <a:prstGeom prst="rect">
-              <a:avLst/>
-            </a:prstGeom>
-            <a:solidFill>
-              <a:schemeClr val="bg1">
-                <a:lumMod val="85000"/>
-              </a:schemeClr>
-            </a:solidFill>
-            <a:ln>
-              <a:noFill/>
-            </a:ln>
-          </p:spPr>
-          <p:style>
-            <a:lnRef idx="2">
-              <a:schemeClr val="accent1">
-                <a:shade val="15000"/>
-              </a:schemeClr>
-            </a:lnRef>
-            <a:fillRef idx="1">
-              <a:schemeClr val="accent1"/>
-            </a:fillRef>
-            <a:effectRef idx="0">
-              <a:schemeClr val="accent1"/>
-            </a:effectRef>
-            <a:fontRef idx="minor">
-              <a:schemeClr val="lt1"/>
-            </a:fontRef>
-          </p:style>
-          <p:txBody>
-            <a:bodyPr rtlCol="0" anchor="ctr"/>
-            <a:lstStyle/>
-            <a:p>
-              <a:pPr algn="ctr"/>
-              <a:endParaRPr lang="ko-KR" altLang="en-US" dirty="0">
-                <a:solidFill>
-                  <a:schemeClr val="tx1">
-                    <a:lumMod val="49000"/>
-                  </a:schemeClr>
-                </a:solidFill>
-                <a:latin typeface="Roboto Medium"/>
-                <a:ea typeface="맑은 고딕"/>
-                <a:cs typeface="Calibri"/>
-              </a:endParaRPr>
-            </a:p>
-          </p:txBody>
-        </p:sp>
-        <p:sp>
-          <p:nvSpPr>
-            <p:cNvPr id="7" name="직사각형 6">
-              <a:extLst>
-                <a:ext uri="{FF2B5EF4-FFF2-40B4-BE49-F238E27FC236}">
-                  <a16:creationId xmlns:a16="http://schemas.microsoft.com/office/drawing/2014/main" id="{92ECDCEF-E82C-A4FE-3198-B12786E5E249}"/>
-                </a:ext>
-              </a:extLst>
-            </p:cNvPr>
-            <p:cNvSpPr/>
-            <p:nvPr/>
-          </p:nvSpPr>
-          <p:spPr>
-            <a:xfrm>
-              <a:off x="514074" y="5243362"/>
-              <a:ext cx="5285833" cy="567933"/>
-            </a:xfrm>
-            <a:prstGeom prst="rect">
-              <a:avLst/>
-            </a:prstGeom>
-            <a:solidFill>
-              <a:schemeClr val="tx2">
-                <a:lumMod val="75000"/>
-              </a:schemeClr>
-            </a:solidFill>
-            <a:ln>
-              <a:noFill/>
-            </a:ln>
-          </p:spPr>
-          <p:style>
-            <a:lnRef idx="2">
-              <a:schemeClr val="accent1">
-                <a:shade val="15000"/>
-              </a:schemeClr>
-            </a:lnRef>
-            <a:fillRef idx="1">
-              <a:schemeClr val="accent1"/>
-            </a:fillRef>
-            <a:effectRef idx="0">
-              <a:schemeClr val="accent1"/>
-            </a:effectRef>
-            <a:fontRef idx="minor">
-              <a:schemeClr val="lt1"/>
-            </a:fontRef>
-          </p:style>
-          <p:txBody>
-            <a:bodyPr rtlCol="0" anchor="ctr"/>
-            <a:lstStyle/>
-            <a:p>
-              <a:pPr algn="ctr"/>
-              <a:r>
-                <a:rPr lang="en-US" altLang="ko-KR" b="1" dirty="0">
-                  <a:solidFill>
-                    <a:schemeClr val="bg2"/>
-                  </a:solidFill>
-                </a:rPr>
-                <a:t>Datasets Information</a:t>
-              </a:r>
-            </a:p>
-          </p:txBody>
-        </p:sp>
-        <p:pic>
-          <p:nvPicPr>
-            <p:cNvPr id="9" name="그림 8">
-              <a:extLst>
-                <a:ext uri="{FF2B5EF4-FFF2-40B4-BE49-F238E27FC236}">
-                  <a16:creationId xmlns:a16="http://schemas.microsoft.com/office/drawing/2014/main" id="{B9C25965-08DF-5888-4A13-50083A8E6C82}"/>
-                </a:ext>
-              </a:extLst>
-            </p:cNvPr>
-            <p:cNvPicPr>
-              <a:picLocks noChangeAspect="1"/>
-            </p:cNvPicPr>
-            <p:nvPr/>
-          </p:nvPicPr>
-          <p:blipFill>
-            <a:blip r:embed="rId3"/>
-            <a:stretch>
-              <a:fillRect/>
-            </a:stretch>
-          </p:blipFill>
-          <p:spPr>
-            <a:xfrm>
-              <a:off x="2934925" y="5986258"/>
-              <a:ext cx="8783051" cy="3830703"/>
-            </a:xfrm>
-            <a:prstGeom prst="rect">
-              <a:avLst/>
-            </a:prstGeom>
-          </p:spPr>
-        </p:pic>
-        <p:sp>
-          <p:nvSpPr>
-            <p:cNvPr id="10" name="TextBox 9">
-              <a:extLst>
-                <a:ext uri="{FF2B5EF4-FFF2-40B4-BE49-F238E27FC236}">
-                  <a16:creationId xmlns:a16="http://schemas.microsoft.com/office/drawing/2014/main" id="{549D0DB9-0186-66B9-FC1F-F8052203D381}"/>
-                </a:ext>
-              </a:extLst>
-            </p:cNvPr>
-            <p:cNvSpPr txBox="1"/>
-            <p:nvPr/>
-          </p:nvSpPr>
-          <p:spPr>
-            <a:xfrm>
-              <a:off x="12188824" y="5856371"/>
-              <a:ext cx="11499874" cy="4247317"/>
-            </a:xfrm>
-            <a:prstGeom prst="rect">
-              <a:avLst/>
-            </a:prstGeom>
-            <a:noFill/>
-          </p:spPr>
-          <p:txBody>
-            <a:bodyPr wrap="square" rtlCol="0">
-              <a:spAutoFit/>
-            </a:bodyPr>
-            <a:lstStyle/>
-            <a:p>
-              <a:r>
-                <a:rPr lang="en-US" altLang="ko-KR" sz="2800" dirty="0">
-                  <a:solidFill>
-                    <a:schemeClr val="tx2"/>
-                  </a:solidFill>
-                  <a:latin typeface="Roboto Medium" panose="02000000000000000000" pitchFamily="2" charset="0"/>
-                  <a:ea typeface="Roboto Medium" panose="02000000000000000000" pitchFamily="2" charset="0"/>
-                  <a:cs typeface="Roboto Medium" panose="02000000000000000000" pitchFamily="2" charset="0"/>
-                </a:rPr>
-                <a:t>Datasets #</a:t>
-              </a:r>
-            </a:p>
-            <a:p>
-              <a:endParaRPr lang="en-US" altLang="ko-KR" sz="1000" dirty="0">
-                <a:solidFill>
-                  <a:schemeClr val="tx2"/>
-                </a:solidFill>
-                <a:latin typeface="Roboto Medium" panose="02000000000000000000" pitchFamily="2" charset="0"/>
-                <a:ea typeface="Roboto Medium" panose="02000000000000000000" pitchFamily="2" charset="0"/>
-                <a:cs typeface="Roboto Medium" panose="02000000000000000000" pitchFamily="2" charset="0"/>
-              </a:endParaRPr>
-            </a:p>
-            <a:p>
-              <a:r>
-                <a:rPr lang="en-US" altLang="ko-KR" sz="2400" dirty="0">
-                  <a:solidFill>
-                    <a:schemeClr val="tx2"/>
-                  </a:solidFill>
-                  <a:latin typeface="Roboto Medium" panose="02000000000000000000" pitchFamily="2" charset="0"/>
-                  <a:ea typeface="Roboto Medium" panose="02000000000000000000" pitchFamily="2" charset="0"/>
-                  <a:cs typeface="Roboto Medium" panose="02000000000000000000" pitchFamily="2" charset="0"/>
-                </a:rPr>
-                <a:t>#1.   </a:t>
-              </a:r>
-              <a:r>
-                <a:rPr lang="en-US" altLang="ko-KR" sz="2400" dirty="0" err="1">
-                  <a:solidFill>
-                    <a:schemeClr val="tx2"/>
-                  </a:solidFill>
-                  <a:latin typeface="Roboto Medium" panose="02000000000000000000" pitchFamily="2" charset="0"/>
-                  <a:ea typeface="Roboto Medium" panose="02000000000000000000" pitchFamily="2" charset="0"/>
-                  <a:cs typeface="Roboto Medium" panose="02000000000000000000" pitchFamily="2" charset="0"/>
-                </a:rPr>
-                <a:t>gengine</a:t>
-              </a:r>
-              <a:r>
-                <a:rPr lang="en-US" altLang="ko-KR" sz="2400" dirty="0">
-                  <a:solidFill>
-                    <a:schemeClr val="tx2"/>
-                  </a:solidFill>
-                  <a:latin typeface="Roboto Medium" panose="02000000000000000000" pitchFamily="2" charset="0"/>
-                  <a:ea typeface="Roboto Medium" panose="02000000000000000000" pitchFamily="2" charset="0"/>
-                  <a:cs typeface="Roboto Medium" panose="02000000000000000000" pitchFamily="2" charset="0"/>
-                </a:rPr>
-                <a:t> 1</a:t>
-              </a:r>
-            </a:p>
-            <a:p>
-              <a:pPr marL="1257117" lvl="1" indent="-342900">
-                <a:buFontTx/>
-                <a:buChar char="-"/>
-              </a:pPr>
-              <a:r>
-                <a:rPr lang="en-US" altLang="ko-KR" sz="2000" dirty="0">
-                  <a:solidFill>
-                    <a:schemeClr val="tx2">
-                      <a:lumMod val="75000"/>
-                    </a:schemeClr>
-                  </a:solidFill>
-                  <a:latin typeface="Roboto Light" panose="02000000000000000000" pitchFamily="2" charset="0"/>
-                  <a:ea typeface="Roboto Light" panose="02000000000000000000" pitchFamily="2" charset="0"/>
-                  <a:cs typeface="Roboto Light" panose="02000000000000000000" pitchFamily="2" charset="0"/>
-                </a:rPr>
-                <a:t>Speed, Load, Lambda, Ignition Angle, Fuel cutoff, CO, CO2, HC, NOx, O2, Temperature(Manifold), Temperature (Catalyst)</a:t>
-              </a:r>
-            </a:p>
-            <a:p>
-              <a:pPr marL="1257117" lvl="1" indent="-342900">
-                <a:buFontTx/>
-                <a:buChar char="-"/>
-              </a:pPr>
-              <a:endParaRPr lang="en-US" altLang="ko-KR" sz="2000" dirty="0">
-                <a:solidFill>
-                  <a:schemeClr val="tx2">
-                    <a:lumMod val="75000"/>
-                  </a:schemeClr>
-                </a:solidFill>
-                <a:latin typeface="Roboto Light" panose="02000000000000000000" pitchFamily="2" charset="0"/>
-                <a:ea typeface="Roboto Light" panose="02000000000000000000" pitchFamily="2" charset="0"/>
-                <a:cs typeface="Roboto Light" panose="02000000000000000000" pitchFamily="2" charset="0"/>
-              </a:endParaRPr>
-            </a:p>
-            <a:p>
-              <a:r>
-                <a:rPr lang="en-US" altLang="ko-KR" sz="2400" dirty="0">
-                  <a:solidFill>
-                    <a:schemeClr val="tx2"/>
-                  </a:solidFill>
-                  <a:latin typeface="Roboto Medium" panose="02000000000000000000" pitchFamily="2" charset="0"/>
-                  <a:ea typeface="Roboto Medium" panose="02000000000000000000" pitchFamily="2" charset="0"/>
-                  <a:cs typeface="Roboto Medium" panose="02000000000000000000" pitchFamily="2" charset="0"/>
-                </a:rPr>
-                <a:t>#2.   </a:t>
-              </a:r>
-              <a:r>
-                <a:rPr lang="en-US" altLang="ko-KR" sz="2400" dirty="0" err="1">
-                  <a:solidFill>
-                    <a:schemeClr val="tx2"/>
-                  </a:solidFill>
-                  <a:latin typeface="Roboto Medium" panose="02000000000000000000" pitchFamily="2" charset="0"/>
-                  <a:ea typeface="Roboto Medium" panose="02000000000000000000" pitchFamily="2" charset="0"/>
-                  <a:cs typeface="Roboto Medium" panose="02000000000000000000" pitchFamily="2" charset="0"/>
-                </a:rPr>
-                <a:t>gengine</a:t>
-              </a:r>
-              <a:r>
-                <a:rPr lang="en-US" altLang="ko-KR" sz="2400" dirty="0">
-                  <a:solidFill>
-                    <a:schemeClr val="tx2"/>
-                  </a:solidFill>
-                  <a:latin typeface="Roboto Medium" panose="02000000000000000000" pitchFamily="2" charset="0"/>
-                  <a:ea typeface="Roboto Medium" panose="02000000000000000000" pitchFamily="2" charset="0"/>
-                  <a:cs typeface="Roboto Medium" panose="02000000000000000000" pitchFamily="2" charset="0"/>
-                </a:rPr>
-                <a:t> 2</a:t>
-              </a:r>
-            </a:p>
-            <a:p>
-              <a:pPr marL="1257117" lvl="1" indent="-342900">
-                <a:buFontTx/>
-                <a:buChar char="-"/>
-              </a:pPr>
-              <a:r>
-                <a:rPr lang="en-US" altLang="ko-KR" sz="2000" dirty="0">
-                  <a:solidFill>
-                    <a:schemeClr val="tx2">
-                      <a:lumMod val="75000"/>
-                    </a:schemeClr>
-                  </a:solidFill>
-                  <a:latin typeface="Roboto Light" panose="02000000000000000000" pitchFamily="2" charset="0"/>
-                  <a:ea typeface="Roboto Light" panose="02000000000000000000" pitchFamily="2" charset="0"/>
-                  <a:cs typeface="Roboto Light" panose="02000000000000000000" pitchFamily="2" charset="0"/>
-                </a:rPr>
-                <a:t>Speed, Load, Lambda, Ignition Angle, HC, NOx, O2, Temperature(Manifold), Temperature (Catalyst)</a:t>
-              </a:r>
-            </a:p>
-            <a:p>
-              <a:pPr marL="1257117" lvl="1" indent="-342900">
-                <a:buFontTx/>
-                <a:buChar char="-"/>
-              </a:pPr>
-              <a:endParaRPr lang="en-US" altLang="ko-KR" sz="2000" dirty="0">
-                <a:solidFill>
-                  <a:schemeClr val="tx2">
-                    <a:lumMod val="75000"/>
-                  </a:schemeClr>
-                </a:solidFill>
-                <a:latin typeface="Roboto Light" panose="02000000000000000000" pitchFamily="2" charset="0"/>
-                <a:ea typeface="Roboto Light" panose="02000000000000000000" pitchFamily="2" charset="0"/>
-                <a:cs typeface="Roboto Light" panose="02000000000000000000" pitchFamily="2" charset="0"/>
-              </a:endParaRPr>
-            </a:p>
-            <a:p>
-              <a:r>
-                <a:rPr lang="en-US" altLang="ko-KR" sz="2400" dirty="0">
-                  <a:solidFill>
-                    <a:schemeClr val="tx2"/>
-                  </a:solidFill>
-                  <a:latin typeface="Roboto Medium" panose="02000000000000000000" pitchFamily="2" charset="0"/>
-                  <a:ea typeface="Roboto Medium" panose="02000000000000000000" pitchFamily="2" charset="0"/>
-                  <a:cs typeface="Roboto Medium" panose="02000000000000000000" pitchFamily="2" charset="0"/>
-                </a:rPr>
-                <a:t>#3.   </a:t>
-              </a:r>
-              <a:r>
-                <a:rPr lang="en-US" altLang="ko-KR" sz="2400" dirty="0" err="1">
-                  <a:solidFill>
-                    <a:schemeClr val="tx2"/>
-                  </a:solidFill>
-                  <a:latin typeface="Roboto Medium" panose="02000000000000000000" pitchFamily="2" charset="0"/>
-                  <a:ea typeface="Roboto Medium" panose="02000000000000000000" pitchFamily="2" charset="0"/>
-                  <a:cs typeface="Roboto Medium" panose="02000000000000000000" pitchFamily="2" charset="0"/>
-                </a:rPr>
-                <a:t>pengines</a:t>
-              </a:r>
-              <a:endParaRPr lang="en-US" altLang="ko-KR" sz="2400" dirty="0">
-                <a:solidFill>
-                  <a:schemeClr val="tx2"/>
-                </a:solidFill>
-                <a:latin typeface="Roboto Medium" panose="02000000000000000000" pitchFamily="2" charset="0"/>
-                <a:ea typeface="Roboto Medium" panose="02000000000000000000" pitchFamily="2" charset="0"/>
-                <a:cs typeface="Roboto Medium" panose="02000000000000000000" pitchFamily="2" charset="0"/>
-              </a:endParaRPr>
-            </a:p>
-            <a:p>
-              <a:pPr marL="1257117" lvl="1" indent="-342900">
-                <a:buFontTx/>
-                <a:buChar char="-"/>
-              </a:pPr>
-              <a:r>
-                <a:rPr lang="en-US" altLang="ko-KR" sz="2000" dirty="0">
-                  <a:solidFill>
-                    <a:schemeClr val="tx2">
-                      <a:lumMod val="75000"/>
-                    </a:schemeClr>
-                  </a:solidFill>
-                  <a:latin typeface="Roboto Light" panose="02000000000000000000" pitchFamily="2" charset="0"/>
-                  <a:ea typeface="Roboto Light" panose="02000000000000000000" pitchFamily="2" charset="0"/>
-                  <a:cs typeface="Roboto Light" panose="02000000000000000000" pitchFamily="2" charset="0"/>
-                </a:rPr>
-                <a:t>engine speed, engine load, intake valve opening, air fuel ratio, specific fuel consumption, temperature exhaust manifold, temperature (Catalyst), cylinder pressure, HC, NOx </a:t>
-              </a:r>
-            </a:p>
-          </p:txBody>
-        </p:sp>
-        <p:pic>
-          <p:nvPicPr>
-            <p:cNvPr id="22" name="그림 21">
-              <a:extLst>
-                <a:ext uri="{FF2B5EF4-FFF2-40B4-BE49-F238E27FC236}">
-                  <a16:creationId xmlns:a16="http://schemas.microsoft.com/office/drawing/2014/main" id="{266EB255-BC78-2BA7-6A86-79C5B80A59AF}"/>
-                </a:ext>
-              </a:extLst>
-            </p:cNvPr>
-            <p:cNvPicPr>
-              <a:picLocks noChangeAspect="1"/>
-            </p:cNvPicPr>
-            <p:nvPr/>
-          </p:nvPicPr>
-          <p:blipFill>
-            <a:blip r:embed="rId4"/>
-            <a:stretch>
-              <a:fillRect/>
-            </a:stretch>
-          </p:blipFill>
-          <p:spPr>
-            <a:xfrm>
-              <a:off x="688952" y="5981545"/>
-              <a:ext cx="2071096" cy="1923161"/>
-            </a:xfrm>
-            <a:prstGeom prst="rect">
-              <a:avLst/>
-            </a:prstGeom>
-          </p:spPr>
-        </p:pic>
-      </p:grpSp>
-      <p:pic>
-        <p:nvPicPr>
-          <p:cNvPr id="24" name="그림 23">
-            <a:extLst>
-              <a:ext uri="{FF2B5EF4-FFF2-40B4-BE49-F238E27FC236}">
-                <a16:creationId xmlns:a16="http://schemas.microsoft.com/office/drawing/2014/main" id="{002EAAB7-ADF6-A955-19DD-84E510DF6828}"/>
-              </a:ext>
-            </a:extLst>
-          </p:cNvPr>
-          <p:cNvPicPr>
-            <a:picLocks noChangeAspect="1"/>
-          </p:cNvPicPr>
-          <p:nvPr/>
-        </p:nvPicPr>
-        <p:blipFill>
-          <a:blip r:embed="rId5"/>
-          <a:stretch>
-            <a:fillRect/>
-          </a:stretch>
-        </p:blipFill>
-        <p:spPr>
-          <a:xfrm>
-            <a:off x="851188" y="11119545"/>
-            <a:ext cx="5771681" cy="1824483"/>
-          </a:xfrm>
-          <a:prstGeom prst="rect">
-            <a:avLst/>
-          </a:prstGeom>
-        </p:spPr>
-      </p:pic>
-      <p:sp>
-        <p:nvSpPr>
-          <p:cNvPr id="27" name="직사각형 26">
-            <a:extLst>
-              <a:ext uri="{FF2B5EF4-FFF2-40B4-BE49-F238E27FC236}">
-                <a16:creationId xmlns:a16="http://schemas.microsoft.com/office/drawing/2014/main" id="{65B985CA-7EC7-33EB-B66F-9C154949076D}"/>
-              </a:ext>
-            </a:extLst>
-          </p:cNvPr>
-          <p:cNvSpPr/>
-          <p:nvPr/>
-        </p:nvSpPr>
-        <p:spPr>
-          <a:xfrm>
-            <a:off x="514075" y="10001710"/>
-            <a:ext cx="5285833" cy="567933"/>
-          </a:xfrm>
-          <a:prstGeom prst="rect">
-            <a:avLst/>
-          </a:prstGeom>
-          <a:solidFill>
-            <a:schemeClr val="tx2">
-              <a:lumMod val="75000"/>
-            </a:schemeClr>
-          </a:solidFill>
-          <a:ln>
-            <a:noFill/>
-          </a:ln>
-        </p:spPr>
-        <p:style>
-          <a:lnRef idx="2">
-            <a:schemeClr val="accent1">
-              <a:shade val="15000"/>
-            </a:schemeClr>
-          </a:lnRef>
-          <a:fillRef idx="1">
-            <a:schemeClr val="accent1"/>
-          </a:fillRef>
-          <a:effectRef idx="0">
-            <a:schemeClr val="accent1"/>
-          </a:effectRef>
-          <a:fontRef idx="minor">
-            <a:schemeClr val="lt1"/>
-          </a:fontRef>
-        </p:style>
-        <p:txBody>
-          <a:bodyPr rtlCol="0" anchor="ctr"/>
-          <a:lstStyle/>
-          <a:p>
-            <a:pPr algn="ctr"/>
-            <a:r>
-              <a:rPr lang="en-US" altLang="ko-KR" b="1" dirty="0">
-                <a:solidFill>
-                  <a:schemeClr val="bg2"/>
-                </a:solidFill>
-              </a:rPr>
-              <a:t>Related Survey/Research</a:t>
-            </a:r>
-          </a:p>
-        </p:txBody>
-      </p:sp>
-      <mc:AlternateContent xmlns:mc="http://schemas.openxmlformats.org/markup-compatibility/2006" xmlns:a14="http://schemas.microsoft.com/office/drawing/2010/main">
-        <mc:Choice Requires="a14">
-          <p:sp>
-            <p:nvSpPr>
-              <p:cNvPr id="28" name="TextBox 27">
-                <a:extLst>
-                  <a:ext uri="{FF2B5EF4-FFF2-40B4-BE49-F238E27FC236}">
-                    <a16:creationId xmlns:a16="http://schemas.microsoft.com/office/drawing/2014/main" id="{EF79E1B4-5657-E74E-AABA-6C183DBD08AA}"/>
-                  </a:ext>
-                </a:extLst>
-              </p:cNvPr>
-              <p:cNvSpPr txBox="1"/>
-              <p:nvPr/>
-            </p:nvSpPr>
-            <p:spPr>
-              <a:xfrm>
-                <a:off x="7100373" y="10470210"/>
-                <a:ext cx="10220975" cy="2939266"/>
-              </a:xfrm>
-              <a:prstGeom prst="rect">
-                <a:avLst/>
-              </a:prstGeom>
-              <a:noFill/>
-            </p:spPr>
-            <p:txBody>
-              <a:bodyPr wrap="square" rtlCol="0">
-                <a:spAutoFit/>
-              </a:bodyPr>
-              <a:lstStyle/>
-              <a:p>
-                <a:pPr marL="342900" indent="-342900">
-                  <a:lnSpc>
-                    <a:spcPct val="200000"/>
-                  </a:lnSpc>
-                  <a:buFont typeface="Wingdings" panose="05000000000000000000" pitchFamily="2" charset="2"/>
-                  <a:buChar char="v"/>
-                </a:pPr>
-                <a:r>
-                  <a:rPr lang="en-US" altLang="ko-KR" sz="2400" dirty="0">
-                    <a:solidFill>
-                      <a:schemeClr val="tx2">
-                        <a:lumMod val="75000"/>
-                      </a:schemeClr>
-                    </a:solidFill>
-                    <a:latin typeface="Roboto Medium" panose="02000000000000000000" pitchFamily="2" charset="0"/>
-                    <a:ea typeface="Roboto Medium" panose="02000000000000000000" pitchFamily="2" charset="0"/>
-                    <a:cs typeface="Roboto Medium" panose="02000000000000000000" pitchFamily="2" charset="0"/>
-                  </a:rPr>
-                  <a:t>Uses “Multiple Output Gaussian Process” (Safe Active Learning)</a:t>
-                </a:r>
-              </a:p>
-              <a:p>
-                <a:pPr marL="342900" indent="-342900">
-                  <a:lnSpc>
-                    <a:spcPct val="200000"/>
-                  </a:lnSpc>
-                  <a:buFont typeface="Wingdings" panose="05000000000000000000" pitchFamily="2" charset="2"/>
-                  <a:buChar char="v"/>
-                </a:pPr>
-                <a:r>
-                  <a:rPr lang="en-US" altLang="ko-KR" sz="2400" dirty="0">
-                    <a:solidFill>
-                      <a:schemeClr val="tx2">
-                        <a:lumMod val="75000"/>
-                      </a:schemeClr>
-                    </a:solidFill>
-                    <a:latin typeface="Roboto Medium" panose="02000000000000000000" pitchFamily="2" charset="0"/>
-                    <a:ea typeface="Roboto Medium" panose="02000000000000000000" pitchFamily="2" charset="0"/>
-                    <a:cs typeface="Roboto Medium" panose="02000000000000000000" pitchFamily="2" charset="0"/>
-                  </a:rPr>
-                  <a:t>RMSE Performance Comparison: Active Learning MOGP </a:t>
-                </a:r>
-                <a14:m>
-                  <m:oMath xmlns:m="http://schemas.openxmlformats.org/officeDocument/2006/math">
-                    <m:r>
-                      <a:rPr lang="en-US" altLang="ko-KR" sz="2400" i="1" smtClean="0">
-                        <a:solidFill>
-                          <a:schemeClr val="tx2">
-                            <a:lumMod val="75000"/>
-                          </a:schemeClr>
-                        </a:solidFill>
-                        <a:latin typeface="Cambria Math" panose="02040503050406030204" pitchFamily="18" charset="0"/>
-                      </a:rPr>
-                      <m:t>(≤0.4)</m:t>
-                    </m:r>
-                  </m:oMath>
-                </a14:m>
-                <a:endParaRPr lang="en-US" altLang="ko-KR" sz="2400" dirty="0">
-                  <a:solidFill>
-                    <a:schemeClr val="tx2">
-                      <a:lumMod val="75000"/>
-                    </a:schemeClr>
-                  </a:solidFill>
-                  <a:latin typeface="Roboto Medium" panose="02000000000000000000" pitchFamily="2" charset="0"/>
-                  <a:ea typeface="Roboto Medium" panose="02000000000000000000" pitchFamily="2" charset="0"/>
-                  <a:cs typeface="Roboto Medium" panose="02000000000000000000" pitchFamily="2" charset="0"/>
-                </a:endParaRPr>
-              </a:p>
-              <a:p>
-                <a:pPr marL="342900" indent="-342900">
-                  <a:lnSpc>
-                    <a:spcPct val="200000"/>
-                  </a:lnSpc>
-                  <a:buFont typeface="Wingdings" panose="05000000000000000000" pitchFamily="2" charset="2"/>
-                  <a:buChar char="v"/>
-                </a:pPr>
-                <a:r>
-                  <a:rPr lang="en-US" altLang="ko-KR" sz="2400" dirty="0">
-                    <a:solidFill>
-                      <a:schemeClr val="tx2">
-                        <a:lumMod val="75000"/>
-                      </a:schemeClr>
-                    </a:solidFill>
-                    <a:latin typeface="Roboto Medium" panose="02000000000000000000" pitchFamily="2" charset="0"/>
-                    <a:ea typeface="Roboto Medium" panose="02000000000000000000" pitchFamily="2" charset="0"/>
-                    <a:cs typeface="Roboto Medium" panose="02000000000000000000" pitchFamily="2" charset="0"/>
-                  </a:rPr>
-                  <a:t>Datasets : BOSCH-Engine-Datasets</a:t>
-                </a:r>
-              </a:p>
-              <a:p>
-                <a:pPr marL="342900" indent="-342900">
-                  <a:lnSpc>
-                    <a:spcPct val="200000"/>
-                  </a:lnSpc>
-                  <a:buFont typeface="Wingdings" panose="05000000000000000000" pitchFamily="2" charset="2"/>
-                  <a:buChar char="v"/>
-                </a:pPr>
-                <a:r>
-                  <a:rPr lang="en-US" altLang="ko-KR" sz="2400" dirty="0">
-                    <a:solidFill>
-                      <a:schemeClr val="tx2">
-                        <a:lumMod val="75000"/>
-                      </a:schemeClr>
-                    </a:solidFill>
-                    <a:latin typeface="Roboto Medium" panose="02000000000000000000" pitchFamily="2" charset="0"/>
-                    <a:ea typeface="Roboto Medium" panose="02000000000000000000" pitchFamily="2" charset="0"/>
-                    <a:cs typeface="Roboto Medium" panose="02000000000000000000" pitchFamily="2" charset="0"/>
-                  </a:rPr>
-                  <a:t>Supervised Training : Labeling Output (HC, NOx, O2, etc.)</a:t>
-                </a:r>
-                <a:endParaRPr lang="ko-KR" altLang="en-US" sz="2400" dirty="0">
-                  <a:solidFill>
-                    <a:schemeClr val="tx2">
-                      <a:lumMod val="75000"/>
-                    </a:schemeClr>
-                  </a:solidFill>
-                  <a:latin typeface="Roboto Medium" panose="02000000000000000000" pitchFamily="2" charset="0"/>
-                  <a:cs typeface="Roboto Medium" panose="02000000000000000000" pitchFamily="2" charset="0"/>
-                </a:endParaRPr>
-              </a:p>
-            </p:txBody>
-          </p:sp>
-        </mc:Choice>
-        <mc:Fallback xmlns="">
-          <p:sp>
-            <p:nvSpPr>
-              <p:cNvPr id="28" name="TextBox 27">
-                <a:extLst>
-                  <a:ext uri="{FF2B5EF4-FFF2-40B4-BE49-F238E27FC236}">
-                    <a16:creationId xmlns:a16="http://schemas.microsoft.com/office/drawing/2014/main" id="{EF79E1B4-5657-E74E-AABA-6C183DBD08AA}"/>
-                  </a:ext>
-                </a:extLst>
-              </p:cNvPr>
-              <p:cNvSpPr txBox="1">
-                <a:spLocks noRot="1" noChangeAspect="1" noMove="1" noResize="1" noEditPoints="1" noAdjustHandles="1" noChangeArrowheads="1" noChangeShapeType="1" noTextEdit="1"/>
-              </p:cNvSpPr>
-              <p:nvPr/>
-            </p:nvSpPr>
-            <p:spPr>
-              <a:xfrm>
-                <a:off x="7100373" y="10470210"/>
-                <a:ext cx="10220975" cy="2939266"/>
-              </a:xfrm>
-              <a:prstGeom prst="rect">
-                <a:avLst/>
-              </a:prstGeom>
-              <a:blipFill>
-                <a:blip r:embed="rId6"/>
-                <a:stretch>
-                  <a:fillRect l="-835" b="-3942"/>
-                </a:stretch>
-              </a:blipFill>
-            </p:spPr>
-            <p:txBody>
-              <a:bodyPr/>
-              <a:lstStyle/>
-              <a:p>
-                <a:r>
-                  <a:rPr lang="ko-KR" altLang="en-US">
-                    <a:noFill/>
-                  </a:rPr>
-                  <a:t> </a:t>
-                </a:r>
-              </a:p>
-            </p:txBody>
-          </p:sp>
-        </mc:Fallback>
-      </mc:AlternateContent>
-      <p:sp>
-        <p:nvSpPr>
-          <p:cNvPr id="29" name="직사각형 28">
-            <a:extLst>
-              <a:ext uri="{FF2B5EF4-FFF2-40B4-BE49-F238E27FC236}">
-                <a16:creationId xmlns:a16="http://schemas.microsoft.com/office/drawing/2014/main" id="{6B85CB2E-510A-AD89-2C30-81D58F402610}"/>
-              </a:ext>
-            </a:extLst>
-          </p:cNvPr>
-          <p:cNvSpPr/>
-          <p:nvPr/>
-        </p:nvSpPr>
-        <p:spPr>
-          <a:xfrm>
-            <a:off x="17798852" y="10434025"/>
-            <a:ext cx="6382564" cy="3029076"/>
-          </a:xfrm>
-          <a:prstGeom prst="rect">
-            <a:avLst/>
-          </a:prstGeom>
-          <a:solidFill>
-            <a:schemeClr val="bg1">
-              <a:lumMod val="85000"/>
-            </a:schemeClr>
-          </a:solidFill>
-          <a:ln>
-            <a:noFill/>
-          </a:ln>
-        </p:spPr>
-        <p:style>
-          <a:lnRef idx="2">
-            <a:schemeClr val="accent1">
-              <a:shade val="15000"/>
-            </a:schemeClr>
-          </a:lnRef>
-          <a:fillRef idx="1">
-            <a:schemeClr val="accent1"/>
-          </a:fillRef>
-          <a:effectRef idx="0">
-            <a:schemeClr val="accent1"/>
-          </a:effectRef>
-          <a:fontRef idx="minor">
-            <a:schemeClr val="lt1"/>
-          </a:fontRef>
-        </p:style>
-        <p:txBody>
-          <a:bodyPr rtlCol="0" anchor="ctr"/>
-          <a:lstStyle/>
-          <a:p>
-            <a:pPr marL="457200" indent="-457200">
-              <a:buFont typeface="Wingdings" panose="05000000000000000000" pitchFamily="2" charset="2"/>
-              <a:buChar char="v"/>
-            </a:pPr>
-            <a:r>
-              <a:rPr lang="en-US" altLang="ko-KR" sz="2400" dirty="0">
-                <a:solidFill>
-                  <a:schemeClr val="tx1">
-                    <a:lumMod val="49000"/>
-                  </a:schemeClr>
-                </a:solidFill>
-                <a:latin typeface="Roboto Medium"/>
-                <a:ea typeface="맑은 고딕"/>
-                <a:cs typeface="Calibri"/>
-              </a:rPr>
-              <a:t>Train ML Model which Labeled by (HC, NOx, O2, etc.)</a:t>
-            </a:r>
-            <a:r>
-              <a:rPr lang="ko-KR" altLang="en-US" sz="2400" dirty="0">
-                <a:solidFill>
-                  <a:schemeClr val="tx1">
-                    <a:lumMod val="49000"/>
-                  </a:schemeClr>
-                </a:solidFill>
-                <a:latin typeface="Roboto Medium"/>
-                <a:ea typeface="맑은 고딕"/>
-                <a:cs typeface="Calibri"/>
-              </a:rPr>
-              <a:t> </a:t>
-            </a:r>
-            <a:r>
-              <a:rPr lang="en-US" altLang="ko-KR" sz="2400" dirty="0">
-                <a:solidFill>
-                  <a:schemeClr val="tx1">
-                    <a:lumMod val="49000"/>
-                  </a:schemeClr>
-                </a:solidFill>
-                <a:latin typeface="Roboto Medium"/>
-                <a:ea typeface="맑은 고딕"/>
-                <a:cs typeface="Calibri"/>
-              </a:rPr>
-              <a:t>and</a:t>
-            </a:r>
-            <a:r>
-              <a:rPr lang="ko-KR" altLang="en-US" sz="2400" dirty="0">
-                <a:solidFill>
-                  <a:schemeClr val="tx1">
-                    <a:lumMod val="49000"/>
-                  </a:schemeClr>
-                </a:solidFill>
-                <a:latin typeface="Roboto Medium"/>
-                <a:ea typeface="맑은 고딕"/>
-                <a:cs typeface="Calibri"/>
-              </a:rPr>
-              <a:t> </a:t>
-            </a:r>
-            <a:r>
-              <a:rPr lang="en-US" altLang="ko-KR" sz="2400" dirty="0">
-                <a:solidFill>
-                  <a:schemeClr val="tx1">
-                    <a:lumMod val="49000"/>
-                  </a:schemeClr>
-                </a:solidFill>
-                <a:latin typeface="Roboto Medium"/>
-                <a:ea typeface="맑은 고딕"/>
-                <a:cs typeface="Calibri"/>
-              </a:rPr>
-              <a:t>Compare</a:t>
-            </a:r>
-            <a:r>
-              <a:rPr lang="ko-KR" altLang="en-US" sz="2400" dirty="0">
-                <a:solidFill>
-                  <a:schemeClr val="tx1">
-                    <a:lumMod val="49000"/>
-                  </a:schemeClr>
-                </a:solidFill>
-                <a:latin typeface="Roboto Medium"/>
-                <a:ea typeface="맑은 고딕"/>
-                <a:cs typeface="Calibri"/>
-              </a:rPr>
-              <a:t> </a:t>
-            </a:r>
-            <a:r>
-              <a:rPr lang="en-US" altLang="ko-KR" sz="2400" dirty="0">
-                <a:solidFill>
-                  <a:schemeClr val="tx1">
-                    <a:lumMod val="49000"/>
-                  </a:schemeClr>
-                </a:solidFill>
-                <a:latin typeface="Roboto Medium"/>
-                <a:ea typeface="맑은 고딕"/>
-                <a:cs typeface="Calibri"/>
-              </a:rPr>
-              <a:t>Performance</a:t>
-            </a:r>
-          </a:p>
-          <a:p>
-            <a:pPr lvl="1"/>
-            <a:r>
-              <a:rPr lang="en-US" altLang="ko-KR" sz="2400" dirty="0">
-                <a:solidFill>
-                  <a:schemeClr val="tx1">
-                    <a:lumMod val="49000"/>
-                  </a:schemeClr>
-                </a:solidFill>
-                <a:latin typeface="Roboto Medium"/>
-                <a:ea typeface="맑은 고딕"/>
-                <a:cs typeface="Calibri"/>
-              </a:rPr>
-              <a:t>	</a:t>
-            </a:r>
-          </a:p>
-          <a:p>
-            <a:pPr lvl="1"/>
-            <a:r>
-              <a:rPr lang="en-US" altLang="ko-KR" sz="2400" dirty="0">
-                <a:solidFill>
-                  <a:schemeClr val="tx1">
-                    <a:lumMod val="49000"/>
-                  </a:schemeClr>
-                </a:solidFill>
-                <a:latin typeface="Roboto Medium"/>
-                <a:ea typeface="맑은 고딕"/>
-                <a:cs typeface="Calibri"/>
-              </a:rPr>
-              <a:t>	              OR</a:t>
-            </a:r>
-          </a:p>
-          <a:p>
-            <a:pPr marL="457200" indent="-457200">
-              <a:buFont typeface="Wingdings" panose="05000000000000000000" pitchFamily="2" charset="2"/>
-              <a:buChar char="v"/>
-            </a:pPr>
-            <a:endParaRPr lang="en-US" altLang="ko-KR" sz="2400" dirty="0">
-              <a:solidFill>
-                <a:schemeClr val="tx1">
-                  <a:lumMod val="49000"/>
-                </a:schemeClr>
-              </a:solidFill>
-              <a:latin typeface="Roboto Medium"/>
-              <a:ea typeface="맑은 고딕"/>
-              <a:cs typeface="Calibri"/>
-            </a:endParaRPr>
-          </a:p>
-          <a:p>
-            <a:pPr marL="457200" indent="-457200">
-              <a:buFont typeface="Wingdings" panose="05000000000000000000" pitchFamily="2" charset="2"/>
-              <a:buChar char="v"/>
-            </a:pPr>
-            <a:r>
-              <a:rPr lang="en-US" altLang="ko-KR" sz="2400" dirty="0">
-                <a:solidFill>
-                  <a:schemeClr val="tx1">
-                    <a:lumMod val="49000"/>
-                  </a:schemeClr>
-                </a:solidFill>
-                <a:latin typeface="Roboto Medium"/>
-                <a:ea typeface="맑은 고딕"/>
-                <a:cs typeface="Calibri"/>
-              </a:rPr>
-              <a:t>Diagnose Engine Fault Using BOSCH-Engine-Datasets</a:t>
-            </a:r>
-          </a:p>
-        </p:txBody>
-      </p:sp>
-      <p:sp>
-        <p:nvSpPr>
-          <p:cNvPr id="30" name="직사각형 29">
-            <a:extLst>
-              <a:ext uri="{FF2B5EF4-FFF2-40B4-BE49-F238E27FC236}">
-                <a16:creationId xmlns:a16="http://schemas.microsoft.com/office/drawing/2014/main" id="{3336D377-5DE8-3861-5297-FFAD2A97F8FE}"/>
-              </a:ext>
-            </a:extLst>
-          </p:cNvPr>
-          <p:cNvSpPr/>
-          <p:nvPr/>
-        </p:nvSpPr>
-        <p:spPr>
-          <a:xfrm>
-            <a:off x="17798852" y="10001710"/>
-            <a:ext cx="2490383" cy="567933"/>
-          </a:xfrm>
-          <a:prstGeom prst="rect">
-            <a:avLst/>
-          </a:prstGeom>
-          <a:solidFill>
-            <a:schemeClr val="tx2">
-              <a:lumMod val="75000"/>
-            </a:schemeClr>
-          </a:solidFill>
-          <a:ln>
-            <a:noFill/>
-          </a:ln>
-        </p:spPr>
-        <p:style>
-          <a:lnRef idx="2">
-            <a:schemeClr val="accent1">
-              <a:shade val="15000"/>
-            </a:schemeClr>
-          </a:lnRef>
-          <a:fillRef idx="1">
-            <a:schemeClr val="accent1"/>
-          </a:fillRef>
-          <a:effectRef idx="0">
-            <a:schemeClr val="accent1"/>
-          </a:effectRef>
-          <a:fontRef idx="minor">
-            <a:schemeClr val="lt1"/>
-          </a:fontRef>
-        </p:style>
-        <p:txBody>
-          <a:bodyPr rtlCol="0" anchor="ctr"/>
-          <a:lstStyle/>
-          <a:p>
-            <a:pPr algn="ctr"/>
-            <a:r>
-              <a:rPr lang="en-US" altLang="ko-KR" b="1" dirty="0">
-                <a:solidFill>
-                  <a:schemeClr val="bg2"/>
-                </a:solidFill>
-              </a:rPr>
-              <a:t>Plan</a:t>
-            </a:r>
-          </a:p>
-        </p:txBody>
-      </p:sp>
-      <p:sp>
-        <p:nvSpPr>
-          <p:cNvPr id="33" name="TextBox 32">
-            <a:extLst>
-              <a:ext uri="{FF2B5EF4-FFF2-40B4-BE49-F238E27FC236}">
-                <a16:creationId xmlns:a16="http://schemas.microsoft.com/office/drawing/2014/main" id="{1EAC1121-9FF8-2CDC-046F-3A6FC5D983E2}"/>
-              </a:ext>
-            </a:extLst>
-          </p:cNvPr>
-          <p:cNvSpPr txBox="1"/>
-          <p:nvPr/>
-        </p:nvSpPr>
-        <p:spPr>
-          <a:xfrm>
-            <a:off x="514075" y="13415380"/>
-            <a:ext cx="15966077" cy="307777"/>
-          </a:xfrm>
-          <a:prstGeom prst="rect">
-            <a:avLst/>
-          </a:prstGeom>
-          <a:noFill/>
-        </p:spPr>
-        <p:txBody>
-          <a:bodyPr wrap="square">
-            <a:spAutoFit/>
-          </a:bodyPr>
-          <a:lstStyle/>
-          <a:p>
-            <a:r>
-              <a:rPr lang="en-US" altLang="ko-KR" sz="1400" dirty="0">
-                <a:solidFill>
-                  <a:srgbClr val="C00000"/>
-                </a:solidFill>
-                <a:latin typeface="Roboto Light" panose="02000000000000000000" pitchFamily="2" charset="0"/>
-                <a:ea typeface="Roboto Light" panose="02000000000000000000" pitchFamily="2" charset="0"/>
-                <a:cs typeface="Roboto Light" panose="02000000000000000000" pitchFamily="2" charset="0"/>
-              </a:rPr>
-              <a:t>[3] </a:t>
-            </a:r>
-            <a:r>
-              <a:rPr lang="tr-TR" altLang="ko-KR" sz="1400" b="0" i="0" dirty="0">
-                <a:solidFill>
-                  <a:srgbClr val="222222"/>
-                </a:solidFill>
-                <a:effectLst/>
-                <a:latin typeface="Roboto Light" panose="02000000000000000000" pitchFamily="2" charset="0"/>
-                <a:ea typeface="Roboto Light" panose="02000000000000000000" pitchFamily="2" charset="0"/>
-                <a:cs typeface="Roboto Light" panose="02000000000000000000" pitchFamily="2" charset="0"/>
-              </a:rPr>
-              <a:t>Li, C. Y., Rakitsch, B., &amp; Zimmer, C. (2022, May). Safe active learning for multi-output gaussian processes. In International Conference on Artificial Intelligence and Statistics (pp. 4512-4551). PMLR.</a:t>
-            </a:r>
-            <a:endParaRPr lang="en-US" altLang="ko-KR" sz="1400" b="0" i="0" dirty="0">
-              <a:solidFill>
-                <a:srgbClr val="222222"/>
-              </a:solidFill>
-              <a:effectLst/>
-              <a:latin typeface="Roboto Light" panose="02000000000000000000" pitchFamily="2" charset="0"/>
-              <a:ea typeface="Roboto Light" panose="02000000000000000000" pitchFamily="2" charset="0"/>
-              <a:cs typeface="Roboto Light" panose="02000000000000000000" pitchFamily="2" charset="0"/>
-            </a:endParaRPr>
-          </a:p>
-        </p:txBody>
-      </p:sp>
-      <p:sp>
-        <p:nvSpPr>
-          <p:cNvPr id="38" name="TextBox 37">
-            <a:extLst>
-              <a:ext uri="{FF2B5EF4-FFF2-40B4-BE49-F238E27FC236}">
-                <a16:creationId xmlns:a16="http://schemas.microsoft.com/office/drawing/2014/main" id="{AF0CF946-BCDC-B19B-9B24-56F6A08A9EFB}"/>
-              </a:ext>
-            </a:extLst>
-          </p:cNvPr>
-          <p:cNvSpPr txBox="1"/>
-          <p:nvPr/>
-        </p:nvSpPr>
-        <p:spPr>
-          <a:xfrm>
-            <a:off x="496389" y="9570541"/>
-            <a:ext cx="12252960" cy="307777"/>
-          </a:xfrm>
-          <a:prstGeom prst="rect">
-            <a:avLst/>
-          </a:prstGeom>
-          <a:noFill/>
-        </p:spPr>
-        <p:txBody>
-          <a:bodyPr wrap="square">
-            <a:spAutoFit/>
-          </a:bodyPr>
-          <a:lstStyle/>
-          <a:p>
-            <a:r>
-              <a:rPr lang="en-US" altLang="ko-KR" sz="1400" dirty="0">
-                <a:solidFill>
-                  <a:srgbClr val="C00000"/>
-                </a:solidFill>
-                <a:latin typeface="Roboto Light" panose="02000000000000000000" pitchFamily="2" charset="0"/>
-                <a:ea typeface="Roboto Light" panose="02000000000000000000" pitchFamily="2" charset="0"/>
-                <a:cs typeface="Roboto Light" panose="02000000000000000000" pitchFamily="2" charset="0"/>
-              </a:rPr>
-              <a:t>[4] </a:t>
-            </a:r>
-            <a:r>
-              <a:rPr lang="en-US" altLang="ko-KR" sz="1400" dirty="0">
-                <a:solidFill>
-                  <a:schemeClr val="tx2">
-                    <a:lumMod val="75000"/>
-                  </a:schemeClr>
-                </a:solidFill>
-                <a:latin typeface="Roboto Light" panose="02000000000000000000" pitchFamily="2" charset="0"/>
-                <a:ea typeface="Roboto Light" panose="02000000000000000000" pitchFamily="2" charset="0"/>
-                <a:cs typeface="Roboto Light" panose="02000000000000000000" pitchFamily="2" charset="0"/>
-              </a:rPr>
-              <a:t>Bosch Research. (n.d.). Bosch Engine Datasets. GitHub. https://github.com/boschresearch/Bosch-Engine-Datasets</a:t>
-            </a:r>
-            <a:endParaRPr lang="en-US" altLang="ko-KR" sz="1400" b="0" i="1" dirty="0">
-              <a:solidFill>
-                <a:srgbClr val="333333"/>
-              </a:solidFill>
-              <a:effectLst/>
-              <a:latin typeface="Roboto Light" panose="02000000000000000000" pitchFamily="2" charset="0"/>
-              <a:ea typeface="Roboto Light" panose="02000000000000000000" pitchFamily="2" charset="0"/>
-              <a:cs typeface="Roboto Light" panose="02000000000000000000" pitchFamily="2" charset="0"/>
-            </a:endParaRPr>
-          </a:p>
-        </p:txBody>
-      </p:sp>
-    </p:spTree>
-    <p:extLst>
-      <p:ext uri="{BB962C8B-B14F-4D97-AF65-F5344CB8AC3E}">
-        <p14:creationId xmlns:p14="http://schemas.microsoft.com/office/powerpoint/2010/main" val="205718144"/>
-      </p:ext>
-    </p:extLst>
-  </p:cSld>
-  <p:clrMapOvr>
-    <a:masterClrMapping/>
-  </p:clrMapOvr>
-</p:sld>
-</file>
-
 <file path=ppt/theme/theme1.xml><?xml version="1.0" encoding="utf-8"?>
 <a:theme xmlns:a="http://schemas.openxmlformats.org/drawingml/2006/main" name="Office Theme">
   <a:themeElements>
